--- a/Capstone Project 1- presentation.pptx
+++ b/Capstone Project 1- presentation.pptx
@@ -5,15 +5,21 @@
     <p:sldMasterId id="2147483648" r:id="rId1"/>
   </p:sldMasterIdLst>
   <p:notesMasterIdLst>
-    <p:notesMasterId r:id="rId8"/>
+    <p:notesMasterId r:id="rId14"/>
   </p:notesMasterIdLst>
   <p:sldIdLst>
     <p:sldId id="256" r:id="rId2"/>
-    <p:sldId id="257" r:id="rId3"/>
-    <p:sldId id="258" r:id="rId4"/>
-    <p:sldId id="259" r:id="rId5"/>
-    <p:sldId id="260" r:id="rId6"/>
-    <p:sldId id="261" r:id="rId7"/>
+    <p:sldId id="262" r:id="rId3"/>
+    <p:sldId id="257" r:id="rId4"/>
+    <p:sldId id="258" r:id="rId5"/>
+    <p:sldId id="259" r:id="rId6"/>
+    <p:sldId id="260" r:id="rId7"/>
+    <p:sldId id="261" r:id="rId8"/>
+    <p:sldId id="263" r:id="rId9"/>
+    <p:sldId id="264" r:id="rId10"/>
+    <p:sldId id="265" r:id="rId11"/>
+    <p:sldId id="266" r:id="rId12"/>
+    <p:sldId id="267" r:id="rId13"/>
   </p:sldIdLst>
   <p:sldSz cx="12192000" cy="6858000"/>
   <p:notesSz cx="6858000" cy="9144000"/>
@@ -112,6 +118,11 @@
       </a:defRPr>
     </a:lvl9pPr>
   </p:defaultTextStyle>
+  <p:extLst>
+    <p:ext uri="{EFAFB233-063F-42B5-8137-9DF3F51BA10A}">
+      <p15:sldGuideLst xmlns:p15="http://schemas.microsoft.com/office/powerpoint/2012/main"/>
+    </p:ext>
+  </p:extLst>
 </p:presentation>
 </file>
 
@@ -197,7 +208,7 @@
           <a:p>
             <a:fld id="{8C4A3902-A64B-1A40-A546-F9F7823B7714}" type="datetimeFigureOut">
               <a:rPr lang="fr-FR" smtClean="0"/>
-              <a:t>02/08/2019</a:t>
+              <a:t>27/10/2019</a:t>
             </a:fld>
             <a:endParaRPr lang="fr-FR"/>
           </a:p>
@@ -530,7 +541,7 @@
           <a:p>
             <a:fld id="{024E0761-D737-4C4A-B0A4-0929C78DE885}" type="slidenum">
               <a:rPr lang="fr-FR" smtClean="0"/>
-              <a:t>5</a:t>
+              <a:t>6</a:t>
             </a:fld>
             <a:endParaRPr lang="fr-FR"/>
           </a:p>
@@ -614,7 +625,7 @@
           <a:p>
             <a:fld id="{024E0761-D737-4C4A-B0A4-0929C78DE885}" type="slidenum">
               <a:rPr lang="fr-FR" smtClean="0"/>
-              <a:t>6</a:t>
+              <a:t>7</a:t>
             </a:fld>
             <a:endParaRPr lang="fr-FR"/>
           </a:p>
@@ -624,6 +635,426 @@
     <p:extLst>
       <p:ext uri="{BB962C8B-B14F-4D97-AF65-F5344CB8AC3E}">
         <p14:creationId xmlns:p14="http://schemas.microsoft.com/office/powerpoint/2010/main" val="3006805842"/>
+      </p:ext>
+    </p:extLst>
+  </p:cSld>
+  <p:clrMapOvr>
+    <a:masterClrMapping/>
+  </p:clrMapOvr>
+</p:notes>
+</file>
+
+<file path=ppt/notesSlides/notesSlide3.xml><?xml version="1.0" encoding="utf-8"?>
+<p:notes xmlns:a="http://schemas.openxmlformats.org/drawingml/2006/main" xmlns:r="http://schemas.openxmlformats.org/officeDocument/2006/relationships" xmlns:p="http://schemas.openxmlformats.org/presentationml/2006/main">
+  <p:cSld>
+    <p:spTree>
+      <p:nvGrpSpPr>
+        <p:cNvPr id="1" name=""/>
+        <p:cNvGrpSpPr/>
+        <p:nvPr/>
+      </p:nvGrpSpPr>
+      <p:grpSpPr>
+        <a:xfrm>
+          <a:off x="0" y="0"/>
+          <a:ext cx="0" cy="0"/>
+          <a:chOff x="0" y="0"/>
+          <a:chExt cx="0" cy="0"/>
+        </a:xfrm>
+      </p:grpSpPr>
+      <p:sp>
+        <p:nvSpPr>
+          <p:cNvPr id="2" name="Slide Image Placeholder 1"/>
+          <p:cNvSpPr>
+            <a:spLocks noGrp="1" noRot="1" noChangeAspect="1"/>
+          </p:cNvSpPr>
+          <p:nvPr>
+            <p:ph type="sldImg"/>
+          </p:nvPr>
+        </p:nvSpPr>
+        <p:spPr/>
+      </p:sp>
+      <p:sp>
+        <p:nvSpPr>
+          <p:cNvPr id="3" name="Notes Placeholder 2"/>
+          <p:cNvSpPr>
+            <a:spLocks noGrp="1"/>
+          </p:cNvSpPr>
+          <p:nvPr>
+            <p:ph type="body" idx="1"/>
+          </p:nvPr>
+        </p:nvSpPr>
+        <p:spPr/>
+        <p:txBody>
+          <a:bodyPr/>
+          <a:lstStyle/>
+          <a:p>
+            <a:endParaRPr lang="fr-FR" dirty="0"/>
+          </a:p>
+        </p:txBody>
+      </p:sp>
+      <p:sp>
+        <p:nvSpPr>
+          <p:cNvPr id="4" name="Slide Number Placeholder 3"/>
+          <p:cNvSpPr>
+            <a:spLocks noGrp="1"/>
+          </p:cNvSpPr>
+          <p:nvPr>
+            <p:ph type="sldNum" sz="quarter" idx="5"/>
+          </p:nvPr>
+        </p:nvSpPr>
+        <p:spPr/>
+        <p:txBody>
+          <a:bodyPr/>
+          <a:lstStyle/>
+          <a:p>
+            <a:fld id="{024E0761-D737-4C4A-B0A4-0929C78DE885}" type="slidenum">
+              <a:rPr lang="fr-FR" smtClean="0"/>
+              <a:t>8</a:t>
+            </a:fld>
+            <a:endParaRPr lang="fr-FR"/>
+          </a:p>
+        </p:txBody>
+      </p:sp>
+    </p:spTree>
+    <p:extLst>
+      <p:ext uri="{BB962C8B-B14F-4D97-AF65-F5344CB8AC3E}">
+        <p14:creationId xmlns:p14="http://schemas.microsoft.com/office/powerpoint/2010/main" val="1452683059"/>
+      </p:ext>
+    </p:extLst>
+  </p:cSld>
+  <p:clrMapOvr>
+    <a:masterClrMapping/>
+  </p:clrMapOvr>
+</p:notes>
+</file>
+
+<file path=ppt/notesSlides/notesSlide4.xml><?xml version="1.0" encoding="utf-8"?>
+<p:notes xmlns:a="http://schemas.openxmlformats.org/drawingml/2006/main" xmlns:r="http://schemas.openxmlformats.org/officeDocument/2006/relationships" xmlns:p="http://schemas.openxmlformats.org/presentationml/2006/main">
+  <p:cSld>
+    <p:spTree>
+      <p:nvGrpSpPr>
+        <p:cNvPr id="1" name=""/>
+        <p:cNvGrpSpPr/>
+        <p:nvPr/>
+      </p:nvGrpSpPr>
+      <p:grpSpPr>
+        <a:xfrm>
+          <a:off x="0" y="0"/>
+          <a:ext cx="0" cy="0"/>
+          <a:chOff x="0" y="0"/>
+          <a:chExt cx="0" cy="0"/>
+        </a:xfrm>
+      </p:grpSpPr>
+      <p:sp>
+        <p:nvSpPr>
+          <p:cNvPr id="2" name="Slide Image Placeholder 1"/>
+          <p:cNvSpPr>
+            <a:spLocks noGrp="1" noRot="1" noChangeAspect="1"/>
+          </p:cNvSpPr>
+          <p:nvPr>
+            <p:ph type="sldImg"/>
+          </p:nvPr>
+        </p:nvSpPr>
+        <p:spPr/>
+      </p:sp>
+      <p:sp>
+        <p:nvSpPr>
+          <p:cNvPr id="3" name="Notes Placeholder 2"/>
+          <p:cNvSpPr>
+            <a:spLocks noGrp="1"/>
+          </p:cNvSpPr>
+          <p:nvPr>
+            <p:ph type="body" idx="1"/>
+          </p:nvPr>
+        </p:nvSpPr>
+        <p:spPr/>
+        <p:txBody>
+          <a:bodyPr/>
+          <a:lstStyle/>
+          <a:p>
+            <a:endParaRPr lang="fr-FR" dirty="0"/>
+          </a:p>
+        </p:txBody>
+      </p:sp>
+      <p:sp>
+        <p:nvSpPr>
+          <p:cNvPr id="4" name="Slide Number Placeholder 3"/>
+          <p:cNvSpPr>
+            <a:spLocks noGrp="1"/>
+          </p:cNvSpPr>
+          <p:nvPr>
+            <p:ph type="sldNum" sz="quarter" idx="5"/>
+          </p:nvPr>
+        </p:nvSpPr>
+        <p:spPr/>
+        <p:txBody>
+          <a:bodyPr/>
+          <a:lstStyle/>
+          <a:p>
+            <a:fld id="{024E0761-D737-4C4A-B0A4-0929C78DE885}" type="slidenum">
+              <a:rPr lang="fr-FR" smtClean="0"/>
+              <a:t>9</a:t>
+            </a:fld>
+            <a:endParaRPr lang="fr-FR"/>
+          </a:p>
+        </p:txBody>
+      </p:sp>
+    </p:spTree>
+    <p:extLst>
+      <p:ext uri="{BB962C8B-B14F-4D97-AF65-F5344CB8AC3E}">
+        <p14:creationId xmlns:p14="http://schemas.microsoft.com/office/powerpoint/2010/main" val="3725865435"/>
+      </p:ext>
+    </p:extLst>
+  </p:cSld>
+  <p:clrMapOvr>
+    <a:masterClrMapping/>
+  </p:clrMapOvr>
+</p:notes>
+</file>
+
+<file path=ppt/notesSlides/notesSlide5.xml><?xml version="1.0" encoding="utf-8"?>
+<p:notes xmlns:a="http://schemas.openxmlformats.org/drawingml/2006/main" xmlns:r="http://schemas.openxmlformats.org/officeDocument/2006/relationships" xmlns:p="http://schemas.openxmlformats.org/presentationml/2006/main">
+  <p:cSld>
+    <p:spTree>
+      <p:nvGrpSpPr>
+        <p:cNvPr id="1" name=""/>
+        <p:cNvGrpSpPr/>
+        <p:nvPr/>
+      </p:nvGrpSpPr>
+      <p:grpSpPr>
+        <a:xfrm>
+          <a:off x="0" y="0"/>
+          <a:ext cx="0" cy="0"/>
+          <a:chOff x="0" y="0"/>
+          <a:chExt cx="0" cy="0"/>
+        </a:xfrm>
+      </p:grpSpPr>
+      <p:sp>
+        <p:nvSpPr>
+          <p:cNvPr id="2" name="Slide Image Placeholder 1"/>
+          <p:cNvSpPr>
+            <a:spLocks noGrp="1" noRot="1" noChangeAspect="1"/>
+          </p:cNvSpPr>
+          <p:nvPr>
+            <p:ph type="sldImg"/>
+          </p:nvPr>
+        </p:nvSpPr>
+        <p:spPr/>
+      </p:sp>
+      <p:sp>
+        <p:nvSpPr>
+          <p:cNvPr id="3" name="Notes Placeholder 2"/>
+          <p:cNvSpPr>
+            <a:spLocks noGrp="1"/>
+          </p:cNvSpPr>
+          <p:nvPr>
+            <p:ph type="body" idx="1"/>
+          </p:nvPr>
+        </p:nvSpPr>
+        <p:spPr/>
+        <p:txBody>
+          <a:bodyPr/>
+          <a:lstStyle/>
+          <a:p>
+            <a:endParaRPr lang="fr-FR" dirty="0"/>
+          </a:p>
+        </p:txBody>
+      </p:sp>
+      <p:sp>
+        <p:nvSpPr>
+          <p:cNvPr id="4" name="Slide Number Placeholder 3"/>
+          <p:cNvSpPr>
+            <a:spLocks noGrp="1"/>
+          </p:cNvSpPr>
+          <p:nvPr>
+            <p:ph type="sldNum" sz="quarter" idx="5"/>
+          </p:nvPr>
+        </p:nvSpPr>
+        <p:spPr/>
+        <p:txBody>
+          <a:bodyPr/>
+          <a:lstStyle/>
+          <a:p>
+            <a:fld id="{024E0761-D737-4C4A-B0A4-0929C78DE885}" type="slidenum">
+              <a:rPr lang="fr-FR" smtClean="0"/>
+              <a:t>10</a:t>
+            </a:fld>
+            <a:endParaRPr lang="fr-FR"/>
+          </a:p>
+        </p:txBody>
+      </p:sp>
+    </p:spTree>
+    <p:extLst>
+      <p:ext uri="{BB962C8B-B14F-4D97-AF65-F5344CB8AC3E}">
+        <p14:creationId xmlns:p14="http://schemas.microsoft.com/office/powerpoint/2010/main" val="525116031"/>
+      </p:ext>
+    </p:extLst>
+  </p:cSld>
+  <p:clrMapOvr>
+    <a:masterClrMapping/>
+  </p:clrMapOvr>
+</p:notes>
+</file>
+
+<file path=ppt/notesSlides/notesSlide6.xml><?xml version="1.0" encoding="utf-8"?>
+<p:notes xmlns:a="http://schemas.openxmlformats.org/drawingml/2006/main" xmlns:r="http://schemas.openxmlformats.org/officeDocument/2006/relationships" xmlns:p="http://schemas.openxmlformats.org/presentationml/2006/main">
+  <p:cSld>
+    <p:spTree>
+      <p:nvGrpSpPr>
+        <p:cNvPr id="1" name=""/>
+        <p:cNvGrpSpPr/>
+        <p:nvPr/>
+      </p:nvGrpSpPr>
+      <p:grpSpPr>
+        <a:xfrm>
+          <a:off x="0" y="0"/>
+          <a:ext cx="0" cy="0"/>
+          <a:chOff x="0" y="0"/>
+          <a:chExt cx="0" cy="0"/>
+        </a:xfrm>
+      </p:grpSpPr>
+      <p:sp>
+        <p:nvSpPr>
+          <p:cNvPr id="2" name="Slide Image Placeholder 1"/>
+          <p:cNvSpPr>
+            <a:spLocks noGrp="1" noRot="1" noChangeAspect="1"/>
+          </p:cNvSpPr>
+          <p:nvPr>
+            <p:ph type="sldImg"/>
+          </p:nvPr>
+        </p:nvSpPr>
+        <p:spPr/>
+      </p:sp>
+      <p:sp>
+        <p:nvSpPr>
+          <p:cNvPr id="3" name="Notes Placeholder 2"/>
+          <p:cNvSpPr>
+            <a:spLocks noGrp="1"/>
+          </p:cNvSpPr>
+          <p:nvPr>
+            <p:ph type="body" idx="1"/>
+          </p:nvPr>
+        </p:nvSpPr>
+        <p:spPr/>
+        <p:txBody>
+          <a:bodyPr/>
+          <a:lstStyle/>
+          <a:p>
+            <a:endParaRPr lang="fr-FR" dirty="0"/>
+          </a:p>
+        </p:txBody>
+      </p:sp>
+      <p:sp>
+        <p:nvSpPr>
+          <p:cNvPr id="4" name="Slide Number Placeholder 3"/>
+          <p:cNvSpPr>
+            <a:spLocks noGrp="1"/>
+          </p:cNvSpPr>
+          <p:nvPr>
+            <p:ph type="sldNum" sz="quarter" idx="5"/>
+          </p:nvPr>
+        </p:nvSpPr>
+        <p:spPr/>
+        <p:txBody>
+          <a:bodyPr/>
+          <a:lstStyle/>
+          <a:p>
+            <a:fld id="{024E0761-D737-4C4A-B0A4-0929C78DE885}" type="slidenum">
+              <a:rPr lang="fr-FR" smtClean="0"/>
+              <a:t>11</a:t>
+            </a:fld>
+            <a:endParaRPr lang="fr-FR"/>
+          </a:p>
+        </p:txBody>
+      </p:sp>
+    </p:spTree>
+    <p:extLst>
+      <p:ext uri="{BB962C8B-B14F-4D97-AF65-F5344CB8AC3E}">
+        <p14:creationId xmlns:p14="http://schemas.microsoft.com/office/powerpoint/2010/main" val="3669434162"/>
+      </p:ext>
+    </p:extLst>
+  </p:cSld>
+  <p:clrMapOvr>
+    <a:masterClrMapping/>
+  </p:clrMapOvr>
+</p:notes>
+</file>
+
+<file path=ppt/notesSlides/notesSlide7.xml><?xml version="1.0" encoding="utf-8"?>
+<p:notes xmlns:a="http://schemas.openxmlformats.org/drawingml/2006/main" xmlns:r="http://schemas.openxmlformats.org/officeDocument/2006/relationships" xmlns:p="http://schemas.openxmlformats.org/presentationml/2006/main">
+  <p:cSld>
+    <p:spTree>
+      <p:nvGrpSpPr>
+        <p:cNvPr id="1" name=""/>
+        <p:cNvGrpSpPr/>
+        <p:nvPr/>
+      </p:nvGrpSpPr>
+      <p:grpSpPr>
+        <a:xfrm>
+          <a:off x="0" y="0"/>
+          <a:ext cx="0" cy="0"/>
+          <a:chOff x="0" y="0"/>
+          <a:chExt cx="0" cy="0"/>
+        </a:xfrm>
+      </p:grpSpPr>
+      <p:sp>
+        <p:nvSpPr>
+          <p:cNvPr id="2" name="Slide Image Placeholder 1"/>
+          <p:cNvSpPr>
+            <a:spLocks noGrp="1" noRot="1" noChangeAspect="1"/>
+          </p:cNvSpPr>
+          <p:nvPr>
+            <p:ph type="sldImg"/>
+          </p:nvPr>
+        </p:nvSpPr>
+        <p:spPr/>
+      </p:sp>
+      <p:sp>
+        <p:nvSpPr>
+          <p:cNvPr id="3" name="Notes Placeholder 2"/>
+          <p:cNvSpPr>
+            <a:spLocks noGrp="1"/>
+          </p:cNvSpPr>
+          <p:nvPr>
+            <p:ph type="body" idx="1"/>
+          </p:nvPr>
+        </p:nvSpPr>
+        <p:spPr/>
+        <p:txBody>
+          <a:bodyPr/>
+          <a:lstStyle/>
+          <a:p>
+            <a:endParaRPr lang="fr-FR" dirty="0"/>
+          </a:p>
+        </p:txBody>
+      </p:sp>
+      <p:sp>
+        <p:nvSpPr>
+          <p:cNvPr id="4" name="Slide Number Placeholder 3"/>
+          <p:cNvSpPr>
+            <a:spLocks noGrp="1"/>
+          </p:cNvSpPr>
+          <p:nvPr>
+            <p:ph type="sldNum" sz="quarter" idx="5"/>
+          </p:nvPr>
+        </p:nvSpPr>
+        <p:spPr/>
+        <p:txBody>
+          <a:bodyPr/>
+          <a:lstStyle/>
+          <a:p>
+            <a:fld id="{024E0761-D737-4C4A-B0A4-0929C78DE885}" type="slidenum">
+              <a:rPr lang="fr-FR" smtClean="0"/>
+              <a:t>12</a:t>
+            </a:fld>
+            <a:endParaRPr lang="fr-FR"/>
+          </a:p>
+        </p:txBody>
+      </p:sp>
+    </p:spTree>
+    <p:extLst>
+      <p:ext uri="{BB962C8B-B14F-4D97-AF65-F5344CB8AC3E}">
+        <p14:creationId xmlns:p14="http://schemas.microsoft.com/office/powerpoint/2010/main" val="1489524945"/>
       </p:ext>
     </p:extLst>
   </p:cSld>
@@ -780,9 +1211,9 @@
           <a:bodyPr/>
           <a:lstStyle/>
           <a:p>
-            <a:fld id="{6DD2CFE7-838A-C145-B59D-9977431FAF83}" type="datetimeFigureOut">
+            <a:fld id="{7683E9BB-63BC-CB42-B42C-2CBEEA20496B}" type="datetime1">
               <a:rPr lang="fr-FR" smtClean="0"/>
-              <a:t>01/08/2019</a:t>
+              <a:t>27/10/2019</a:t>
             </a:fld>
             <a:endParaRPr lang="fr-FR"/>
           </a:p>
@@ -980,9 +1411,9 @@
           <a:bodyPr/>
           <a:lstStyle/>
           <a:p>
-            <a:fld id="{6DD2CFE7-838A-C145-B59D-9977431FAF83}" type="datetimeFigureOut">
+            <a:fld id="{0743E890-9F85-FA49-ACDC-6C27B30DDCD4}" type="datetime1">
               <a:rPr lang="fr-FR" smtClean="0"/>
-              <a:t>01/08/2019</a:t>
+              <a:t>27/10/2019</a:t>
             </a:fld>
             <a:endParaRPr lang="fr-FR"/>
           </a:p>
@@ -1190,9 +1621,9 @@
           <a:bodyPr/>
           <a:lstStyle/>
           <a:p>
-            <a:fld id="{6DD2CFE7-838A-C145-B59D-9977431FAF83}" type="datetimeFigureOut">
+            <a:fld id="{3A14C9DF-CC51-424F-B2E2-15811F947FF9}" type="datetime1">
               <a:rPr lang="fr-FR" smtClean="0"/>
-              <a:t>01/08/2019</a:t>
+              <a:t>27/10/2019</a:t>
             </a:fld>
             <a:endParaRPr lang="fr-FR"/>
           </a:p>
@@ -1390,9 +1821,9 @@
           <a:bodyPr/>
           <a:lstStyle/>
           <a:p>
-            <a:fld id="{6DD2CFE7-838A-C145-B59D-9977431FAF83}" type="datetimeFigureOut">
+            <a:fld id="{C926051D-FCC6-904D-A08C-DC9EE86A1EBC}" type="datetime1">
               <a:rPr lang="fr-FR" smtClean="0"/>
-              <a:t>01/08/2019</a:t>
+              <a:t>27/10/2019</a:t>
             </a:fld>
             <a:endParaRPr lang="fr-FR"/>
           </a:p>
@@ -1666,9 +2097,9 @@
           <a:bodyPr/>
           <a:lstStyle/>
           <a:p>
-            <a:fld id="{6DD2CFE7-838A-C145-B59D-9977431FAF83}" type="datetimeFigureOut">
+            <a:fld id="{07E4852B-C4E4-0A48-A400-D037109F84FF}" type="datetime1">
               <a:rPr lang="fr-FR" smtClean="0"/>
-              <a:t>01/08/2019</a:t>
+              <a:t>27/10/2019</a:t>
             </a:fld>
             <a:endParaRPr lang="fr-FR"/>
           </a:p>
@@ -1934,9 +2365,9 @@
           <a:bodyPr/>
           <a:lstStyle/>
           <a:p>
-            <a:fld id="{6DD2CFE7-838A-C145-B59D-9977431FAF83}" type="datetimeFigureOut">
+            <a:fld id="{B4543612-858C-FC49-9F24-66F976A98383}" type="datetime1">
               <a:rPr lang="fr-FR" smtClean="0"/>
-              <a:t>01/08/2019</a:t>
+              <a:t>27/10/2019</a:t>
             </a:fld>
             <a:endParaRPr lang="fr-FR"/>
           </a:p>
@@ -2349,9 +2780,9 @@
           <a:bodyPr/>
           <a:lstStyle/>
           <a:p>
-            <a:fld id="{6DD2CFE7-838A-C145-B59D-9977431FAF83}" type="datetimeFigureOut">
+            <a:fld id="{6E17388E-D7AE-9B46-889E-D4A5FFC079D3}" type="datetime1">
               <a:rPr lang="fr-FR" smtClean="0"/>
-              <a:t>01/08/2019</a:t>
+              <a:t>27/10/2019</a:t>
             </a:fld>
             <a:endParaRPr lang="fr-FR"/>
           </a:p>
@@ -2491,9 +2922,9 @@
           <a:bodyPr/>
           <a:lstStyle/>
           <a:p>
-            <a:fld id="{6DD2CFE7-838A-C145-B59D-9977431FAF83}" type="datetimeFigureOut">
+            <a:fld id="{4310A22D-C6E4-A948-9BAE-74E7AC8442A6}" type="datetime1">
               <a:rPr lang="fr-FR" smtClean="0"/>
-              <a:t>01/08/2019</a:t>
+              <a:t>27/10/2019</a:t>
             </a:fld>
             <a:endParaRPr lang="fr-FR"/>
           </a:p>
@@ -2604,9 +3035,9 @@
           <a:bodyPr/>
           <a:lstStyle/>
           <a:p>
-            <a:fld id="{6DD2CFE7-838A-C145-B59D-9977431FAF83}" type="datetimeFigureOut">
+            <a:fld id="{5D8FCC67-BC61-EB4B-A769-178AD9ABFA62}" type="datetime1">
               <a:rPr lang="fr-FR" smtClean="0"/>
-              <a:t>01/08/2019</a:t>
+              <a:t>27/10/2019</a:t>
             </a:fld>
             <a:endParaRPr lang="fr-FR"/>
           </a:p>
@@ -2917,9 +3348,9 @@
           <a:bodyPr/>
           <a:lstStyle/>
           <a:p>
-            <a:fld id="{6DD2CFE7-838A-C145-B59D-9977431FAF83}" type="datetimeFigureOut">
+            <a:fld id="{7B47467B-1AF9-FB43-993B-6096EFC3673A}" type="datetime1">
               <a:rPr lang="fr-FR" smtClean="0"/>
-              <a:t>01/08/2019</a:t>
+              <a:t>27/10/2019</a:t>
             </a:fld>
             <a:endParaRPr lang="fr-FR"/>
           </a:p>
@@ -3206,9 +3637,9 @@
           <a:bodyPr/>
           <a:lstStyle/>
           <a:p>
-            <a:fld id="{6DD2CFE7-838A-C145-B59D-9977431FAF83}" type="datetimeFigureOut">
+            <a:fld id="{AF66045A-9961-6E40-A948-04BD8FFFCDD4}" type="datetime1">
               <a:rPr lang="fr-FR" smtClean="0"/>
-              <a:t>01/08/2019</a:t>
+              <a:t>27/10/2019</a:t>
             </a:fld>
             <a:endParaRPr lang="fr-FR"/>
           </a:p>
@@ -3449,9 +3880,9 @@
             </a:lvl1pPr>
           </a:lstStyle>
           <a:p>
-            <a:fld id="{6DD2CFE7-838A-C145-B59D-9977431FAF83}" type="datetimeFigureOut">
+            <a:fld id="{6685C74C-11DD-2A44-B88C-6081D91975F6}" type="datetime1">
               <a:rPr lang="fr-FR" smtClean="0"/>
-              <a:t>01/08/2019</a:t>
+              <a:t>27/10/2019</a:t>
             </a:fld>
             <a:endParaRPr lang="fr-FR"/>
           </a:p>
@@ -3568,6 +3999,7 @@
     <p:sldLayoutId id="2147483658" r:id="rId10"/>
     <p:sldLayoutId id="2147483659" r:id="rId11"/>
   </p:sldLayoutIdLst>
+  <p:hf hdr="0" dt="0"/>
   <p:txStyles>
     <p:titleStyle>
       <a:lvl1pPr algn="l" defTabSz="914400" rtl="0" eaLnBrk="1" latinLnBrk="0" hangingPunct="1">
@@ -3889,7 +4321,7 @@
         </p:blipFill>
         <p:spPr>
           <a:xfrm>
-            <a:off x="0" y="324465"/>
+            <a:off x="0" y="117993"/>
             <a:ext cx="12192000" cy="6209070"/>
           </a:xfrm>
           <a:prstGeom prst="rect">
@@ -3926,19 +4358,43 @@
           <a:lstStyle/>
           <a:p>
             <a:r>
-              <a:rPr lang="fr-FR" b="1" dirty="0" err="1"/>
+              <a:rPr lang="fr-FR" b="1" dirty="0" err="1">
+                <a:ln>
+                  <a:solidFill>
+                    <a:sysClr val="windowText" lastClr="000000"/>
+                  </a:solidFill>
+                </a:ln>
+              </a:rPr>
               <a:t>Analyzing</a:t>
             </a:r>
             <a:r>
-              <a:rPr lang="fr-FR" b="1" dirty="0"/>
+              <a:rPr lang="fr-FR" b="1" dirty="0">
+                <a:ln>
+                  <a:solidFill>
+                    <a:sysClr val="windowText" lastClr="000000"/>
+                  </a:solidFill>
+                </a:ln>
+              </a:rPr>
               <a:t> </a:t>
             </a:r>
             <a:r>
-              <a:rPr lang="fr-FR" b="1" dirty="0" err="1"/>
+              <a:rPr lang="fr-FR" b="1" dirty="0" err="1">
+                <a:ln>
+                  <a:solidFill>
+                    <a:sysClr val="windowText" lastClr="000000"/>
+                  </a:solidFill>
+                </a:ln>
+              </a:rPr>
               <a:t>neighborhoods</a:t>
             </a:r>
             <a:r>
-              <a:rPr lang="fr-FR" b="1" dirty="0"/>
+              <a:rPr lang="fr-FR" b="1" dirty="0">
+                <a:ln>
+                  <a:solidFill>
+                    <a:sysClr val="windowText" lastClr="000000"/>
+                  </a:solidFill>
+                </a:ln>
+              </a:rPr>
               <a:t> in the US</a:t>
             </a:r>
           </a:p>
@@ -3962,13 +4418,13 @@
         </p:nvSpPr>
         <p:spPr>
           <a:xfrm>
-            <a:off x="1381433" y="5692877"/>
+            <a:off x="1381432" y="5344534"/>
             <a:ext cx="9429134" cy="981024"/>
           </a:xfrm>
         </p:spPr>
         <p:txBody>
           <a:bodyPr>
-            <a:normAutofit/>
+            <a:normAutofit fontScale="85000" lnSpcReduction="20000"/>
           </a:bodyPr>
           <a:lstStyle/>
           <a:p>
@@ -4010,12 +4466,2684 @@
               </a:ln>
             </a:endParaRPr>
           </a:p>
+          <a:p>
+            <a:r>
+              <a:rPr lang="fr-FR" sz="4000" b="1" dirty="0" err="1">
+                <a:ln>
+                  <a:solidFill>
+                    <a:schemeClr val="bg1"/>
+                  </a:solidFill>
+                </a:ln>
+              </a:rPr>
+              <a:t>October</a:t>
+            </a:r>
+            <a:r>
+              <a:rPr lang="fr-FR" sz="4000" b="1" dirty="0">
+                <a:ln>
+                  <a:solidFill>
+                    <a:schemeClr val="bg1"/>
+                  </a:solidFill>
+                </a:ln>
+              </a:rPr>
+              <a:t> 2019</a:t>
+            </a:r>
+          </a:p>
+        </p:txBody>
+      </p:sp>
+      <p:sp>
+        <p:nvSpPr>
+          <p:cNvPr id="2" name="Slide Number Placeholder 1">
+            <a:extLst>
+              <a:ext uri="{FF2B5EF4-FFF2-40B4-BE49-F238E27FC236}">
+                <a16:creationId xmlns:a16="http://schemas.microsoft.com/office/drawing/2014/main" id="{3542B567-B46B-164D-A469-08858410012D}"/>
+              </a:ext>
+            </a:extLst>
+          </p:cNvPr>
+          <p:cNvSpPr>
+            <a:spLocks noGrp="1"/>
+          </p:cNvSpPr>
+          <p:nvPr>
+            <p:ph type="sldNum" sz="quarter" idx="12"/>
+          </p:nvPr>
+        </p:nvSpPr>
+        <p:spPr/>
+        <p:txBody>
+          <a:bodyPr/>
+          <a:lstStyle/>
+          <a:p>
+            <a:fld id="{D2162F12-6F32-264E-B336-B9A8BBC2530F}" type="slidenum">
+              <a:rPr lang="fr-FR" smtClean="0"/>
+              <a:t>1</a:t>
+            </a:fld>
+            <a:endParaRPr lang="fr-FR"/>
+          </a:p>
         </p:txBody>
       </p:sp>
     </p:spTree>
     <p:extLst>
       <p:ext uri="{BB962C8B-B14F-4D97-AF65-F5344CB8AC3E}">
         <p14:creationId xmlns:p14="http://schemas.microsoft.com/office/powerpoint/2010/main" val="4064463412"/>
+      </p:ext>
+    </p:extLst>
+  </p:cSld>
+  <p:clrMapOvr>
+    <a:masterClrMapping/>
+  </p:clrMapOvr>
+</p:sld>
+</file>
+
+<file path=ppt/slides/slide10.xml><?xml version="1.0" encoding="utf-8"?>
+<p:sld xmlns:a="http://schemas.openxmlformats.org/drawingml/2006/main" xmlns:r="http://schemas.openxmlformats.org/officeDocument/2006/relationships" xmlns:p="http://schemas.openxmlformats.org/presentationml/2006/main">
+  <p:cSld>
+    <p:spTree>
+      <p:nvGrpSpPr>
+        <p:cNvPr id="1" name=""/>
+        <p:cNvGrpSpPr/>
+        <p:nvPr/>
+      </p:nvGrpSpPr>
+      <p:grpSpPr>
+        <a:xfrm>
+          <a:off x="0" y="0"/>
+          <a:ext cx="0" cy="0"/>
+          <a:chOff x="0" y="0"/>
+          <a:chExt cx="0" cy="0"/>
+        </a:xfrm>
+      </p:grpSpPr>
+      <p:cxnSp>
+        <p:nvCxnSpPr>
+          <p:cNvPr id="9" name="Straight Connector 8">
+            <a:extLst>
+              <a:ext uri="{FF2B5EF4-FFF2-40B4-BE49-F238E27FC236}">
+                <a16:creationId xmlns:a16="http://schemas.microsoft.com/office/drawing/2014/main" id="{55B425AD-7721-8448-AE48-3107DD2CF4C7}"/>
+              </a:ext>
+            </a:extLst>
+          </p:cNvPr>
+          <p:cNvCxnSpPr/>
+          <p:nvPr/>
+        </p:nvCxnSpPr>
+        <p:spPr>
+          <a:xfrm>
+            <a:off x="0" y="1076628"/>
+            <a:ext cx="12211667" cy="0"/>
+          </a:xfrm>
+          <a:prstGeom prst="line">
+            <a:avLst/>
+          </a:prstGeom>
+          <a:ln>
+            <a:solidFill>
+              <a:schemeClr val="tx1"/>
+            </a:solidFill>
+          </a:ln>
+        </p:spPr>
+        <p:style>
+          <a:lnRef idx="1">
+            <a:schemeClr val="accent1"/>
+          </a:lnRef>
+          <a:fillRef idx="0">
+            <a:schemeClr val="accent1"/>
+          </a:fillRef>
+          <a:effectRef idx="0">
+            <a:schemeClr val="accent1"/>
+          </a:effectRef>
+          <a:fontRef idx="minor">
+            <a:schemeClr val="tx1"/>
+          </a:fontRef>
+        </p:style>
+      </p:cxnSp>
+      <p:sp>
+        <p:nvSpPr>
+          <p:cNvPr id="10" name="Title 1">
+            <a:extLst>
+              <a:ext uri="{FF2B5EF4-FFF2-40B4-BE49-F238E27FC236}">
+                <a16:creationId xmlns:a16="http://schemas.microsoft.com/office/drawing/2014/main" id="{34498A9E-7F8D-E144-A898-7BBBF5C5A87A}"/>
+              </a:ext>
+            </a:extLst>
+          </p:cNvPr>
+          <p:cNvSpPr txBox="1">
+            <a:spLocks/>
+          </p:cNvSpPr>
+          <p:nvPr/>
+        </p:nvSpPr>
+        <p:spPr>
+          <a:xfrm>
+            <a:off x="3683409" y="250725"/>
+            <a:ext cx="4825181" cy="923772"/>
+          </a:xfrm>
+          <a:prstGeom prst="rect">
+            <a:avLst/>
+          </a:prstGeom>
+        </p:spPr>
+        <p:txBody>
+          <a:bodyPr vert="horz" lIns="91440" tIns="45720" rIns="91440" bIns="45720" rtlCol="0" anchor="ctr">
+            <a:normAutofit fontScale="92500"/>
+          </a:bodyPr>
+          <a:lstStyle>
+            <a:lvl1pPr algn="l" defTabSz="914400" rtl="0" eaLnBrk="1" latinLnBrk="0" hangingPunct="1">
+              <a:lnSpc>
+                <a:spcPct val="90000"/>
+              </a:lnSpc>
+              <a:spcBef>
+                <a:spcPct val="0"/>
+              </a:spcBef>
+              <a:buNone/>
+              <a:defRPr sz="4400" kern="1200">
+                <a:solidFill>
+                  <a:schemeClr val="tx1"/>
+                </a:solidFill>
+                <a:latin typeface="+mj-lt"/>
+                <a:ea typeface="+mj-ea"/>
+                <a:cs typeface="+mj-cs"/>
+              </a:defRPr>
+            </a:lvl1pPr>
+          </a:lstStyle>
+          <a:p>
+            <a:pPr algn="ctr"/>
+            <a:r>
+              <a:rPr lang="fr-FR" b="1" dirty="0" err="1"/>
+              <a:t>Checking</a:t>
+            </a:r>
+            <a:r>
+              <a:rPr lang="fr-FR" b="1" dirty="0"/>
+              <a:t> </a:t>
+            </a:r>
+            <a:r>
+              <a:rPr lang="fr-FR" b="1" dirty="0" err="1"/>
+              <a:t>correlations</a:t>
+            </a:r>
+            <a:endParaRPr lang="fr-FR" b="1" dirty="0"/>
+          </a:p>
+        </p:txBody>
+      </p:sp>
+      <p:sp>
+        <p:nvSpPr>
+          <p:cNvPr id="2" name="Slide Number Placeholder 1">
+            <a:extLst>
+              <a:ext uri="{FF2B5EF4-FFF2-40B4-BE49-F238E27FC236}">
+                <a16:creationId xmlns:a16="http://schemas.microsoft.com/office/drawing/2014/main" id="{36A96C12-8A52-B34E-8DB6-4286B26ADD8A}"/>
+              </a:ext>
+            </a:extLst>
+          </p:cNvPr>
+          <p:cNvSpPr>
+            <a:spLocks noGrp="1"/>
+          </p:cNvSpPr>
+          <p:nvPr>
+            <p:ph type="sldNum" sz="quarter" idx="12"/>
+          </p:nvPr>
+        </p:nvSpPr>
+        <p:spPr/>
+        <p:txBody>
+          <a:bodyPr/>
+          <a:lstStyle/>
+          <a:p>
+            <a:fld id="{D2162F12-6F32-264E-B336-B9A8BBC2530F}" type="slidenum">
+              <a:rPr lang="fr-FR" smtClean="0"/>
+              <a:t>10</a:t>
+            </a:fld>
+            <a:endParaRPr lang="fr-FR"/>
+          </a:p>
+        </p:txBody>
+      </p:sp>
+      <p:sp>
+        <p:nvSpPr>
+          <p:cNvPr id="3" name="Footer Placeholder 2">
+            <a:extLst>
+              <a:ext uri="{FF2B5EF4-FFF2-40B4-BE49-F238E27FC236}">
+                <a16:creationId xmlns:a16="http://schemas.microsoft.com/office/drawing/2014/main" id="{BC132929-AFA8-914B-A205-3DB94498310A}"/>
+              </a:ext>
+            </a:extLst>
+          </p:cNvPr>
+          <p:cNvSpPr>
+            <a:spLocks noGrp="1"/>
+          </p:cNvSpPr>
+          <p:nvPr>
+            <p:ph type="ftr" sz="quarter" idx="11"/>
+          </p:nvPr>
+        </p:nvSpPr>
+        <p:spPr/>
+        <p:txBody>
+          <a:bodyPr/>
+          <a:lstStyle/>
+          <a:p>
+            <a:r>
+              <a:rPr lang="fr-FR" dirty="0" err="1"/>
+              <a:t>Inferential</a:t>
+            </a:r>
+            <a:r>
+              <a:rPr lang="fr-FR" dirty="0"/>
+              <a:t> </a:t>
+            </a:r>
+            <a:r>
+              <a:rPr lang="fr-FR" dirty="0" err="1"/>
+              <a:t>Statistics</a:t>
+            </a:r>
+            <a:endParaRPr lang="fr-FR" dirty="0"/>
+          </a:p>
+        </p:txBody>
+      </p:sp>
+      <p:sp>
+        <p:nvSpPr>
+          <p:cNvPr id="5" name="Rectangle 4">
+            <a:extLst>
+              <a:ext uri="{FF2B5EF4-FFF2-40B4-BE49-F238E27FC236}">
+                <a16:creationId xmlns:a16="http://schemas.microsoft.com/office/drawing/2014/main" id="{48183DDA-7EFD-254D-9B27-F56D84E142BA}"/>
+              </a:ext>
+            </a:extLst>
+          </p:cNvPr>
+          <p:cNvSpPr/>
+          <p:nvPr/>
+        </p:nvSpPr>
+        <p:spPr>
+          <a:xfrm>
+            <a:off x="4450635" y="1329424"/>
+            <a:ext cx="5865949" cy="1261884"/>
+          </a:xfrm>
+          <a:prstGeom prst="rect">
+            <a:avLst/>
+          </a:prstGeom>
+        </p:spPr>
+        <p:txBody>
+          <a:bodyPr wrap="square">
+            <a:spAutoFit/>
+          </a:bodyPr>
+          <a:lstStyle/>
+          <a:p>
+            <a:r>
+              <a:rPr lang="en-US" sz="2000" b="1" dirty="0"/>
+              <a:t>Correlation between '</a:t>
+            </a:r>
+            <a:r>
+              <a:rPr lang="en-US" sz="2000" b="1" dirty="0" err="1"/>
+              <a:t>raw_visit_count</a:t>
+            </a:r>
+            <a:r>
+              <a:rPr lang="en-US" sz="2000" b="1" dirty="0"/>
+              <a:t>' and variables representing popularity by hour</a:t>
+            </a:r>
+            <a:endParaRPr lang="fr-FR" sz="2000" b="1" dirty="0"/>
+          </a:p>
+          <a:p>
+            <a:pPr marL="285750" indent="-285750">
+              <a:buFont typeface="Arial" panose="020B0604020202020204" pitchFamily="34" charset="0"/>
+              <a:buChar char="•"/>
+            </a:pPr>
+            <a:r>
+              <a:rPr lang="en-US" dirty="0"/>
+              <a:t>Positive correlation </a:t>
+            </a:r>
+          </a:p>
+          <a:p>
+            <a:pPr marL="285750" indent="-285750">
+              <a:buFont typeface="Arial" panose="020B0604020202020204" pitchFamily="34" charset="0"/>
+              <a:buChar char="•"/>
+            </a:pPr>
+            <a:r>
+              <a:rPr lang="en-US" dirty="0"/>
+              <a:t>Ok to use these variables in the model</a:t>
+            </a:r>
+            <a:endParaRPr lang="fr-FR" dirty="0"/>
+          </a:p>
+        </p:txBody>
+      </p:sp>
+      <p:sp>
+        <p:nvSpPr>
+          <p:cNvPr id="7" name="Rectangle 6">
+            <a:extLst>
+              <a:ext uri="{FF2B5EF4-FFF2-40B4-BE49-F238E27FC236}">
+                <a16:creationId xmlns:a16="http://schemas.microsoft.com/office/drawing/2014/main" id="{627AF09F-78E3-5443-A231-D5C7DF807019}"/>
+              </a:ext>
+            </a:extLst>
+          </p:cNvPr>
+          <p:cNvSpPr/>
+          <p:nvPr/>
+        </p:nvSpPr>
+        <p:spPr>
+          <a:xfrm>
+            <a:off x="7141170" y="3220251"/>
+            <a:ext cx="4684489" cy="2092881"/>
+          </a:xfrm>
+          <a:prstGeom prst="rect">
+            <a:avLst/>
+          </a:prstGeom>
+        </p:spPr>
+        <p:txBody>
+          <a:bodyPr wrap="square">
+            <a:spAutoFit/>
+          </a:bodyPr>
+          <a:lstStyle/>
+          <a:p>
+            <a:r>
+              <a:rPr lang="en-US" sz="2000" b="1" dirty="0"/>
+              <a:t>Correlation between '</a:t>
+            </a:r>
+            <a:r>
+              <a:rPr lang="en-US" sz="2000" b="1" dirty="0" err="1"/>
+              <a:t>raw_visit_count</a:t>
+            </a:r>
+            <a:r>
+              <a:rPr lang="en-US" sz="2000" b="1" dirty="0"/>
+              <a:t>' and variable representing popularity by day</a:t>
+            </a:r>
+            <a:endParaRPr lang="fr-FR" sz="2000" b="1" dirty="0"/>
+          </a:p>
+          <a:p>
+            <a:pPr marL="285750" indent="-285750">
+              <a:buFont typeface="Arial" panose="020B0604020202020204" pitchFamily="34" charset="0"/>
+              <a:buChar char="•"/>
+            </a:pPr>
+            <a:r>
+              <a:rPr lang="en-US" dirty="0"/>
+              <a:t>Highly, almost perfect, correlation </a:t>
+            </a:r>
+          </a:p>
+          <a:p>
+            <a:pPr marL="285750" indent="-285750">
+              <a:buFont typeface="Arial" panose="020B0604020202020204" pitchFamily="34" charset="0"/>
+              <a:buChar char="•"/>
+            </a:pPr>
+            <a:r>
+              <a:rPr lang="en-US" dirty="0"/>
+              <a:t>Unexpected </a:t>
+            </a:r>
+          </a:p>
+          <a:p>
+            <a:pPr marL="285750" indent="-285750">
+              <a:buFont typeface="Arial" panose="020B0604020202020204" pitchFamily="34" charset="0"/>
+              <a:buChar char="•"/>
+            </a:pPr>
+            <a:r>
+              <a:rPr lang="en-US" dirty="0"/>
+              <a:t>Not ok to use these variables to predict the number of visitors in the model since they will not bring any additional information.</a:t>
+            </a:r>
+            <a:endParaRPr lang="fr-FR" dirty="0"/>
+          </a:p>
+        </p:txBody>
+      </p:sp>
+      <p:pic>
+        <p:nvPicPr>
+          <p:cNvPr id="11" name="Picture 10">
+            <a:extLst>
+              <a:ext uri="{FF2B5EF4-FFF2-40B4-BE49-F238E27FC236}">
+                <a16:creationId xmlns:a16="http://schemas.microsoft.com/office/drawing/2014/main" id="{292D17CB-4E56-CA43-A319-13B0F9E06D13}"/>
+              </a:ext>
+            </a:extLst>
+          </p:cNvPr>
+          <p:cNvPicPr/>
+          <p:nvPr/>
+        </p:nvPicPr>
+        <p:blipFill rotWithShape="1">
+          <a:blip r:embed="rId3">
+            <a:extLst>
+              <a:ext uri="{28A0092B-C50C-407E-A947-70E740481C1C}">
+                <a14:useLocalDpi xmlns:a14="http://schemas.microsoft.com/office/drawing/2010/main" val="0"/>
+              </a:ext>
+            </a:extLst>
+          </a:blip>
+          <a:srcRect l="21933"/>
+          <a:stretch/>
+        </p:blipFill>
+        <p:spPr bwMode="auto">
+          <a:xfrm>
+            <a:off x="290141" y="1300559"/>
+            <a:ext cx="3393267" cy="3743349"/>
+          </a:xfrm>
+          <a:prstGeom prst="rect">
+            <a:avLst/>
+          </a:prstGeom>
+          <a:ln>
+            <a:noFill/>
+          </a:ln>
+          <a:extLst>
+            <a:ext uri="{53640926-AAD7-44D8-BBD7-CCE9431645EC}">
+              <a14:shadowObscured xmlns:a14="http://schemas.microsoft.com/office/drawing/2010/main"/>
+            </a:ext>
+          </a:extLst>
+        </p:spPr>
+      </p:pic>
+      <p:pic>
+        <p:nvPicPr>
+          <p:cNvPr id="12" name="Picture 11">
+            <a:extLst>
+              <a:ext uri="{FF2B5EF4-FFF2-40B4-BE49-F238E27FC236}">
+                <a16:creationId xmlns:a16="http://schemas.microsoft.com/office/drawing/2014/main" id="{08950DA3-F2D4-6A49-BBA0-16C147EA45D5}"/>
+              </a:ext>
+            </a:extLst>
+          </p:cNvPr>
+          <p:cNvPicPr/>
+          <p:nvPr/>
+        </p:nvPicPr>
+        <p:blipFill rotWithShape="1">
+          <a:blip r:embed="rId4">
+            <a:extLst>
+              <a:ext uri="{28A0092B-C50C-407E-A947-70E740481C1C}">
+                <a14:useLocalDpi xmlns:a14="http://schemas.microsoft.com/office/drawing/2010/main" val="0"/>
+              </a:ext>
+            </a:extLst>
+          </a:blip>
+          <a:srcRect l="22557"/>
+          <a:stretch/>
+        </p:blipFill>
+        <p:spPr bwMode="auto">
+          <a:xfrm>
+            <a:off x="3973550" y="2951920"/>
+            <a:ext cx="2975888" cy="3290151"/>
+          </a:xfrm>
+          <a:prstGeom prst="rect">
+            <a:avLst/>
+          </a:prstGeom>
+          <a:ln>
+            <a:noFill/>
+          </a:ln>
+          <a:extLst>
+            <a:ext uri="{53640926-AAD7-44D8-BBD7-CCE9431645EC}">
+              <a14:shadowObscured xmlns:a14="http://schemas.microsoft.com/office/drawing/2010/main"/>
+            </a:ext>
+          </a:extLst>
+        </p:spPr>
+      </p:pic>
+      <p:sp>
+        <p:nvSpPr>
+          <p:cNvPr id="4" name="Rectangle 3">
+            <a:extLst>
+              <a:ext uri="{FF2B5EF4-FFF2-40B4-BE49-F238E27FC236}">
+                <a16:creationId xmlns:a16="http://schemas.microsoft.com/office/drawing/2014/main" id="{0AE4AFA5-FA96-7E44-BAB3-59F8746514A1}"/>
+              </a:ext>
+            </a:extLst>
+          </p:cNvPr>
+          <p:cNvSpPr/>
+          <p:nvPr/>
+        </p:nvSpPr>
+        <p:spPr>
+          <a:xfrm>
+            <a:off x="3003985" y="3924278"/>
+            <a:ext cx="606911" cy="1104882"/>
+          </a:xfrm>
+          <a:prstGeom prst="rect">
+            <a:avLst/>
+          </a:prstGeom>
+          <a:noFill/>
+          <a:ln w="38100">
+            <a:solidFill>
+              <a:schemeClr val="accent2"/>
+            </a:solidFill>
+          </a:ln>
+        </p:spPr>
+        <p:style>
+          <a:lnRef idx="2">
+            <a:schemeClr val="accent1">
+              <a:shade val="50000"/>
+            </a:schemeClr>
+          </a:lnRef>
+          <a:fillRef idx="1">
+            <a:schemeClr val="accent1"/>
+          </a:fillRef>
+          <a:effectRef idx="0">
+            <a:schemeClr val="accent1"/>
+          </a:effectRef>
+          <a:fontRef idx="minor">
+            <a:schemeClr val="lt1"/>
+          </a:fontRef>
+        </p:style>
+        <p:txBody>
+          <a:bodyPr rtlCol="0" anchor="ctr"/>
+          <a:lstStyle/>
+          <a:p>
+            <a:pPr algn="ctr"/>
+            <a:endParaRPr lang="fr-FR"/>
+          </a:p>
+        </p:txBody>
+      </p:sp>
+      <p:sp>
+        <p:nvSpPr>
+          <p:cNvPr id="14" name="Rectangle 13">
+            <a:extLst>
+              <a:ext uri="{FF2B5EF4-FFF2-40B4-BE49-F238E27FC236}">
+                <a16:creationId xmlns:a16="http://schemas.microsoft.com/office/drawing/2014/main" id="{CBA3C8E6-87A7-3D4D-A886-3089FB88A170}"/>
+              </a:ext>
+            </a:extLst>
+          </p:cNvPr>
+          <p:cNvSpPr/>
+          <p:nvPr/>
+        </p:nvSpPr>
+        <p:spPr>
+          <a:xfrm>
+            <a:off x="6317185" y="3219462"/>
+            <a:ext cx="606911" cy="1727897"/>
+          </a:xfrm>
+          <a:prstGeom prst="rect">
+            <a:avLst/>
+          </a:prstGeom>
+          <a:noFill/>
+          <a:ln w="38100">
+            <a:solidFill>
+              <a:schemeClr val="accent2"/>
+            </a:solidFill>
+          </a:ln>
+        </p:spPr>
+        <p:style>
+          <a:lnRef idx="2">
+            <a:schemeClr val="accent1">
+              <a:shade val="50000"/>
+            </a:schemeClr>
+          </a:lnRef>
+          <a:fillRef idx="1">
+            <a:schemeClr val="accent1"/>
+          </a:fillRef>
+          <a:effectRef idx="0">
+            <a:schemeClr val="accent1"/>
+          </a:effectRef>
+          <a:fontRef idx="minor">
+            <a:schemeClr val="lt1"/>
+          </a:fontRef>
+        </p:style>
+        <p:txBody>
+          <a:bodyPr rtlCol="0" anchor="ctr"/>
+          <a:lstStyle/>
+          <a:p>
+            <a:pPr algn="ctr"/>
+            <a:endParaRPr lang="fr-FR"/>
+          </a:p>
+        </p:txBody>
+      </p:sp>
+      <p:cxnSp>
+        <p:nvCxnSpPr>
+          <p:cNvPr id="8" name="Straight Connector 7">
+            <a:extLst>
+              <a:ext uri="{FF2B5EF4-FFF2-40B4-BE49-F238E27FC236}">
+                <a16:creationId xmlns:a16="http://schemas.microsoft.com/office/drawing/2014/main" id="{50C44E52-CEBC-2146-808C-F9FB986FEBEF}"/>
+              </a:ext>
+            </a:extLst>
+          </p:cNvPr>
+          <p:cNvCxnSpPr>
+            <a:cxnSpLocks/>
+          </p:cNvCxnSpPr>
+          <p:nvPr/>
+        </p:nvCxnSpPr>
+        <p:spPr>
+          <a:xfrm>
+            <a:off x="3683408" y="1329424"/>
+            <a:ext cx="6514841" cy="0"/>
+          </a:xfrm>
+          <a:prstGeom prst="line">
+            <a:avLst/>
+          </a:prstGeom>
+          <a:ln w="19050">
+            <a:solidFill>
+              <a:schemeClr val="tx1"/>
+            </a:solidFill>
+          </a:ln>
+        </p:spPr>
+        <p:style>
+          <a:lnRef idx="1">
+            <a:schemeClr val="accent1"/>
+          </a:lnRef>
+          <a:fillRef idx="0">
+            <a:schemeClr val="accent1"/>
+          </a:fillRef>
+          <a:effectRef idx="0">
+            <a:schemeClr val="accent1"/>
+          </a:effectRef>
+          <a:fontRef idx="minor">
+            <a:schemeClr val="tx1"/>
+          </a:fontRef>
+        </p:style>
+      </p:cxnSp>
+      <p:cxnSp>
+        <p:nvCxnSpPr>
+          <p:cNvPr id="18" name="Straight Connector 17">
+            <a:extLst>
+              <a:ext uri="{FF2B5EF4-FFF2-40B4-BE49-F238E27FC236}">
+                <a16:creationId xmlns:a16="http://schemas.microsoft.com/office/drawing/2014/main" id="{80111248-AB93-C946-87C9-EDDF4AE37C6C}"/>
+              </a:ext>
+            </a:extLst>
+          </p:cNvPr>
+          <p:cNvCxnSpPr>
+            <a:cxnSpLocks/>
+          </p:cNvCxnSpPr>
+          <p:nvPr/>
+        </p:nvCxnSpPr>
+        <p:spPr>
+          <a:xfrm>
+            <a:off x="6949438" y="2951920"/>
+            <a:ext cx="4684489" cy="0"/>
+          </a:xfrm>
+          <a:prstGeom prst="line">
+            <a:avLst/>
+          </a:prstGeom>
+          <a:ln w="19050">
+            <a:solidFill>
+              <a:schemeClr val="tx1"/>
+            </a:solidFill>
+          </a:ln>
+        </p:spPr>
+        <p:style>
+          <a:lnRef idx="1">
+            <a:schemeClr val="accent1"/>
+          </a:lnRef>
+          <a:fillRef idx="0">
+            <a:schemeClr val="accent1"/>
+          </a:fillRef>
+          <a:effectRef idx="0">
+            <a:schemeClr val="accent1"/>
+          </a:effectRef>
+          <a:fontRef idx="minor">
+            <a:schemeClr val="tx1"/>
+          </a:fontRef>
+        </p:style>
+      </p:cxnSp>
+      <p:pic>
+        <p:nvPicPr>
+          <p:cNvPr id="17" name="Picture 16">
+            <a:extLst>
+              <a:ext uri="{FF2B5EF4-FFF2-40B4-BE49-F238E27FC236}">
+                <a16:creationId xmlns:a16="http://schemas.microsoft.com/office/drawing/2014/main" id="{846DBD56-BD28-264F-82BB-D0107A2E5F88}"/>
+              </a:ext>
+            </a:extLst>
+          </p:cNvPr>
+          <p:cNvPicPr>
+            <a:picLocks noChangeAspect="1"/>
+          </p:cNvPicPr>
+          <p:nvPr/>
+        </p:nvPicPr>
+        <p:blipFill rotWithShape="1">
+          <a:blip r:embed="rId5">
+            <a:alphaModFix amt="35000"/>
+          </a:blip>
+          <a:srcRect t="8682" b="11589"/>
+          <a:stretch/>
+        </p:blipFill>
+        <p:spPr>
+          <a:xfrm>
+            <a:off x="0" y="117993"/>
+            <a:ext cx="12193826" cy="6210000"/>
+          </a:xfrm>
+          <a:prstGeom prst="rect">
+            <a:avLst/>
+          </a:prstGeom>
+        </p:spPr>
+      </p:pic>
+    </p:spTree>
+    <p:extLst>
+      <p:ext uri="{BB962C8B-B14F-4D97-AF65-F5344CB8AC3E}">
+        <p14:creationId xmlns:p14="http://schemas.microsoft.com/office/powerpoint/2010/main" val="3522365944"/>
+      </p:ext>
+    </p:extLst>
+  </p:cSld>
+  <p:clrMapOvr>
+    <a:masterClrMapping/>
+  </p:clrMapOvr>
+</p:sld>
+</file>
+
+<file path=ppt/slides/slide11.xml><?xml version="1.0" encoding="utf-8"?>
+<p:sld xmlns:a="http://schemas.openxmlformats.org/drawingml/2006/main" xmlns:r="http://schemas.openxmlformats.org/officeDocument/2006/relationships" xmlns:p="http://schemas.openxmlformats.org/presentationml/2006/main">
+  <p:cSld>
+    <p:spTree>
+      <p:nvGrpSpPr>
+        <p:cNvPr id="1" name=""/>
+        <p:cNvGrpSpPr/>
+        <p:nvPr/>
+      </p:nvGrpSpPr>
+      <p:grpSpPr>
+        <a:xfrm>
+          <a:off x="0" y="0"/>
+          <a:ext cx="0" cy="0"/>
+          <a:chOff x="0" y="0"/>
+          <a:chExt cx="0" cy="0"/>
+        </a:xfrm>
+      </p:grpSpPr>
+      <p:pic>
+        <p:nvPicPr>
+          <p:cNvPr id="19" name="Picture 18">
+            <a:extLst>
+              <a:ext uri="{FF2B5EF4-FFF2-40B4-BE49-F238E27FC236}">
+                <a16:creationId xmlns:a16="http://schemas.microsoft.com/office/drawing/2014/main" id="{194BD49C-6969-0C4C-9C05-5120327B63E0}"/>
+              </a:ext>
+            </a:extLst>
+          </p:cNvPr>
+          <p:cNvPicPr>
+            <a:picLocks noChangeAspect="1"/>
+          </p:cNvPicPr>
+          <p:nvPr/>
+        </p:nvPicPr>
+        <p:blipFill rotWithShape="1">
+          <a:blip r:embed="rId3">
+            <a:alphaModFix amt="35000"/>
+          </a:blip>
+          <a:srcRect t="8682" b="11589"/>
+          <a:stretch/>
+        </p:blipFill>
+        <p:spPr>
+          <a:xfrm>
+            <a:off x="0" y="117993"/>
+            <a:ext cx="12193826" cy="6210000"/>
+          </a:xfrm>
+          <a:prstGeom prst="rect">
+            <a:avLst/>
+          </a:prstGeom>
+        </p:spPr>
+      </p:pic>
+      <p:cxnSp>
+        <p:nvCxnSpPr>
+          <p:cNvPr id="9" name="Straight Connector 8">
+            <a:extLst>
+              <a:ext uri="{FF2B5EF4-FFF2-40B4-BE49-F238E27FC236}">
+                <a16:creationId xmlns:a16="http://schemas.microsoft.com/office/drawing/2014/main" id="{55B425AD-7721-8448-AE48-3107DD2CF4C7}"/>
+              </a:ext>
+            </a:extLst>
+          </p:cNvPr>
+          <p:cNvCxnSpPr/>
+          <p:nvPr/>
+        </p:nvCxnSpPr>
+        <p:spPr>
+          <a:xfrm>
+            <a:off x="0" y="1076628"/>
+            <a:ext cx="12211667" cy="0"/>
+          </a:xfrm>
+          <a:prstGeom prst="line">
+            <a:avLst/>
+          </a:prstGeom>
+          <a:ln>
+            <a:solidFill>
+              <a:schemeClr val="tx1"/>
+            </a:solidFill>
+          </a:ln>
+        </p:spPr>
+        <p:style>
+          <a:lnRef idx="1">
+            <a:schemeClr val="accent1"/>
+          </a:lnRef>
+          <a:fillRef idx="0">
+            <a:schemeClr val="accent1"/>
+          </a:fillRef>
+          <a:effectRef idx="0">
+            <a:schemeClr val="accent1"/>
+          </a:effectRef>
+          <a:fontRef idx="minor">
+            <a:schemeClr val="tx1"/>
+          </a:fontRef>
+        </p:style>
+      </p:cxnSp>
+      <p:sp>
+        <p:nvSpPr>
+          <p:cNvPr id="2" name="Slide Number Placeholder 1">
+            <a:extLst>
+              <a:ext uri="{FF2B5EF4-FFF2-40B4-BE49-F238E27FC236}">
+                <a16:creationId xmlns:a16="http://schemas.microsoft.com/office/drawing/2014/main" id="{36A96C12-8A52-B34E-8DB6-4286B26ADD8A}"/>
+              </a:ext>
+            </a:extLst>
+          </p:cNvPr>
+          <p:cNvSpPr>
+            <a:spLocks noGrp="1"/>
+          </p:cNvSpPr>
+          <p:nvPr>
+            <p:ph type="sldNum" sz="quarter" idx="12"/>
+          </p:nvPr>
+        </p:nvSpPr>
+        <p:spPr/>
+        <p:txBody>
+          <a:bodyPr/>
+          <a:lstStyle/>
+          <a:p>
+            <a:fld id="{D2162F12-6F32-264E-B336-B9A8BBC2530F}" type="slidenum">
+              <a:rPr lang="fr-FR" smtClean="0"/>
+              <a:t>11</a:t>
+            </a:fld>
+            <a:endParaRPr lang="fr-FR"/>
+          </a:p>
+        </p:txBody>
+      </p:sp>
+      <p:sp>
+        <p:nvSpPr>
+          <p:cNvPr id="3" name="Footer Placeholder 2">
+            <a:extLst>
+              <a:ext uri="{FF2B5EF4-FFF2-40B4-BE49-F238E27FC236}">
+                <a16:creationId xmlns:a16="http://schemas.microsoft.com/office/drawing/2014/main" id="{BC132929-AFA8-914B-A205-3DB94498310A}"/>
+              </a:ext>
+            </a:extLst>
+          </p:cNvPr>
+          <p:cNvSpPr>
+            <a:spLocks noGrp="1"/>
+          </p:cNvSpPr>
+          <p:nvPr>
+            <p:ph type="ftr" sz="quarter" idx="11"/>
+          </p:nvPr>
+        </p:nvSpPr>
+        <p:spPr/>
+        <p:txBody>
+          <a:bodyPr/>
+          <a:lstStyle/>
+          <a:p>
+            <a:r>
+              <a:rPr lang="fr-FR" dirty="0"/>
+              <a:t>Machine Learning</a:t>
+            </a:r>
+          </a:p>
+        </p:txBody>
+      </p:sp>
+      <p:sp>
+        <p:nvSpPr>
+          <p:cNvPr id="15" name="Title 1">
+            <a:extLst>
+              <a:ext uri="{FF2B5EF4-FFF2-40B4-BE49-F238E27FC236}">
+                <a16:creationId xmlns:a16="http://schemas.microsoft.com/office/drawing/2014/main" id="{7EFC8E50-B2D8-9F4C-BA8A-7374EC4643AE}"/>
+              </a:ext>
+            </a:extLst>
+          </p:cNvPr>
+          <p:cNvSpPr txBox="1">
+            <a:spLocks/>
+          </p:cNvSpPr>
+          <p:nvPr/>
+        </p:nvSpPr>
+        <p:spPr>
+          <a:xfrm>
+            <a:off x="2546554" y="250725"/>
+            <a:ext cx="7098891" cy="923772"/>
+          </a:xfrm>
+          <a:prstGeom prst="rect">
+            <a:avLst/>
+          </a:prstGeom>
+        </p:spPr>
+        <p:txBody>
+          <a:bodyPr vert="horz" lIns="91440" tIns="45720" rIns="91440" bIns="45720" rtlCol="0" anchor="ctr">
+            <a:normAutofit/>
+          </a:bodyPr>
+          <a:lstStyle>
+            <a:lvl1pPr algn="l" defTabSz="914400" rtl="0" eaLnBrk="1" latinLnBrk="0" hangingPunct="1">
+              <a:lnSpc>
+                <a:spcPct val="90000"/>
+              </a:lnSpc>
+              <a:spcBef>
+                <a:spcPct val="0"/>
+              </a:spcBef>
+              <a:buNone/>
+              <a:defRPr sz="4400" kern="1200">
+                <a:solidFill>
+                  <a:schemeClr val="tx1"/>
+                </a:solidFill>
+                <a:latin typeface="+mj-lt"/>
+                <a:ea typeface="+mj-ea"/>
+                <a:cs typeface="+mj-cs"/>
+              </a:defRPr>
+            </a:lvl1pPr>
+          </a:lstStyle>
+          <a:p>
+            <a:pPr algn="ctr"/>
+            <a:r>
+              <a:rPr lang="fr-FR" b="1" dirty="0"/>
+              <a:t>Building a </a:t>
+            </a:r>
+            <a:r>
+              <a:rPr lang="fr-FR" b="1" dirty="0" err="1"/>
+              <a:t>predictive</a:t>
+            </a:r>
+            <a:r>
+              <a:rPr lang="fr-FR" b="1" dirty="0"/>
+              <a:t> model</a:t>
+            </a:r>
+          </a:p>
+        </p:txBody>
+      </p:sp>
+      <p:graphicFrame>
+        <p:nvGraphicFramePr>
+          <p:cNvPr id="4" name="Table 3">
+            <a:extLst>
+              <a:ext uri="{FF2B5EF4-FFF2-40B4-BE49-F238E27FC236}">
+                <a16:creationId xmlns:a16="http://schemas.microsoft.com/office/drawing/2014/main" id="{4AD1DEFB-83B1-054F-B2CD-0CE536FFB889}"/>
+              </a:ext>
+            </a:extLst>
+          </p:cNvPr>
+          <p:cNvGraphicFramePr>
+            <a:graphicFrameLocks noGrp="1"/>
+          </p:cNvGraphicFramePr>
+          <p:nvPr>
+            <p:extLst>
+              <p:ext uri="{D42A27DB-BD31-4B8C-83A1-F6EECF244321}">
+                <p14:modId xmlns:p14="http://schemas.microsoft.com/office/powerpoint/2010/main" val="4061334349"/>
+              </p:ext>
+            </p:extLst>
+          </p:nvPr>
+        </p:nvGraphicFramePr>
+        <p:xfrm>
+          <a:off x="798919" y="1713292"/>
+          <a:ext cx="3964763" cy="2693435"/>
+        </p:xfrm>
+        <a:graphic>
+          <a:graphicData uri="http://schemas.openxmlformats.org/drawingml/2006/table">
+            <a:tbl>
+              <a:tblPr firstRow="1" firstCol="1" bandRow="1">
+                <a:tableStyleId>{D7AC3CCA-C797-4891-BE02-D94E43425B78}</a:tableStyleId>
+              </a:tblPr>
+              <a:tblGrid>
+                <a:gridCol w="1140249">
+                  <a:extLst>
+                    <a:ext uri="{9D8B030D-6E8A-4147-A177-3AD203B41FA5}">
+                      <a16:colId xmlns:a16="http://schemas.microsoft.com/office/drawing/2014/main" val="154063699"/>
+                    </a:ext>
+                  </a:extLst>
+                </a:gridCol>
+                <a:gridCol w="1039578">
+                  <a:extLst>
+                    <a:ext uri="{9D8B030D-6E8A-4147-A177-3AD203B41FA5}">
+                      <a16:colId xmlns:a16="http://schemas.microsoft.com/office/drawing/2014/main" val="472537698"/>
+                    </a:ext>
+                  </a:extLst>
+                </a:gridCol>
+                <a:gridCol w="1784936">
+                  <a:extLst>
+                    <a:ext uri="{9D8B030D-6E8A-4147-A177-3AD203B41FA5}">
+                      <a16:colId xmlns:a16="http://schemas.microsoft.com/office/drawing/2014/main" val="4107693115"/>
+                    </a:ext>
+                  </a:extLst>
+                </a:gridCol>
+              </a:tblGrid>
+              <a:tr h="354304">
+                <a:tc>
+                  <a:txBody>
+                    <a:bodyPr/>
+                    <a:lstStyle/>
+                    <a:p>
+                      <a:pPr>
+                        <a:spcAft>
+                          <a:spcPts val="0"/>
+                        </a:spcAft>
+                      </a:pPr>
+                      <a:r>
+                        <a:rPr lang="en-US" sz="2000" dirty="0">
+                          <a:effectLst/>
+                        </a:rPr>
+                        <a:t>Cluster</a:t>
+                      </a:r>
+                      <a:endParaRPr lang="fr-FR" sz="2000" dirty="0">
+                        <a:effectLst/>
+                        <a:latin typeface="Calibri" panose="020F0502020204030204" pitchFamily="34" charset="0"/>
+                        <a:ea typeface="Calibri" panose="020F0502020204030204" pitchFamily="34" charset="0"/>
+                        <a:cs typeface="Times New Roman" panose="02020603050405020304" pitchFamily="18" charset="0"/>
+                      </a:endParaRPr>
+                    </a:p>
+                  </a:txBody>
+                  <a:tcPr marL="68580" marR="68580" marT="0" marB="0"/>
+                </a:tc>
+                <a:tc>
+                  <a:txBody>
+                    <a:bodyPr/>
+                    <a:lstStyle/>
+                    <a:p>
+                      <a:pPr>
+                        <a:spcAft>
+                          <a:spcPts val="0"/>
+                        </a:spcAft>
+                      </a:pPr>
+                      <a:r>
+                        <a:rPr lang="en-US" sz="2000" dirty="0">
+                          <a:effectLst/>
+                        </a:rPr>
+                        <a:t>R^2 </a:t>
+                      </a:r>
+                      <a:endParaRPr lang="fr-FR" sz="2000" dirty="0">
+                        <a:effectLst/>
+                        <a:latin typeface="Calibri" panose="020F0502020204030204" pitchFamily="34" charset="0"/>
+                        <a:ea typeface="Calibri" panose="020F0502020204030204" pitchFamily="34" charset="0"/>
+                        <a:cs typeface="Times New Roman" panose="02020603050405020304" pitchFamily="18" charset="0"/>
+                      </a:endParaRPr>
+                    </a:p>
+                  </a:txBody>
+                  <a:tcPr marL="68580" marR="68580" marT="0" marB="0"/>
+                </a:tc>
+                <a:tc>
+                  <a:txBody>
+                    <a:bodyPr/>
+                    <a:lstStyle/>
+                    <a:p>
+                      <a:pPr>
+                        <a:spcAft>
+                          <a:spcPts val="0"/>
+                        </a:spcAft>
+                      </a:pPr>
+                      <a:r>
+                        <a:rPr lang="en-US" sz="2000" dirty="0">
+                          <a:effectLst/>
+                        </a:rPr>
+                        <a:t>Representative Hour</a:t>
+                      </a:r>
+                      <a:endParaRPr lang="fr-FR" sz="2000" dirty="0">
+                        <a:effectLst/>
+                        <a:latin typeface="Calibri" panose="020F0502020204030204" pitchFamily="34" charset="0"/>
+                        <a:ea typeface="Calibri" panose="020F0502020204030204" pitchFamily="34" charset="0"/>
+                        <a:cs typeface="Times New Roman" panose="02020603050405020304" pitchFamily="18" charset="0"/>
+                      </a:endParaRPr>
+                    </a:p>
+                  </a:txBody>
+                  <a:tcPr marL="68580" marR="68580" marT="0" marB="0"/>
+                </a:tc>
+                <a:extLst>
+                  <a:ext uri="{0D108BD9-81ED-4DB2-BD59-A6C34878D82A}">
+                    <a16:rowId xmlns:a16="http://schemas.microsoft.com/office/drawing/2014/main" val="1595513205"/>
+                  </a:ext>
+                </a:extLst>
+              </a:tr>
+              <a:tr h="416767">
+                <a:tc>
+                  <a:txBody>
+                    <a:bodyPr/>
+                    <a:lstStyle/>
+                    <a:p>
+                      <a:pPr>
+                        <a:spcAft>
+                          <a:spcPts val="0"/>
+                        </a:spcAft>
+                      </a:pPr>
+                      <a:r>
+                        <a:rPr lang="en-US" sz="1800" dirty="0">
+                          <a:effectLst/>
+                        </a:rPr>
+                        <a:t>Cluster 0</a:t>
+                      </a:r>
+                      <a:endParaRPr lang="fr-FR" sz="1800" dirty="0">
+                        <a:effectLst/>
+                        <a:latin typeface="Calibri" panose="020F0502020204030204" pitchFamily="34" charset="0"/>
+                        <a:ea typeface="Calibri" panose="020F0502020204030204" pitchFamily="34" charset="0"/>
+                        <a:cs typeface="Times New Roman" panose="02020603050405020304" pitchFamily="18" charset="0"/>
+                      </a:endParaRPr>
+                    </a:p>
+                  </a:txBody>
+                  <a:tcPr marL="68580" marR="68580" marT="0" marB="0"/>
+                </a:tc>
+                <a:tc>
+                  <a:txBody>
+                    <a:bodyPr/>
+                    <a:lstStyle/>
+                    <a:p>
+                      <a:pPr>
+                        <a:spcAft>
+                          <a:spcPts val="0"/>
+                        </a:spcAft>
+                      </a:pPr>
+                      <a:r>
+                        <a:rPr lang="en-US" sz="1800">
+                          <a:effectLst/>
+                        </a:rPr>
+                        <a:t>0.91</a:t>
+                      </a:r>
+                      <a:endParaRPr lang="fr-FR" sz="1800">
+                        <a:effectLst/>
+                        <a:latin typeface="Calibri" panose="020F0502020204030204" pitchFamily="34" charset="0"/>
+                        <a:ea typeface="Calibri" panose="020F0502020204030204" pitchFamily="34" charset="0"/>
+                        <a:cs typeface="Times New Roman" panose="02020603050405020304" pitchFamily="18" charset="0"/>
+                      </a:endParaRPr>
+                    </a:p>
+                  </a:txBody>
+                  <a:tcPr marL="68580" marR="68580" marT="0" marB="0"/>
+                </a:tc>
+                <a:tc>
+                  <a:txBody>
+                    <a:bodyPr/>
+                    <a:lstStyle/>
+                    <a:p>
+                      <a:pPr>
+                        <a:spcAft>
+                          <a:spcPts val="0"/>
+                        </a:spcAft>
+                      </a:pPr>
+                      <a:r>
+                        <a:rPr lang="en-US" sz="1800" dirty="0">
+                          <a:effectLst/>
+                        </a:rPr>
+                        <a:t>4pm</a:t>
+                      </a:r>
+                      <a:endParaRPr lang="fr-FR" sz="1800" dirty="0">
+                        <a:effectLst/>
+                        <a:latin typeface="Calibri" panose="020F0502020204030204" pitchFamily="34" charset="0"/>
+                        <a:ea typeface="Calibri" panose="020F0502020204030204" pitchFamily="34" charset="0"/>
+                        <a:cs typeface="Times New Roman" panose="02020603050405020304" pitchFamily="18" charset="0"/>
+                      </a:endParaRPr>
+                    </a:p>
+                  </a:txBody>
+                  <a:tcPr marL="68580" marR="68580" marT="0" marB="0"/>
+                </a:tc>
+                <a:extLst>
+                  <a:ext uri="{0D108BD9-81ED-4DB2-BD59-A6C34878D82A}">
+                    <a16:rowId xmlns:a16="http://schemas.microsoft.com/office/drawing/2014/main" val="40212633"/>
+                  </a:ext>
+                </a:extLst>
+              </a:tr>
+              <a:tr h="416767">
+                <a:tc>
+                  <a:txBody>
+                    <a:bodyPr/>
+                    <a:lstStyle/>
+                    <a:p>
+                      <a:pPr>
+                        <a:spcAft>
+                          <a:spcPts val="0"/>
+                        </a:spcAft>
+                      </a:pPr>
+                      <a:r>
+                        <a:rPr lang="en-US" sz="1800" dirty="0">
+                          <a:effectLst/>
+                        </a:rPr>
+                        <a:t>Cluster 1</a:t>
+                      </a:r>
+                      <a:endParaRPr lang="fr-FR" sz="1800" dirty="0">
+                        <a:effectLst/>
+                        <a:latin typeface="Calibri" panose="020F0502020204030204" pitchFamily="34" charset="0"/>
+                        <a:ea typeface="Calibri" panose="020F0502020204030204" pitchFamily="34" charset="0"/>
+                        <a:cs typeface="Times New Roman" panose="02020603050405020304" pitchFamily="18" charset="0"/>
+                      </a:endParaRPr>
+                    </a:p>
+                  </a:txBody>
+                  <a:tcPr marL="68580" marR="68580" marT="0" marB="0"/>
+                </a:tc>
+                <a:tc>
+                  <a:txBody>
+                    <a:bodyPr/>
+                    <a:lstStyle/>
+                    <a:p>
+                      <a:pPr>
+                        <a:spcAft>
+                          <a:spcPts val="0"/>
+                        </a:spcAft>
+                      </a:pPr>
+                      <a:r>
+                        <a:rPr lang="en-US" sz="1800" dirty="0">
+                          <a:effectLst/>
+                        </a:rPr>
+                        <a:t>0.72</a:t>
+                      </a:r>
+                      <a:endParaRPr lang="fr-FR" sz="1800" dirty="0">
+                        <a:effectLst/>
+                        <a:latin typeface="Calibri" panose="020F0502020204030204" pitchFamily="34" charset="0"/>
+                        <a:ea typeface="Calibri" panose="020F0502020204030204" pitchFamily="34" charset="0"/>
+                        <a:cs typeface="Times New Roman" panose="02020603050405020304" pitchFamily="18" charset="0"/>
+                      </a:endParaRPr>
+                    </a:p>
+                  </a:txBody>
+                  <a:tcPr marL="68580" marR="68580" marT="0" marB="0"/>
+                </a:tc>
+                <a:tc>
+                  <a:txBody>
+                    <a:bodyPr/>
+                    <a:lstStyle/>
+                    <a:p>
+                      <a:pPr>
+                        <a:spcAft>
+                          <a:spcPts val="0"/>
+                        </a:spcAft>
+                      </a:pPr>
+                      <a:r>
+                        <a:rPr lang="en-US" sz="1800" dirty="0">
+                          <a:effectLst/>
+                        </a:rPr>
+                        <a:t>5pm</a:t>
+                      </a:r>
+                      <a:endParaRPr lang="fr-FR" sz="1800" dirty="0">
+                        <a:effectLst/>
+                        <a:latin typeface="Calibri" panose="020F0502020204030204" pitchFamily="34" charset="0"/>
+                        <a:ea typeface="Calibri" panose="020F0502020204030204" pitchFamily="34" charset="0"/>
+                        <a:cs typeface="Times New Roman" panose="02020603050405020304" pitchFamily="18" charset="0"/>
+                      </a:endParaRPr>
+                    </a:p>
+                  </a:txBody>
+                  <a:tcPr marL="68580" marR="68580" marT="0" marB="0"/>
+                </a:tc>
+                <a:extLst>
+                  <a:ext uri="{0D108BD9-81ED-4DB2-BD59-A6C34878D82A}">
+                    <a16:rowId xmlns:a16="http://schemas.microsoft.com/office/drawing/2014/main" val="3394663941"/>
+                  </a:ext>
+                </a:extLst>
+              </a:tr>
+              <a:tr h="416767">
+                <a:tc>
+                  <a:txBody>
+                    <a:bodyPr/>
+                    <a:lstStyle/>
+                    <a:p>
+                      <a:pPr>
+                        <a:spcAft>
+                          <a:spcPts val="0"/>
+                        </a:spcAft>
+                      </a:pPr>
+                      <a:r>
+                        <a:rPr lang="en-US" sz="1800" dirty="0">
+                          <a:effectLst/>
+                        </a:rPr>
+                        <a:t>Cluster 2</a:t>
+                      </a:r>
+                      <a:endParaRPr lang="fr-FR" sz="1800" dirty="0">
+                        <a:effectLst/>
+                        <a:latin typeface="Calibri" panose="020F0502020204030204" pitchFamily="34" charset="0"/>
+                        <a:ea typeface="Calibri" panose="020F0502020204030204" pitchFamily="34" charset="0"/>
+                        <a:cs typeface="Times New Roman" panose="02020603050405020304" pitchFamily="18" charset="0"/>
+                      </a:endParaRPr>
+                    </a:p>
+                  </a:txBody>
+                  <a:tcPr marL="68580" marR="68580" marT="0" marB="0"/>
+                </a:tc>
+                <a:tc>
+                  <a:txBody>
+                    <a:bodyPr/>
+                    <a:lstStyle/>
+                    <a:p>
+                      <a:pPr>
+                        <a:spcAft>
+                          <a:spcPts val="0"/>
+                        </a:spcAft>
+                      </a:pPr>
+                      <a:r>
+                        <a:rPr lang="en-US" sz="1800">
+                          <a:effectLst/>
+                        </a:rPr>
+                        <a:t>0.81</a:t>
+                      </a:r>
+                      <a:endParaRPr lang="fr-FR" sz="1800">
+                        <a:effectLst/>
+                        <a:latin typeface="Calibri" panose="020F0502020204030204" pitchFamily="34" charset="0"/>
+                        <a:ea typeface="Calibri" panose="020F0502020204030204" pitchFamily="34" charset="0"/>
+                        <a:cs typeface="Times New Roman" panose="02020603050405020304" pitchFamily="18" charset="0"/>
+                      </a:endParaRPr>
+                    </a:p>
+                  </a:txBody>
+                  <a:tcPr marL="68580" marR="68580" marT="0" marB="0"/>
+                </a:tc>
+                <a:tc>
+                  <a:txBody>
+                    <a:bodyPr/>
+                    <a:lstStyle/>
+                    <a:p>
+                      <a:pPr>
+                        <a:spcAft>
+                          <a:spcPts val="0"/>
+                        </a:spcAft>
+                      </a:pPr>
+                      <a:r>
+                        <a:rPr lang="en-US" sz="1800">
+                          <a:effectLst/>
+                        </a:rPr>
+                        <a:t>4pm</a:t>
+                      </a:r>
+                      <a:endParaRPr lang="fr-FR" sz="1800">
+                        <a:effectLst/>
+                        <a:latin typeface="Calibri" panose="020F0502020204030204" pitchFamily="34" charset="0"/>
+                        <a:ea typeface="Calibri" panose="020F0502020204030204" pitchFamily="34" charset="0"/>
+                        <a:cs typeface="Times New Roman" panose="02020603050405020304" pitchFamily="18" charset="0"/>
+                      </a:endParaRPr>
+                    </a:p>
+                  </a:txBody>
+                  <a:tcPr marL="68580" marR="68580" marT="0" marB="0"/>
+                </a:tc>
+                <a:extLst>
+                  <a:ext uri="{0D108BD9-81ED-4DB2-BD59-A6C34878D82A}">
+                    <a16:rowId xmlns:a16="http://schemas.microsoft.com/office/drawing/2014/main" val="2973156252"/>
+                  </a:ext>
+                </a:extLst>
+              </a:tr>
+              <a:tr h="416767">
+                <a:tc>
+                  <a:txBody>
+                    <a:bodyPr/>
+                    <a:lstStyle/>
+                    <a:p>
+                      <a:pPr>
+                        <a:spcAft>
+                          <a:spcPts val="0"/>
+                        </a:spcAft>
+                      </a:pPr>
+                      <a:r>
+                        <a:rPr lang="en-US" sz="1800" dirty="0">
+                          <a:effectLst/>
+                        </a:rPr>
+                        <a:t>Cluster 3</a:t>
+                      </a:r>
+                      <a:endParaRPr lang="fr-FR" sz="1800" dirty="0">
+                        <a:effectLst/>
+                        <a:latin typeface="Calibri" panose="020F0502020204030204" pitchFamily="34" charset="0"/>
+                        <a:ea typeface="Calibri" panose="020F0502020204030204" pitchFamily="34" charset="0"/>
+                        <a:cs typeface="Times New Roman" panose="02020603050405020304" pitchFamily="18" charset="0"/>
+                      </a:endParaRPr>
+                    </a:p>
+                  </a:txBody>
+                  <a:tcPr marL="68580" marR="68580" marT="0" marB="0"/>
+                </a:tc>
+                <a:tc>
+                  <a:txBody>
+                    <a:bodyPr/>
+                    <a:lstStyle/>
+                    <a:p>
+                      <a:pPr>
+                        <a:spcAft>
+                          <a:spcPts val="0"/>
+                        </a:spcAft>
+                      </a:pPr>
+                      <a:r>
+                        <a:rPr lang="en-US" sz="1800">
+                          <a:effectLst/>
+                        </a:rPr>
+                        <a:t>0.59</a:t>
+                      </a:r>
+                      <a:endParaRPr lang="fr-FR" sz="1800">
+                        <a:effectLst/>
+                        <a:latin typeface="Calibri" panose="020F0502020204030204" pitchFamily="34" charset="0"/>
+                        <a:ea typeface="Calibri" panose="020F0502020204030204" pitchFamily="34" charset="0"/>
+                        <a:cs typeface="Times New Roman" panose="02020603050405020304" pitchFamily="18" charset="0"/>
+                      </a:endParaRPr>
+                    </a:p>
+                  </a:txBody>
+                  <a:tcPr marL="68580" marR="68580" marT="0" marB="0"/>
+                </a:tc>
+                <a:tc>
+                  <a:txBody>
+                    <a:bodyPr/>
+                    <a:lstStyle/>
+                    <a:p>
+                      <a:pPr>
+                        <a:spcAft>
+                          <a:spcPts val="0"/>
+                        </a:spcAft>
+                      </a:pPr>
+                      <a:r>
+                        <a:rPr lang="en-US" sz="1800">
+                          <a:effectLst/>
+                        </a:rPr>
+                        <a:t>1am</a:t>
+                      </a:r>
+                      <a:endParaRPr lang="fr-FR" sz="1800">
+                        <a:effectLst/>
+                        <a:latin typeface="Calibri" panose="020F0502020204030204" pitchFamily="34" charset="0"/>
+                        <a:ea typeface="Calibri" panose="020F0502020204030204" pitchFamily="34" charset="0"/>
+                        <a:cs typeface="Times New Roman" panose="02020603050405020304" pitchFamily="18" charset="0"/>
+                      </a:endParaRPr>
+                    </a:p>
+                  </a:txBody>
+                  <a:tcPr marL="68580" marR="68580" marT="0" marB="0"/>
+                </a:tc>
+                <a:extLst>
+                  <a:ext uri="{0D108BD9-81ED-4DB2-BD59-A6C34878D82A}">
+                    <a16:rowId xmlns:a16="http://schemas.microsoft.com/office/drawing/2014/main" val="1057334611"/>
+                  </a:ext>
+                </a:extLst>
+              </a:tr>
+              <a:tr h="416767">
+                <a:tc>
+                  <a:txBody>
+                    <a:bodyPr/>
+                    <a:lstStyle/>
+                    <a:p>
+                      <a:pPr>
+                        <a:spcAft>
+                          <a:spcPts val="0"/>
+                        </a:spcAft>
+                      </a:pPr>
+                      <a:r>
+                        <a:rPr lang="en-US" sz="1800" dirty="0">
+                          <a:effectLst/>
+                        </a:rPr>
+                        <a:t>Cluster 4</a:t>
+                      </a:r>
+                      <a:endParaRPr lang="fr-FR" sz="1800" dirty="0">
+                        <a:effectLst/>
+                        <a:latin typeface="Calibri" panose="020F0502020204030204" pitchFamily="34" charset="0"/>
+                        <a:ea typeface="Calibri" panose="020F0502020204030204" pitchFamily="34" charset="0"/>
+                        <a:cs typeface="Times New Roman" panose="02020603050405020304" pitchFamily="18" charset="0"/>
+                      </a:endParaRPr>
+                    </a:p>
+                  </a:txBody>
+                  <a:tcPr marL="68580" marR="68580" marT="0" marB="0"/>
+                </a:tc>
+                <a:tc>
+                  <a:txBody>
+                    <a:bodyPr/>
+                    <a:lstStyle/>
+                    <a:p>
+                      <a:pPr>
+                        <a:spcAft>
+                          <a:spcPts val="0"/>
+                        </a:spcAft>
+                      </a:pPr>
+                      <a:r>
+                        <a:rPr lang="en-US" sz="1800" dirty="0">
+                          <a:effectLst/>
+                        </a:rPr>
+                        <a:t>0.46</a:t>
+                      </a:r>
+                      <a:endParaRPr lang="fr-FR" sz="1800" dirty="0">
+                        <a:effectLst/>
+                        <a:latin typeface="Calibri" panose="020F0502020204030204" pitchFamily="34" charset="0"/>
+                        <a:ea typeface="Calibri" panose="020F0502020204030204" pitchFamily="34" charset="0"/>
+                        <a:cs typeface="Times New Roman" panose="02020603050405020304" pitchFamily="18" charset="0"/>
+                      </a:endParaRPr>
+                    </a:p>
+                  </a:txBody>
+                  <a:tcPr marL="68580" marR="68580" marT="0" marB="0"/>
+                </a:tc>
+                <a:tc>
+                  <a:txBody>
+                    <a:bodyPr/>
+                    <a:lstStyle/>
+                    <a:p>
+                      <a:pPr>
+                        <a:spcAft>
+                          <a:spcPts val="0"/>
+                        </a:spcAft>
+                      </a:pPr>
+                      <a:r>
+                        <a:rPr lang="en-US" sz="1800" dirty="0">
+                          <a:effectLst/>
+                        </a:rPr>
+                        <a:t>8am</a:t>
+                      </a:r>
+                      <a:endParaRPr lang="fr-FR" sz="1800" dirty="0">
+                        <a:effectLst/>
+                        <a:latin typeface="Calibri" panose="020F0502020204030204" pitchFamily="34" charset="0"/>
+                        <a:ea typeface="Calibri" panose="020F0502020204030204" pitchFamily="34" charset="0"/>
+                        <a:cs typeface="Times New Roman" panose="02020603050405020304" pitchFamily="18" charset="0"/>
+                      </a:endParaRPr>
+                    </a:p>
+                  </a:txBody>
+                  <a:tcPr marL="68580" marR="68580" marT="0" marB="0"/>
+                </a:tc>
+                <a:extLst>
+                  <a:ext uri="{0D108BD9-81ED-4DB2-BD59-A6C34878D82A}">
+                    <a16:rowId xmlns:a16="http://schemas.microsoft.com/office/drawing/2014/main" val="4057268659"/>
+                  </a:ext>
+                </a:extLst>
+              </a:tr>
+            </a:tbl>
+          </a:graphicData>
+        </a:graphic>
+      </p:graphicFrame>
+      <p:sp>
+        <p:nvSpPr>
+          <p:cNvPr id="5" name="Rectangle 4">
+            <a:extLst>
+              <a:ext uri="{FF2B5EF4-FFF2-40B4-BE49-F238E27FC236}">
+                <a16:creationId xmlns:a16="http://schemas.microsoft.com/office/drawing/2014/main" id="{9DD3596B-11DB-E242-84EB-E209839C2340}"/>
+              </a:ext>
+            </a:extLst>
+          </p:cNvPr>
+          <p:cNvSpPr/>
+          <p:nvPr/>
+        </p:nvSpPr>
+        <p:spPr>
+          <a:xfrm>
+            <a:off x="5257800" y="1797784"/>
+            <a:ext cx="6096000" cy="1631216"/>
+          </a:xfrm>
+          <a:prstGeom prst="rect">
+            <a:avLst/>
+          </a:prstGeom>
+        </p:spPr>
+        <p:txBody>
+          <a:bodyPr>
+            <a:spAutoFit/>
+          </a:bodyPr>
+          <a:lstStyle/>
+          <a:p>
+            <a:r>
+              <a:rPr lang="en-US" sz="2000" dirty="0">
+                <a:latin typeface="Times New Roman" panose="02020603050405020304" pitchFamily="18" charset="0"/>
+                <a:ea typeface="Calibri" panose="020F0502020204030204" pitchFamily="34" charset="0"/>
+              </a:rPr>
+              <a:t>Interpretation: </a:t>
+            </a:r>
+          </a:p>
+          <a:p>
+            <a:r>
+              <a:rPr lang="en-US" sz="2000" dirty="0">
+                <a:latin typeface="Times New Roman" panose="02020603050405020304" pitchFamily="18" charset="0"/>
+                <a:ea typeface="Calibri" panose="020F0502020204030204" pitchFamily="34" charset="0"/>
+              </a:rPr>
+              <a:t>To estimate the average number of visitors per month in each cluster, measuring the number of visitors during the unique representative hour identified for each cluster is representative. </a:t>
+            </a:r>
+            <a:endParaRPr lang="fr-FR" sz="2000" dirty="0"/>
+          </a:p>
+        </p:txBody>
+      </p:sp>
+      <p:sp>
+        <p:nvSpPr>
+          <p:cNvPr id="6" name="Rectangle 5">
+            <a:extLst>
+              <a:ext uri="{FF2B5EF4-FFF2-40B4-BE49-F238E27FC236}">
+                <a16:creationId xmlns:a16="http://schemas.microsoft.com/office/drawing/2014/main" id="{5D9C04CF-F141-1D44-8655-8870F81D6B87}"/>
+              </a:ext>
+            </a:extLst>
+          </p:cNvPr>
+          <p:cNvSpPr/>
+          <p:nvPr/>
+        </p:nvSpPr>
+        <p:spPr>
+          <a:xfrm>
+            <a:off x="977292" y="4870070"/>
+            <a:ext cx="10376508" cy="1200329"/>
+          </a:xfrm>
+          <a:prstGeom prst="rect">
+            <a:avLst/>
+          </a:prstGeom>
+        </p:spPr>
+        <p:txBody>
+          <a:bodyPr wrap="square">
+            <a:spAutoFit/>
+          </a:bodyPr>
+          <a:lstStyle/>
+          <a:p>
+            <a:r>
+              <a:rPr lang="en-US" dirty="0">
+                <a:latin typeface="Times New Roman" panose="02020603050405020304" pitchFamily="18" charset="0"/>
+                <a:ea typeface="Calibri" panose="020F0502020204030204" pitchFamily="34" charset="0"/>
+              </a:rPr>
+              <a:t>These results coincidence with the predictive model’s using the decision tree method: all clusters had a peak hour at 7am then a higher one at 4pm. </a:t>
+            </a:r>
+          </a:p>
+          <a:p>
+            <a:r>
+              <a:rPr lang="en-US" i="1" dirty="0">
+                <a:latin typeface="Times New Roman" panose="02020603050405020304" pitchFamily="18" charset="0"/>
+                <a:ea typeface="Calibri" panose="020F0502020204030204" pitchFamily="34" charset="0"/>
+              </a:rPr>
+              <a:t>Cluster 3 seems to be a bit different which can be explained by the small amount of CBGs present in this </a:t>
+            </a:r>
+            <a:r>
+              <a:rPr lang="en-US" dirty="0">
+                <a:latin typeface="Times New Roman" panose="02020603050405020304" pitchFamily="18" charset="0"/>
+                <a:ea typeface="Calibri" panose="020F0502020204030204" pitchFamily="34" charset="0"/>
+              </a:rPr>
+              <a:t>cluster. </a:t>
+            </a:r>
+            <a:endParaRPr lang="fr-FR" dirty="0"/>
+          </a:p>
+        </p:txBody>
+      </p:sp>
+    </p:spTree>
+    <p:extLst>
+      <p:ext uri="{BB962C8B-B14F-4D97-AF65-F5344CB8AC3E}">
+        <p14:creationId xmlns:p14="http://schemas.microsoft.com/office/powerpoint/2010/main" val="2169427802"/>
+      </p:ext>
+    </p:extLst>
+  </p:cSld>
+  <p:clrMapOvr>
+    <a:masterClrMapping/>
+  </p:clrMapOvr>
+</p:sld>
+</file>
+
+<file path=ppt/slides/slide12.xml><?xml version="1.0" encoding="utf-8"?>
+<p:sld xmlns:a="http://schemas.openxmlformats.org/drawingml/2006/main" xmlns:r="http://schemas.openxmlformats.org/officeDocument/2006/relationships" xmlns:p="http://schemas.openxmlformats.org/presentationml/2006/main">
+  <p:cSld>
+    <p:spTree>
+      <p:nvGrpSpPr>
+        <p:cNvPr id="1" name=""/>
+        <p:cNvGrpSpPr/>
+        <p:nvPr/>
+      </p:nvGrpSpPr>
+      <p:grpSpPr>
+        <a:xfrm>
+          <a:off x="0" y="0"/>
+          <a:ext cx="0" cy="0"/>
+          <a:chOff x="0" y="0"/>
+          <a:chExt cx="0" cy="0"/>
+        </a:xfrm>
+      </p:grpSpPr>
+      <p:pic>
+        <p:nvPicPr>
+          <p:cNvPr id="19" name="Picture 18">
+            <a:extLst>
+              <a:ext uri="{FF2B5EF4-FFF2-40B4-BE49-F238E27FC236}">
+                <a16:creationId xmlns:a16="http://schemas.microsoft.com/office/drawing/2014/main" id="{194BD49C-6969-0C4C-9C05-5120327B63E0}"/>
+              </a:ext>
+            </a:extLst>
+          </p:cNvPr>
+          <p:cNvPicPr>
+            <a:picLocks noChangeAspect="1"/>
+          </p:cNvPicPr>
+          <p:nvPr/>
+        </p:nvPicPr>
+        <p:blipFill rotWithShape="1">
+          <a:blip r:embed="rId3">
+            <a:alphaModFix amt="35000"/>
+          </a:blip>
+          <a:srcRect t="8682" b="11589"/>
+          <a:stretch/>
+        </p:blipFill>
+        <p:spPr>
+          <a:xfrm>
+            <a:off x="0" y="117993"/>
+            <a:ext cx="12193826" cy="6210000"/>
+          </a:xfrm>
+          <a:prstGeom prst="rect">
+            <a:avLst/>
+          </a:prstGeom>
+        </p:spPr>
+      </p:pic>
+      <p:cxnSp>
+        <p:nvCxnSpPr>
+          <p:cNvPr id="9" name="Straight Connector 8">
+            <a:extLst>
+              <a:ext uri="{FF2B5EF4-FFF2-40B4-BE49-F238E27FC236}">
+                <a16:creationId xmlns:a16="http://schemas.microsoft.com/office/drawing/2014/main" id="{55B425AD-7721-8448-AE48-3107DD2CF4C7}"/>
+              </a:ext>
+            </a:extLst>
+          </p:cNvPr>
+          <p:cNvCxnSpPr/>
+          <p:nvPr/>
+        </p:nvCxnSpPr>
+        <p:spPr>
+          <a:xfrm>
+            <a:off x="0" y="1076628"/>
+            <a:ext cx="12211667" cy="0"/>
+          </a:xfrm>
+          <a:prstGeom prst="line">
+            <a:avLst/>
+          </a:prstGeom>
+          <a:ln>
+            <a:solidFill>
+              <a:schemeClr val="tx1"/>
+            </a:solidFill>
+          </a:ln>
+        </p:spPr>
+        <p:style>
+          <a:lnRef idx="1">
+            <a:schemeClr val="accent1"/>
+          </a:lnRef>
+          <a:fillRef idx="0">
+            <a:schemeClr val="accent1"/>
+          </a:fillRef>
+          <a:effectRef idx="0">
+            <a:schemeClr val="accent1"/>
+          </a:effectRef>
+          <a:fontRef idx="minor">
+            <a:schemeClr val="tx1"/>
+          </a:fontRef>
+        </p:style>
+      </p:cxnSp>
+      <p:sp>
+        <p:nvSpPr>
+          <p:cNvPr id="2" name="Slide Number Placeholder 1">
+            <a:extLst>
+              <a:ext uri="{FF2B5EF4-FFF2-40B4-BE49-F238E27FC236}">
+                <a16:creationId xmlns:a16="http://schemas.microsoft.com/office/drawing/2014/main" id="{36A96C12-8A52-B34E-8DB6-4286B26ADD8A}"/>
+              </a:ext>
+            </a:extLst>
+          </p:cNvPr>
+          <p:cNvSpPr>
+            <a:spLocks noGrp="1"/>
+          </p:cNvSpPr>
+          <p:nvPr>
+            <p:ph type="sldNum" sz="quarter" idx="12"/>
+          </p:nvPr>
+        </p:nvSpPr>
+        <p:spPr/>
+        <p:txBody>
+          <a:bodyPr/>
+          <a:lstStyle/>
+          <a:p>
+            <a:fld id="{D2162F12-6F32-264E-B336-B9A8BBC2530F}" type="slidenum">
+              <a:rPr lang="fr-FR" smtClean="0"/>
+              <a:t>12</a:t>
+            </a:fld>
+            <a:endParaRPr lang="fr-FR"/>
+          </a:p>
+        </p:txBody>
+      </p:sp>
+      <p:sp>
+        <p:nvSpPr>
+          <p:cNvPr id="3" name="Footer Placeholder 2">
+            <a:extLst>
+              <a:ext uri="{FF2B5EF4-FFF2-40B4-BE49-F238E27FC236}">
+                <a16:creationId xmlns:a16="http://schemas.microsoft.com/office/drawing/2014/main" id="{BC132929-AFA8-914B-A205-3DB94498310A}"/>
+              </a:ext>
+            </a:extLst>
+          </p:cNvPr>
+          <p:cNvSpPr>
+            <a:spLocks noGrp="1"/>
+          </p:cNvSpPr>
+          <p:nvPr>
+            <p:ph type="ftr" sz="quarter" idx="11"/>
+          </p:nvPr>
+        </p:nvSpPr>
+        <p:spPr/>
+        <p:txBody>
+          <a:bodyPr/>
+          <a:lstStyle/>
+          <a:p>
+            <a:r>
+              <a:rPr lang="fr-FR" dirty="0"/>
+              <a:t>Conclusions</a:t>
+            </a:r>
+          </a:p>
+        </p:txBody>
+      </p:sp>
+      <p:sp>
+        <p:nvSpPr>
+          <p:cNvPr id="15" name="Title 1">
+            <a:extLst>
+              <a:ext uri="{FF2B5EF4-FFF2-40B4-BE49-F238E27FC236}">
+                <a16:creationId xmlns:a16="http://schemas.microsoft.com/office/drawing/2014/main" id="{7EFC8E50-B2D8-9F4C-BA8A-7374EC4643AE}"/>
+              </a:ext>
+            </a:extLst>
+          </p:cNvPr>
+          <p:cNvSpPr txBox="1">
+            <a:spLocks/>
+          </p:cNvSpPr>
+          <p:nvPr/>
+        </p:nvSpPr>
+        <p:spPr>
+          <a:xfrm>
+            <a:off x="2546554" y="250725"/>
+            <a:ext cx="7098891" cy="923772"/>
+          </a:xfrm>
+          <a:prstGeom prst="rect">
+            <a:avLst/>
+          </a:prstGeom>
+        </p:spPr>
+        <p:txBody>
+          <a:bodyPr vert="horz" lIns="91440" tIns="45720" rIns="91440" bIns="45720" rtlCol="0" anchor="ctr">
+            <a:normAutofit/>
+          </a:bodyPr>
+          <a:lstStyle>
+            <a:lvl1pPr algn="l" defTabSz="914400" rtl="0" eaLnBrk="1" latinLnBrk="0" hangingPunct="1">
+              <a:lnSpc>
+                <a:spcPct val="90000"/>
+              </a:lnSpc>
+              <a:spcBef>
+                <a:spcPct val="0"/>
+              </a:spcBef>
+              <a:buNone/>
+              <a:defRPr sz="4400" kern="1200">
+                <a:solidFill>
+                  <a:schemeClr val="tx1"/>
+                </a:solidFill>
+                <a:latin typeface="+mj-lt"/>
+                <a:ea typeface="+mj-ea"/>
+                <a:cs typeface="+mj-cs"/>
+              </a:defRPr>
+            </a:lvl1pPr>
+          </a:lstStyle>
+          <a:p>
+            <a:pPr algn="ctr"/>
+            <a:r>
+              <a:rPr lang="fr-FR" b="1" dirty="0"/>
+              <a:t>To </a:t>
+            </a:r>
+            <a:r>
+              <a:rPr lang="fr-FR" b="1" dirty="0" err="1"/>
+              <a:t>conclude</a:t>
+            </a:r>
+            <a:endParaRPr lang="fr-FR" b="1" dirty="0"/>
+          </a:p>
+        </p:txBody>
+      </p:sp>
+      <p:graphicFrame>
+        <p:nvGraphicFramePr>
+          <p:cNvPr id="7" name="Table 6">
+            <a:extLst>
+              <a:ext uri="{FF2B5EF4-FFF2-40B4-BE49-F238E27FC236}">
+                <a16:creationId xmlns:a16="http://schemas.microsoft.com/office/drawing/2014/main" id="{81464611-B2C4-AE48-8481-7FBD47467DA2}"/>
+              </a:ext>
+            </a:extLst>
+          </p:cNvPr>
+          <p:cNvGraphicFramePr>
+            <a:graphicFrameLocks noGrp="1"/>
+          </p:cNvGraphicFramePr>
+          <p:nvPr>
+            <p:extLst>
+              <p:ext uri="{D42A27DB-BD31-4B8C-83A1-F6EECF244321}">
+                <p14:modId xmlns:p14="http://schemas.microsoft.com/office/powerpoint/2010/main" val="3400269510"/>
+              </p:ext>
+            </p:extLst>
+          </p:nvPr>
+        </p:nvGraphicFramePr>
+        <p:xfrm>
+          <a:off x="2923504" y="1510754"/>
+          <a:ext cx="6578600" cy="2748280"/>
+        </p:xfrm>
+        <a:graphic>
+          <a:graphicData uri="http://schemas.openxmlformats.org/drawingml/2006/table">
+            <a:tbl>
+              <a:tblPr firstRow="1" bandRow="1">
+                <a:tableStyleId>{5202B0CA-FC54-4496-8BCA-5EF66A818D29}</a:tableStyleId>
+              </a:tblPr>
+              <a:tblGrid>
+                <a:gridCol w="5244563">
+                  <a:extLst>
+                    <a:ext uri="{9D8B030D-6E8A-4147-A177-3AD203B41FA5}">
+                      <a16:colId xmlns:a16="http://schemas.microsoft.com/office/drawing/2014/main" val="609162814"/>
+                    </a:ext>
+                  </a:extLst>
+                </a:gridCol>
+                <a:gridCol w="1334037">
+                  <a:extLst>
+                    <a:ext uri="{9D8B030D-6E8A-4147-A177-3AD203B41FA5}">
+                      <a16:colId xmlns:a16="http://schemas.microsoft.com/office/drawing/2014/main" val="4167335205"/>
+                    </a:ext>
+                  </a:extLst>
+                </a:gridCol>
+              </a:tblGrid>
+              <a:tr h="370840">
+                <a:tc>
+                  <a:txBody>
+                    <a:bodyPr/>
+                    <a:lstStyle/>
+                    <a:p>
+                      <a:pPr algn="ctr"/>
+                      <a:r>
+                        <a:rPr lang="fr-FR" sz="2400" dirty="0">
+                          <a:solidFill>
+                            <a:schemeClr val="tx1"/>
+                          </a:solidFill>
+                        </a:rPr>
+                        <a:t>Project goals</a:t>
+                      </a:r>
+                    </a:p>
+                  </a:txBody>
+                  <a:tcPr>
+                    <a:lnL w="12700" cap="flat" cmpd="sng" algn="ctr">
+                      <a:solidFill>
+                        <a:schemeClr val="tx1"/>
+                      </a:solidFill>
+                      <a:prstDash val="solid"/>
+                      <a:round/>
+                      <a:headEnd type="none" w="med" len="med"/>
+                      <a:tailEnd type="none" w="med" len="med"/>
+                    </a:lnL>
+                    <a:lnR w="12700" cap="flat" cmpd="sng" algn="ctr">
+                      <a:solidFill>
+                        <a:schemeClr val="tx1"/>
+                      </a:solidFill>
+                      <a:prstDash val="solid"/>
+                      <a:round/>
+                      <a:headEnd type="none" w="med" len="med"/>
+                      <a:tailEnd type="none" w="med" len="med"/>
+                    </a:lnR>
+                    <a:lnT w="12700" cap="flat" cmpd="sng" algn="ctr">
+                      <a:solidFill>
+                        <a:schemeClr val="tx1"/>
+                      </a:solidFill>
+                      <a:prstDash val="solid"/>
+                      <a:round/>
+                      <a:headEnd type="none" w="med" len="med"/>
+                      <a:tailEnd type="none" w="med" len="med"/>
+                    </a:lnT>
+                    <a:lnB w="12700" cap="flat" cmpd="sng" algn="ctr">
+                      <a:solidFill>
+                        <a:schemeClr val="tx1"/>
+                      </a:solidFill>
+                      <a:prstDash val="solid"/>
+                      <a:round/>
+                      <a:headEnd type="none" w="med" len="med"/>
+                      <a:tailEnd type="none" w="med" len="med"/>
+                    </a:lnB>
+                    <a:noFill/>
+                  </a:tcPr>
+                </a:tc>
+                <a:tc>
+                  <a:txBody>
+                    <a:bodyPr/>
+                    <a:lstStyle/>
+                    <a:p>
+                      <a:pPr algn="ctr"/>
+                      <a:r>
+                        <a:rPr lang="fr-FR" sz="2400" dirty="0" err="1">
+                          <a:solidFill>
+                            <a:schemeClr val="tx1"/>
+                          </a:solidFill>
+                        </a:rPr>
+                        <a:t>Findings</a:t>
+                      </a:r>
+                      <a:endParaRPr lang="fr-FR" sz="2400" dirty="0">
+                        <a:solidFill>
+                          <a:schemeClr val="tx1"/>
+                        </a:solidFill>
+                      </a:endParaRPr>
+                    </a:p>
+                  </a:txBody>
+                  <a:tcPr>
+                    <a:lnL w="12700" cap="flat" cmpd="sng" algn="ctr">
+                      <a:solidFill>
+                        <a:schemeClr val="tx1"/>
+                      </a:solidFill>
+                      <a:prstDash val="solid"/>
+                      <a:round/>
+                      <a:headEnd type="none" w="med" len="med"/>
+                      <a:tailEnd type="none" w="med" len="med"/>
+                    </a:lnL>
+                    <a:lnR w="12700" cap="flat" cmpd="sng" algn="ctr">
+                      <a:solidFill>
+                        <a:schemeClr val="tx1"/>
+                      </a:solidFill>
+                      <a:prstDash val="solid"/>
+                      <a:round/>
+                      <a:headEnd type="none" w="med" len="med"/>
+                      <a:tailEnd type="none" w="med" len="med"/>
+                    </a:lnR>
+                    <a:lnT w="12700" cap="flat" cmpd="sng" algn="ctr">
+                      <a:solidFill>
+                        <a:schemeClr val="tx1"/>
+                      </a:solidFill>
+                      <a:prstDash val="solid"/>
+                      <a:round/>
+                      <a:headEnd type="none" w="med" len="med"/>
+                      <a:tailEnd type="none" w="med" len="med"/>
+                    </a:lnT>
+                    <a:lnB w="12700" cap="flat" cmpd="sng" algn="ctr">
+                      <a:solidFill>
+                        <a:schemeClr val="tx1"/>
+                      </a:solidFill>
+                      <a:prstDash val="solid"/>
+                      <a:round/>
+                      <a:headEnd type="none" w="med" len="med"/>
+                      <a:tailEnd type="none" w="med" len="med"/>
+                    </a:lnB>
+                    <a:noFill/>
+                  </a:tcPr>
+                </a:tc>
+                <a:extLst>
+                  <a:ext uri="{0D108BD9-81ED-4DB2-BD59-A6C34878D82A}">
+                    <a16:rowId xmlns:a16="http://schemas.microsoft.com/office/drawing/2014/main" val="797951392"/>
+                  </a:ext>
+                </a:extLst>
+              </a:tr>
+              <a:tr h="370840">
+                <a:tc>
+                  <a:txBody>
+                    <a:bodyPr/>
+                    <a:lstStyle/>
+                    <a:p>
+                      <a:r>
+                        <a:rPr lang="en-US" sz="1800" kern="1200" dirty="0">
+                          <a:effectLst/>
+                        </a:rPr>
+                        <a:t>What are the most popular brands in a neighborhood?</a:t>
+                      </a:r>
+                      <a:r>
+                        <a:rPr lang="fr-FR" dirty="0">
+                          <a:effectLst/>
+                        </a:rPr>
+                        <a:t> </a:t>
+                      </a:r>
+                      <a:endParaRPr lang="fr-FR" dirty="0"/>
+                    </a:p>
+                  </a:txBody>
+                  <a:tcPr>
+                    <a:lnL w="12700" cap="flat" cmpd="sng" algn="ctr">
+                      <a:solidFill>
+                        <a:schemeClr val="tx1"/>
+                      </a:solidFill>
+                      <a:prstDash val="solid"/>
+                      <a:round/>
+                      <a:headEnd type="none" w="med" len="med"/>
+                      <a:tailEnd type="none" w="med" len="med"/>
+                    </a:lnL>
+                    <a:lnR w="12700" cap="flat" cmpd="sng" algn="ctr">
+                      <a:solidFill>
+                        <a:schemeClr val="tx1"/>
+                      </a:solidFill>
+                      <a:prstDash val="solid"/>
+                      <a:round/>
+                      <a:headEnd type="none" w="med" len="med"/>
+                      <a:tailEnd type="none" w="med" len="med"/>
+                    </a:lnR>
+                    <a:lnT w="12700" cap="flat" cmpd="sng" algn="ctr">
+                      <a:solidFill>
+                        <a:schemeClr val="tx1"/>
+                      </a:solidFill>
+                      <a:prstDash val="solid"/>
+                      <a:round/>
+                      <a:headEnd type="none" w="med" len="med"/>
+                      <a:tailEnd type="none" w="med" len="med"/>
+                    </a:lnT>
+                    <a:lnB w="12700" cap="flat" cmpd="sng" algn="ctr">
+                      <a:solidFill>
+                        <a:schemeClr val="tx1"/>
+                      </a:solidFill>
+                      <a:prstDash val="solid"/>
+                      <a:round/>
+                      <a:headEnd type="none" w="med" len="med"/>
+                      <a:tailEnd type="none" w="med" len="med"/>
+                    </a:lnB>
+                    <a:noFill/>
+                  </a:tcPr>
+                </a:tc>
+                <a:tc>
+                  <a:txBody>
+                    <a:bodyPr/>
+                    <a:lstStyle/>
+                    <a:p>
+                      <a:endParaRPr lang="fr-FR" dirty="0"/>
+                    </a:p>
+                  </a:txBody>
+                  <a:tcPr>
+                    <a:lnL w="12700" cap="flat" cmpd="sng" algn="ctr">
+                      <a:solidFill>
+                        <a:schemeClr val="tx1"/>
+                      </a:solidFill>
+                      <a:prstDash val="solid"/>
+                      <a:round/>
+                      <a:headEnd type="none" w="med" len="med"/>
+                      <a:tailEnd type="none" w="med" len="med"/>
+                    </a:lnL>
+                    <a:lnR w="12700" cap="flat" cmpd="sng" algn="ctr">
+                      <a:solidFill>
+                        <a:schemeClr val="tx1"/>
+                      </a:solidFill>
+                      <a:prstDash val="solid"/>
+                      <a:round/>
+                      <a:headEnd type="none" w="med" len="med"/>
+                      <a:tailEnd type="none" w="med" len="med"/>
+                    </a:lnR>
+                    <a:lnT w="12700" cap="flat" cmpd="sng" algn="ctr">
+                      <a:solidFill>
+                        <a:schemeClr val="tx1"/>
+                      </a:solidFill>
+                      <a:prstDash val="solid"/>
+                      <a:round/>
+                      <a:headEnd type="none" w="med" len="med"/>
+                      <a:tailEnd type="none" w="med" len="med"/>
+                    </a:lnT>
+                    <a:lnB w="12700" cap="flat" cmpd="sng" algn="ctr">
+                      <a:solidFill>
+                        <a:schemeClr val="tx1"/>
+                      </a:solidFill>
+                      <a:prstDash val="solid"/>
+                      <a:round/>
+                      <a:headEnd type="none" w="med" len="med"/>
+                      <a:tailEnd type="none" w="med" len="med"/>
+                    </a:lnB>
+                    <a:noFill/>
+                  </a:tcPr>
+                </a:tc>
+                <a:extLst>
+                  <a:ext uri="{0D108BD9-81ED-4DB2-BD59-A6C34878D82A}">
+                    <a16:rowId xmlns:a16="http://schemas.microsoft.com/office/drawing/2014/main" val="1499011150"/>
+                  </a:ext>
+                </a:extLst>
+              </a:tr>
+              <a:tr h="370840">
+                <a:tc>
+                  <a:txBody>
+                    <a:bodyPr/>
+                    <a:lstStyle/>
+                    <a:p>
+                      <a:r>
+                        <a:rPr lang="en-US" sz="1800" kern="1200" dirty="0">
+                          <a:effectLst/>
+                        </a:rPr>
+                        <a:t>Are there regional preferences for some brands over others?</a:t>
+                      </a:r>
+                      <a:r>
+                        <a:rPr lang="fr-FR" dirty="0">
+                          <a:effectLst/>
+                        </a:rPr>
+                        <a:t> </a:t>
+                      </a:r>
+                      <a:endParaRPr lang="fr-FR" dirty="0"/>
+                    </a:p>
+                  </a:txBody>
+                  <a:tcPr>
+                    <a:lnL w="12700" cap="flat" cmpd="sng" algn="ctr">
+                      <a:solidFill>
+                        <a:schemeClr val="tx1"/>
+                      </a:solidFill>
+                      <a:prstDash val="solid"/>
+                      <a:round/>
+                      <a:headEnd type="none" w="med" len="med"/>
+                      <a:tailEnd type="none" w="med" len="med"/>
+                    </a:lnL>
+                    <a:lnR w="12700" cap="flat" cmpd="sng" algn="ctr">
+                      <a:solidFill>
+                        <a:schemeClr val="tx1"/>
+                      </a:solidFill>
+                      <a:prstDash val="solid"/>
+                      <a:round/>
+                      <a:headEnd type="none" w="med" len="med"/>
+                      <a:tailEnd type="none" w="med" len="med"/>
+                    </a:lnR>
+                    <a:lnT w="12700" cap="flat" cmpd="sng" algn="ctr">
+                      <a:solidFill>
+                        <a:schemeClr val="tx1"/>
+                      </a:solidFill>
+                      <a:prstDash val="solid"/>
+                      <a:round/>
+                      <a:headEnd type="none" w="med" len="med"/>
+                      <a:tailEnd type="none" w="med" len="med"/>
+                    </a:lnT>
+                    <a:lnB w="12700" cap="flat" cmpd="sng" algn="ctr">
+                      <a:solidFill>
+                        <a:schemeClr val="tx1"/>
+                      </a:solidFill>
+                      <a:prstDash val="solid"/>
+                      <a:round/>
+                      <a:headEnd type="none" w="med" len="med"/>
+                      <a:tailEnd type="none" w="med" len="med"/>
+                    </a:lnB>
+                    <a:noFill/>
+                  </a:tcPr>
+                </a:tc>
+                <a:tc>
+                  <a:txBody>
+                    <a:bodyPr/>
+                    <a:lstStyle/>
+                    <a:p>
+                      <a:endParaRPr lang="fr-FR"/>
+                    </a:p>
+                  </a:txBody>
+                  <a:tcPr>
+                    <a:lnL w="12700" cap="flat" cmpd="sng" algn="ctr">
+                      <a:solidFill>
+                        <a:schemeClr val="tx1"/>
+                      </a:solidFill>
+                      <a:prstDash val="solid"/>
+                      <a:round/>
+                      <a:headEnd type="none" w="med" len="med"/>
+                      <a:tailEnd type="none" w="med" len="med"/>
+                    </a:lnL>
+                    <a:lnR w="12700" cap="flat" cmpd="sng" algn="ctr">
+                      <a:solidFill>
+                        <a:schemeClr val="tx1"/>
+                      </a:solidFill>
+                      <a:prstDash val="solid"/>
+                      <a:round/>
+                      <a:headEnd type="none" w="med" len="med"/>
+                      <a:tailEnd type="none" w="med" len="med"/>
+                    </a:lnR>
+                    <a:lnT w="12700" cap="flat" cmpd="sng" algn="ctr">
+                      <a:solidFill>
+                        <a:schemeClr val="tx1"/>
+                      </a:solidFill>
+                      <a:prstDash val="solid"/>
+                      <a:round/>
+                      <a:headEnd type="none" w="med" len="med"/>
+                      <a:tailEnd type="none" w="med" len="med"/>
+                    </a:lnT>
+                    <a:lnB w="12700" cap="flat" cmpd="sng" algn="ctr">
+                      <a:solidFill>
+                        <a:schemeClr val="tx1"/>
+                      </a:solidFill>
+                      <a:prstDash val="solid"/>
+                      <a:round/>
+                      <a:headEnd type="none" w="med" len="med"/>
+                      <a:tailEnd type="none" w="med" len="med"/>
+                    </a:lnB>
+                    <a:noFill/>
+                  </a:tcPr>
+                </a:tc>
+                <a:extLst>
+                  <a:ext uri="{0D108BD9-81ED-4DB2-BD59-A6C34878D82A}">
+                    <a16:rowId xmlns:a16="http://schemas.microsoft.com/office/drawing/2014/main" val="3578863124"/>
+                  </a:ext>
+                </a:extLst>
+              </a:tr>
+              <a:tr h="370840">
+                <a:tc>
+                  <a:txBody>
+                    <a:bodyPr/>
+                    <a:lstStyle/>
+                    <a:p>
+                      <a:r>
+                        <a:rPr lang="en-US" sz="1800" kern="1200" dirty="0">
+                          <a:effectLst/>
+                        </a:rPr>
+                        <a:t>What time do people visit certain CBG?</a:t>
+                      </a:r>
+                      <a:r>
+                        <a:rPr lang="fr-FR" dirty="0">
+                          <a:effectLst/>
+                        </a:rPr>
+                        <a:t> </a:t>
+                      </a:r>
+                      <a:endParaRPr lang="fr-FR" dirty="0"/>
+                    </a:p>
+                  </a:txBody>
+                  <a:tcPr>
+                    <a:lnL w="12700" cap="flat" cmpd="sng" algn="ctr">
+                      <a:solidFill>
+                        <a:schemeClr val="tx1"/>
+                      </a:solidFill>
+                      <a:prstDash val="solid"/>
+                      <a:round/>
+                      <a:headEnd type="none" w="med" len="med"/>
+                      <a:tailEnd type="none" w="med" len="med"/>
+                    </a:lnL>
+                    <a:lnR w="12700" cap="flat" cmpd="sng" algn="ctr">
+                      <a:solidFill>
+                        <a:schemeClr val="tx1"/>
+                      </a:solidFill>
+                      <a:prstDash val="solid"/>
+                      <a:round/>
+                      <a:headEnd type="none" w="med" len="med"/>
+                      <a:tailEnd type="none" w="med" len="med"/>
+                    </a:lnR>
+                    <a:lnT w="12700" cap="flat" cmpd="sng" algn="ctr">
+                      <a:solidFill>
+                        <a:schemeClr val="tx1"/>
+                      </a:solidFill>
+                      <a:prstDash val="solid"/>
+                      <a:round/>
+                      <a:headEnd type="none" w="med" len="med"/>
+                      <a:tailEnd type="none" w="med" len="med"/>
+                    </a:lnT>
+                    <a:lnB w="12700" cap="flat" cmpd="sng" algn="ctr">
+                      <a:solidFill>
+                        <a:schemeClr val="tx1"/>
+                      </a:solidFill>
+                      <a:prstDash val="solid"/>
+                      <a:round/>
+                      <a:headEnd type="none" w="med" len="med"/>
+                      <a:tailEnd type="none" w="med" len="med"/>
+                    </a:lnB>
+                    <a:noFill/>
+                  </a:tcPr>
+                </a:tc>
+                <a:tc>
+                  <a:txBody>
+                    <a:bodyPr/>
+                    <a:lstStyle/>
+                    <a:p>
+                      <a:endParaRPr lang="fr-FR"/>
+                    </a:p>
+                  </a:txBody>
+                  <a:tcPr>
+                    <a:lnL w="12700" cap="flat" cmpd="sng" algn="ctr">
+                      <a:solidFill>
+                        <a:schemeClr val="tx1"/>
+                      </a:solidFill>
+                      <a:prstDash val="solid"/>
+                      <a:round/>
+                      <a:headEnd type="none" w="med" len="med"/>
+                      <a:tailEnd type="none" w="med" len="med"/>
+                    </a:lnL>
+                    <a:lnR w="12700" cap="flat" cmpd="sng" algn="ctr">
+                      <a:solidFill>
+                        <a:schemeClr val="tx1"/>
+                      </a:solidFill>
+                      <a:prstDash val="solid"/>
+                      <a:round/>
+                      <a:headEnd type="none" w="med" len="med"/>
+                      <a:tailEnd type="none" w="med" len="med"/>
+                    </a:lnR>
+                    <a:lnT w="12700" cap="flat" cmpd="sng" algn="ctr">
+                      <a:solidFill>
+                        <a:schemeClr val="tx1"/>
+                      </a:solidFill>
+                      <a:prstDash val="solid"/>
+                      <a:round/>
+                      <a:headEnd type="none" w="med" len="med"/>
+                      <a:tailEnd type="none" w="med" len="med"/>
+                    </a:lnT>
+                    <a:lnB w="12700" cap="flat" cmpd="sng" algn="ctr">
+                      <a:solidFill>
+                        <a:schemeClr val="tx1"/>
+                      </a:solidFill>
+                      <a:prstDash val="solid"/>
+                      <a:round/>
+                      <a:headEnd type="none" w="med" len="med"/>
+                      <a:tailEnd type="none" w="med" len="med"/>
+                    </a:lnB>
+                    <a:noFill/>
+                  </a:tcPr>
+                </a:tc>
+                <a:extLst>
+                  <a:ext uri="{0D108BD9-81ED-4DB2-BD59-A6C34878D82A}">
+                    <a16:rowId xmlns:a16="http://schemas.microsoft.com/office/drawing/2014/main" val="1203419536"/>
+                  </a:ext>
+                </a:extLst>
+              </a:tr>
+              <a:tr h="370840">
+                <a:tc>
+                  <a:txBody>
+                    <a:bodyPr/>
+                    <a:lstStyle/>
+                    <a:p>
+                      <a:r>
+                        <a:rPr lang="en-US" sz="1800" kern="1200" dirty="0">
+                          <a:effectLst/>
+                        </a:rPr>
+                        <a:t>Predict the number of visitors in each CBG/neighborhood each day and each hour</a:t>
+                      </a:r>
+                      <a:r>
+                        <a:rPr lang="fr-FR" dirty="0">
+                          <a:effectLst/>
+                        </a:rPr>
+                        <a:t> </a:t>
+                      </a:r>
+                      <a:endParaRPr lang="fr-FR" dirty="0"/>
+                    </a:p>
+                  </a:txBody>
+                  <a:tcPr>
+                    <a:lnL w="12700" cap="flat" cmpd="sng" algn="ctr">
+                      <a:solidFill>
+                        <a:schemeClr val="tx1"/>
+                      </a:solidFill>
+                      <a:prstDash val="solid"/>
+                      <a:round/>
+                      <a:headEnd type="none" w="med" len="med"/>
+                      <a:tailEnd type="none" w="med" len="med"/>
+                    </a:lnL>
+                    <a:lnR w="12700" cap="flat" cmpd="sng" algn="ctr">
+                      <a:solidFill>
+                        <a:schemeClr val="tx1"/>
+                      </a:solidFill>
+                      <a:prstDash val="solid"/>
+                      <a:round/>
+                      <a:headEnd type="none" w="med" len="med"/>
+                      <a:tailEnd type="none" w="med" len="med"/>
+                    </a:lnR>
+                    <a:lnT w="12700" cap="flat" cmpd="sng" algn="ctr">
+                      <a:solidFill>
+                        <a:schemeClr val="tx1"/>
+                      </a:solidFill>
+                      <a:prstDash val="solid"/>
+                      <a:round/>
+                      <a:headEnd type="none" w="med" len="med"/>
+                      <a:tailEnd type="none" w="med" len="med"/>
+                    </a:lnT>
+                    <a:lnB w="12700" cap="flat" cmpd="sng" algn="ctr">
+                      <a:solidFill>
+                        <a:schemeClr val="tx1"/>
+                      </a:solidFill>
+                      <a:prstDash val="solid"/>
+                      <a:round/>
+                      <a:headEnd type="none" w="med" len="med"/>
+                      <a:tailEnd type="none" w="med" len="med"/>
+                    </a:lnB>
+                    <a:noFill/>
+                  </a:tcPr>
+                </a:tc>
+                <a:tc>
+                  <a:txBody>
+                    <a:bodyPr/>
+                    <a:lstStyle/>
+                    <a:p>
+                      <a:endParaRPr lang="fr-FR" dirty="0"/>
+                    </a:p>
+                  </a:txBody>
+                  <a:tcPr>
+                    <a:lnL w="12700" cap="flat" cmpd="sng" algn="ctr">
+                      <a:solidFill>
+                        <a:schemeClr val="tx1"/>
+                      </a:solidFill>
+                      <a:prstDash val="solid"/>
+                      <a:round/>
+                      <a:headEnd type="none" w="med" len="med"/>
+                      <a:tailEnd type="none" w="med" len="med"/>
+                    </a:lnL>
+                    <a:lnR w="12700" cap="flat" cmpd="sng" algn="ctr">
+                      <a:solidFill>
+                        <a:schemeClr val="tx1"/>
+                      </a:solidFill>
+                      <a:prstDash val="solid"/>
+                      <a:round/>
+                      <a:headEnd type="none" w="med" len="med"/>
+                      <a:tailEnd type="none" w="med" len="med"/>
+                    </a:lnR>
+                    <a:lnT w="12700" cap="flat" cmpd="sng" algn="ctr">
+                      <a:solidFill>
+                        <a:schemeClr val="tx1"/>
+                      </a:solidFill>
+                      <a:prstDash val="solid"/>
+                      <a:round/>
+                      <a:headEnd type="none" w="med" len="med"/>
+                      <a:tailEnd type="none" w="med" len="med"/>
+                    </a:lnT>
+                    <a:lnB w="12700" cap="flat" cmpd="sng" algn="ctr">
+                      <a:solidFill>
+                        <a:schemeClr val="tx1"/>
+                      </a:solidFill>
+                      <a:prstDash val="solid"/>
+                      <a:round/>
+                      <a:headEnd type="none" w="med" len="med"/>
+                      <a:tailEnd type="none" w="med" len="med"/>
+                    </a:lnB>
+                    <a:noFill/>
+                  </a:tcPr>
+                </a:tc>
+                <a:extLst>
+                  <a:ext uri="{0D108BD9-81ED-4DB2-BD59-A6C34878D82A}">
+                    <a16:rowId xmlns:a16="http://schemas.microsoft.com/office/drawing/2014/main" val="3948971386"/>
+                  </a:ext>
+                </a:extLst>
+              </a:tr>
+            </a:tbl>
+          </a:graphicData>
+        </a:graphic>
+      </p:graphicFrame>
+      <p:sp>
+        <p:nvSpPr>
+          <p:cNvPr id="8" name="Rectangle 7">
+            <a:extLst>
+              <a:ext uri="{FF2B5EF4-FFF2-40B4-BE49-F238E27FC236}">
+                <a16:creationId xmlns:a16="http://schemas.microsoft.com/office/drawing/2014/main" id="{871BE8C8-2A87-104F-A0A3-F6E949DE4578}"/>
+              </a:ext>
+            </a:extLst>
+          </p:cNvPr>
+          <p:cNvSpPr/>
+          <p:nvPr/>
+        </p:nvSpPr>
+        <p:spPr>
+          <a:xfrm>
+            <a:off x="1519708" y="4612685"/>
+            <a:ext cx="8939011" cy="1323439"/>
+          </a:xfrm>
+          <a:prstGeom prst="rect">
+            <a:avLst/>
+          </a:prstGeom>
+        </p:spPr>
+        <p:txBody>
+          <a:bodyPr wrap="square">
+            <a:spAutoFit/>
+          </a:bodyPr>
+          <a:lstStyle/>
+          <a:p>
+            <a:pPr>
+              <a:spcAft>
+                <a:spcPts val="0"/>
+              </a:spcAft>
+            </a:pPr>
+            <a:r>
+              <a:rPr lang="en-US" sz="2000" b="1" dirty="0">
+                <a:latin typeface="Times New Roman" panose="02020603050405020304" pitchFamily="18" charset="0"/>
+                <a:ea typeface="Calibri" panose="020F0502020204030204" pitchFamily="34" charset="0"/>
+                <a:cs typeface="Times New Roman" panose="02020603050405020304" pitchFamily="18" charset="0"/>
+              </a:rPr>
+              <a:t>Additional questions that were answered: </a:t>
+            </a:r>
+            <a:endParaRPr lang="fr-FR" sz="2000" b="1" dirty="0">
+              <a:latin typeface="Calibri" panose="020F0502020204030204" pitchFamily="34" charset="0"/>
+              <a:ea typeface="Calibri" panose="020F0502020204030204" pitchFamily="34" charset="0"/>
+              <a:cs typeface="Times New Roman" panose="02020603050405020304" pitchFamily="18" charset="0"/>
+            </a:endParaRPr>
+          </a:p>
+          <a:p>
+            <a:pPr marL="342900" lvl="0" indent="-342900">
+              <a:spcAft>
+                <a:spcPts val="0"/>
+              </a:spcAft>
+              <a:buFont typeface="Times New Roman" panose="02020603050405020304" pitchFamily="18" charset="0"/>
+              <a:buChar char="-"/>
+            </a:pPr>
+            <a:r>
+              <a:rPr lang="en-US" sz="2000" dirty="0">
+                <a:latin typeface="Times New Roman" panose="02020603050405020304" pitchFamily="18" charset="0"/>
+                <a:ea typeface="Calibri" panose="020F0502020204030204" pitchFamily="34" charset="0"/>
+                <a:cs typeface="Times New Roman" panose="02020603050405020304" pitchFamily="18" charset="0"/>
+              </a:rPr>
+              <a:t>Where are the most visited CBGs located?</a:t>
+            </a:r>
+            <a:endParaRPr lang="fr-FR" sz="2000" dirty="0">
+              <a:latin typeface="Calibri" panose="020F0502020204030204" pitchFamily="34" charset="0"/>
+              <a:ea typeface="Calibri" panose="020F0502020204030204" pitchFamily="34" charset="0"/>
+              <a:cs typeface="Times New Roman" panose="02020603050405020304" pitchFamily="18" charset="0"/>
+            </a:endParaRPr>
+          </a:p>
+          <a:p>
+            <a:pPr marL="342900" lvl="0" indent="-342900">
+              <a:spcAft>
+                <a:spcPts val="0"/>
+              </a:spcAft>
+              <a:buFont typeface="Times New Roman" panose="02020603050405020304" pitchFamily="18" charset="0"/>
+              <a:buChar char="-"/>
+            </a:pPr>
+            <a:r>
+              <a:rPr lang="en-US" sz="2000" dirty="0">
+                <a:latin typeface="Times New Roman" panose="02020603050405020304" pitchFamily="18" charset="0"/>
+                <a:ea typeface="Calibri" panose="020F0502020204030204" pitchFamily="34" charset="0"/>
+                <a:cs typeface="Times New Roman" panose="02020603050405020304" pitchFamily="18" charset="0"/>
+              </a:rPr>
+              <a:t>What are the most popular brands during the week (Monday to Thursday), and during the weekend (Friday to Sunday)?</a:t>
+            </a:r>
+            <a:endParaRPr lang="fr-FR" sz="2000" dirty="0">
+              <a:latin typeface="Calibri" panose="020F0502020204030204" pitchFamily="34" charset="0"/>
+              <a:ea typeface="Calibri" panose="020F0502020204030204" pitchFamily="34" charset="0"/>
+              <a:cs typeface="Times New Roman" panose="02020603050405020304" pitchFamily="18" charset="0"/>
+            </a:endParaRPr>
+          </a:p>
+        </p:txBody>
+      </p:sp>
+      <p:pic>
+        <p:nvPicPr>
+          <p:cNvPr id="11" name="Graphic 10" descr="Checkmark">
+            <a:extLst>
+              <a:ext uri="{FF2B5EF4-FFF2-40B4-BE49-F238E27FC236}">
+                <a16:creationId xmlns:a16="http://schemas.microsoft.com/office/drawing/2014/main" id="{9050194A-851D-B241-ACA3-DBACCB1BF00F}"/>
+              </a:ext>
+            </a:extLst>
+          </p:cNvPr>
+          <p:cNvPicPr>
+            <a:picLocks noChangeAspect="1"/>
+          </p:cNvPicPr>
+          <p:nvPr/>
+        </p:nvPicPr>
+        <p:blipFill>
+          <a:blip r:embed="rId4">
+            <a:extLst>
+              <a:ext uri="{96DAC541-7B7A-43D3-8B79-37D633B846F1}">
+                <asvg:svgBlip xmlns:asvg="http://schemas.microsoft.com/office/drawing/2016/SVG/main" r:embed="rId5"/>
+              </a:ext>
+            </a:extLst>
+          </a:blip>
+          <a:stretch>
+            <a:fillRect/>
+          </a:stretch>
+        </p:blipFill>
+        <p:spPr>
+          <a:xfrm>
+            <a:off x="8575183" y="2050470"/>
+            <a:ext cx="505642" cy="505642"/>
+          </a:xfrm>
+          <a:prstGeom prst="rect">
+            <a:avLst/>
+          </a:prstGeom>
+        </p:spPr>
+      </p:pic>
+      <p:pic>
+        <p:nvPicPr>
+          <p:cNvPr id="14" name="Graphic 13" descr="Checkmark">
+            <a:extLst>
+              <a:ext uri="{FF2B5EF4-FFF2-40B4-BE49-F238E27FC236}">
+                <a16:creationId xmlns:a16="http://schemas.microsoft.com/office/drawing/2014/main" id="{9D107705-6895-B047-AF6F-0354F24AFFE4}"/>
+              </a:ext>
+            </a:extLst>
+          </p:cNvPr>
+          <p:cNvPicPr>
+            <a:picLocks noChangeAspect="1"/>
+          </p:cNvPicPr>
+          <p:nvPr/>
+        </p:nvPicPr>
+        <p:blipFill>
+          <a:blip r:embed="rId4">
+            <a:extLst>
+              <a:ext uri="{96DAC541-7B7A-43D3-8B79-37D633B846F1}">
+                <asvg:svgBlip xmlns:asvg="http://schemas.microsoft.com/office/drawing/2016/SVG/main" r:embed="rId5"/>
+              </a:ext>
+            </a:extLst>
+          </a:blip>
+          <a:stretch>
+            <a:fillRect/>
+          </a:stretch>
+        </p:blipFill>
+        <p:spPr>
+          <a:xfrm>
+            <a:off x="8575183" y="3182999"/>
+            <a:ext cx="505642" cy="505642"/>
+          </a:xfrm>
+          <a:prstGeom prst="rect">
+            <a:avLst/>
+          </a:prstGeom>
+        </p:spPr>
+      </p:pic>
+      <p:pic>
+        <p:nvPicPr>
+          <p:cNvPr id="16" name="Graphic 15" descr="Checkmark">
+            <a:extLst>
+              <a:ext uri="{FF2B5EF4-FFF2-40B4-BE49-F238E27FC236}">
+                <a16:creationId xmlns:a16="http://schemas.microsoft.com/office/drawing/2014/main" id="{E69F7D83-3A52-904E-81DD-D8D3A9B488E5}"/>
+              </a:ext>
+            </a:extLst>
+          </p:cNvPr>
+          <p:cNvPicPr>
+            <a:picLocks noChangeAspect="1"/>
+          </p:cNvPicPr>
+          <p:nvPr/>
+        </p:nvPicPr>
+        <p:blipFill>
+          <a:blip r:embed="rId4">
+            <a:extLst>
+              <a:ext uri="{96DAC541-7B7A-43D3-8B79-37D633B846F1}">
+                <asvg:svgBlip xmlns:asvg="http://schemas.microsoft.com/office/drawing/2016/SVG/main" r:embed="rId5"/>
+              </a:ext>
+            </a:extLst>
+          </a:blip>
+          <a:stretch>
+            <a:fillRect/>
+          </a:stretch>
+        </p:blipFill>
+        <p:spPr>
+          <a:xfrm>
+            <a:off x="8576403" y="3695576"/>
+            <a:ext cx="505643" cy="505643"/>
+          </a:xfrm>
+          <a:prstGeom prst="rect">
+            <a:avLst/>
+          </a:prstGeom>
+        </p:spPr>
+      </p:pic>
+      <p:pic>
+        <p:nvPicPr>
+          <p:cNvPr id="13" name="Graphic 12" descr="Close">
+            <a:extLst>
+              <a:ext uri="{FF2B5EF4-FFF2-40B4-BE49-F238E27FC236}">
+                <a16:creationId xmlns:a16="http://schemas.microsoft.com/office/drawing/2014/main" id="{F962E383-2991-004E-B4B9-9065B45F1FB3}"/>
+              </a:ext>
+            </a:extLst>
+          </p:cNvPr>
+          <p:cNvPicPr>
+            <a:picLocks noChangeAspect="1"/>
+          </p:cNvPicPr>
+          <p:nvPr/>
+        </p:nvPicPr>
+        <p:blipFill>
+          <a:blip r:embed="rId6">
+            <a:extLst>
+              <a:ext uri="{96DAC541-7B7A-43D3-8B79-37D633B846F1}">
+                <asvg:svgBlip xmlns:asvg="http://schemas.microsoft.com/office/drawing/2016/SVG/main" r:embed="rId7"/>
+              </a:ext>
+            </a:extLst>
+          </a:blip>
+          <a:stretch>
+            <a:fillRect/>
+          </a:stretch>
+        </p:blipFill>
+        <p:spPr>
+          <a:xfrm>
+            <a:off x="8575183" y="2658798"/>
+            <a:ext cx="505642" cy="505642"/>
+          </a:xfrm>
+          <a:prstGeom prst="rect">
+            <a:avLst/>
+          </a:prstGeom>
+        </p:spPr>
+      </p:pic>
+    </p:spTree>
+    <p:extLst>
+      <p:ext uri="{BB962C8B-B14F-4D97-AF65-F5344CB8AC3E}">
+        <p14:creationId xmlns:p14="http://schemas.microsoft.com/office/powerpoint/2010/main" val="2555870034"/>
       </p:ext>
     </p:extLst>
   </p:cSld>
@@ -4042,12 +7170,69 @@
           <a:chExt cx="0" cy="0"/>
         </a:xfrm>
       </p:grpSpPr>
+      <p:sp>
+        <p:nvSpPr>
+          <p:cNvPr id="4" name="Slide Number Placeholder 3">
+            <a:extLst>
+              <a:ext uri="{FF2B5EF4-FFF2-40B4-BE49-F238E27FC236}">
+                <a16:creationId xmlns:a16="http://schemas.microsoft.com/office/drawing/2014/main" id="{C6346DCA-B451-2241-80A4-019F5F33A892}"/>
+              </a:ext>
+            </a:extLst>
+          </p:cNvPr>
+          <p:cNvSpPr>
+            <a:spLocks noGrp="1"/>
+          </p:cNvSpPr>
+          <p:nvPr>
+            <p:ph type="sldNum" sz="quarter" idx="12"/>
+          </p:nvPr>
+        </p:nvSpPr>
+        <p:spPr/>
+        <p:txBody>
+          <a:bodyPr/>
+          <a:lstStyle/>
+          <a:p>
+            <a:fld id="{D2162F12-6F32-264E-B336-B9A8BBC2530F}" type="slidenum">
+              <a:rPr lang="fr-FR" smtClean="0"/>
+              <a:t>2</a:t>
+            </a:fld>
+            <a:endParaRPr lang="fr-FR"/>
+          </a:p>
+        </p:txBody>
+      </p:sp>
+      <p:sp>
+        <p:nvSpPr>
+          <p:cNvPr id="5" name="Footer Placeholder 4">
+            <a:extLst>
+              <a:ext uri="{FF2B5EF4-FFF2-40B4-BE49-F238E27FC236}">
+                <a16:creationId xmlns:a16="http://schemas.microsoft.com/office/drawing/2014/main" id="{499A088F-66EC-7947-B5CB-789E88BF283E}"/>
+              </a:ext>
+            </a:extLst>
+          </p:cNvPr>
+          <p:cNvSpPr>
+            <a:spLocks noGrp="1"/>
+          </p:cNvSpPr>
+          <p:nvPr>
+            <p:ph type="ftr" sz="quarter" idx="11"/>
+          </p:nvPr>
+        </p:nvSpPr>
+        <p:spPr/>
+        <p:txBody>
+          <a:bodyPr/>
+          <a:lstStyle/>
+          <a:p>
+            <a:r>
+              <a:rPr lang="fr-FR" dirty="0"/>
+              <a:t>Table of contents</a:t>
+            </a:r>
+          </a:p>
+        </p:txBody>
+      </p:sp>
       <p:pic>
         <p:nvPicPr>
-          <p:cNvPr id="4" name="Picture 3">
-            <a:extLst>
-              <a:ext uri="{FF2B5EF4-FFF2-40B4-BE49-F238E27FC236}">
-                <a16:creationId xmlns:a16="http://schemas.microsoft.com/office/drawing/2014/main" id="{7026C9F6-9C51-154E-949A-4280CC6EF78D}"/>
+          <p:cNvPr id="6" name="Picture 5">
+            <a:extLst>
+              <a:ext uri="{FF2B5EF4-FFF2-40B4-BE49-F238E27FC236}">
+                <a16:creationId xmlns:a16="http://schemas.microsoft.com/office/drawing/2014/main" id="{1039C1B8-DEBE-5C45-8CC7-A75944550504}"/>
               </a:ext>
             </a:extLst>
           </p:cNvPr>
@@ -4065,8 +7250,8 @@
         </p:blipFill>
         <p:spPr>
           <a:xfrm>
-            <a:off x="0" y="324465"/>
-            <a:ext cx="12192000" cy="6209070"/>
+            <a:off x="0" y="117993"/>
+            <a:ext cx="12193826" cy="6210000"/>
           </a:xfrm>
           <a:prstGeom prst="rect">
             <a:avLst/>
@@ -4075,10 +7260,10 @@
       </p:pic>
       <p:sp>
         <p:nvSpPr>
-          <p:cNvPr id="9" name="Title 1">
-            <a:extLst>
-              <a:ext uri="{FF2B5EF4-FFF2-40B4-BE49-F238E27FC236}">
-                <a16:creationId xmlns:a16="http://schemas.microsoft.com/office/drawing/2014/main" id="{94A20F98-426B-8842-8BE6-69CFDAD144FA}"/>
+          <p:cNvPr id="7" name="Title 1">
+            <a:extLst>
+              <a:ext uri="{FF2B5EF4-FFF2-40B4-BE49-F238E27FC236}">
+                <a16:creationId xmlns:a16="http://schemas.microsoft.com/office/drawing/2014/main" id="{CED99FFF-9733-514C-9435-55357855EA9A}"/>
               </a:ext>
             </a:extLst>
           </p:cNvPr>
@@ -4121,6 +7306,242 @@
           </a:lstStyle>
           <a:p>
             <a:r>
+              <a:rPr lang="fr-FR" b="1" dirty="0"/>
+              <a:t>Table of contents</a:t>
+            </a:r>
+          </a:p>
+        </p:txBody>
+      </p:sp>
+      <p:cxnSp>
+        <p:nvCxnSpPr>
+          <p:cNvPr id="8" name="Straight Connector 7">
+            <a:extLst>
+              <a:ext uri="{FF2B5EF4-FFF2-40B4-BE49-F238E27FC236}">
+                <a16:creationId xmlns:a16="http://schemas.microsoft.com/office/drawing/2014/main" id="{DC578920-F0F2-1C42-A90A-F89470811195}"/>
+              </a:ext>
+            </a:extLst>
+          </p:cNvPr>
+          <p:cNvCxnSpPr/>
+          <p:nvPr/>
+        </p:nvCxnSpPr>
+        <p:spPr>
+          <a:xfrm>
+            <a:off x="0" y="1076628"/>
+            <a:ext cx="12211667" cy="0"/>
+          </a:xfrm>
+          <a:prstGeom prst="line">
+            <a:avLst/>
+          </a:prstGeom>
+          <a:ln>
+            <a:solidFill>
+              <a:schemeClr val="tx1"/>
+            </a:solidFill>
+          </a:ln>
+        </p:spPr>
+        <p:style>
+          <a:lnRef idx="1">
+            <a:schemeClr val="accent1"/>
+          </a:lnRef>
+          <a:fillRef idx="0">
+            <a:schemeClr val="accent1"/>
+          </a:fillRef>
+          <a:effectRef idx="0">
+            <a:schemeClr val="accent1"/>
+          </a:effectRef>
+          <a:fontRef idx="minor">
+            <a:schemeClr val="tx1"/>
+          </a:fontRef>
+        </p:style>
+      </p:cxnSp>
+      <p:sp>
+        <p:nvSpPr>
+          <p:cNvPr id="9" name="Rectangle 8">
+            <a:extLst>
+              <a:ext uri="{FF2B5EF4-FFF2-40B4-BE49-F238E27FC236}">
+                <a16:creationId xmlns:a16="http://schemas.microsoft.com/office/drawing/2014/main" id="{C7F63BB7-571E-C64F-BCF6-2FC606955CCA}"/>
+              </a:ext>
+            </a:extLst>
+          </p:cNvPr>
+          <p:cNvSpPr/>
+          <p:nvPr/>
+        </p:nvSpPr>
+        <p:spPr>
+          <a:xfrm>
+            <a:off x="1084006" y="1926660"/>
+            <a:ext cx="8898194" cy="3046988"/>
+          </a:xfrm>
+          <a:prstGeom prst="rect">
+            <a:avLst/>
+          </a:prstGeom>
+        </p:spPr>
+        <p:txBody>
+          <a:bodyPr wrap="square">
+            <a:spAutoFit/>
+          </a:bodyPr>
+          <a:lstStyle/>
+          <a:p>
+            <a:pPr marL="342900" indent="-342900">
+              <a:buFont typeface="Arial" panose="020B0604020202020204" pitchFamily="34" charset="0"/>
+              <a:buChar char="•"/>
+            </a:pPr>
+            <a:r>
+              <a:rPr lang="fr-FR" sz="3200" dirty="0"/>
+              <a:t>Introduction</a:t>
+            </a:r>
+          </a:p>
+          <a:p>
+            <a:pPr marL="342900" indent="-342900">
+              <a:buFont typeface="Arial" panose="020B0604020202020204" pitchFamily="34" charset="0"/>
+              <a:buChar char="•"/>
+            </a:pPr>
+            <a:r>
+              <a:rPr lang="fr-FR" sz="3200" dirty="0"/>
+              <a:t>Data </a:t>
+            </a:r>
+            <a:r>
+              <a:rPr lang="fr-FR" sz="3200" dirty="0" err="1"/>
+              <a:t>wrangling</a:t>
+            </a:r>
+            <a:endParaRPr lang="fr-FR" sz="3200" dirty="0"/>
+          </a:p>
+          <a:p>
+            <a:pPr marL="342900" indent="-342900">
+              <a:buFont typeface="Arial" panose="020B0604020202020204" pitchFamily="34" charset="0"/>
+              <a:buChar char="•"/>
+            </a:pPr>
+            <a:r>
+              <a:rPr lang="fr-FR" sz="3200" dirty="0" err="1"/>
+              <a:t>Exploratory</a:t>
+            </a:r>
+            <a:r>
+              <a:rPr lang="fr-FR" sz="3200" dirty="0"/>
+              <a:t> data </a:t>
+            </a:r>
+            <a:r>
+              <a:rPr lang="fr-FR" sz="3200" dirty="0" err="1"/>
+              <a:t>analysis</a:t>
+            </a:r>
+            <a:endParaRPr lang="fr-FR" sz="3200" dirty="0"/>
+          </a:p>
+          <a:p>
+            <a:pPr marL="342900" indent="-342900">
+              <a:buFont typeface="Arial" panose="020B0604020202020204" pitchFamily="34" charset="0"/>
+              <a:buChar char="•"/>
+            </a:pPr>
+            <a:r>
+              <a:rPr lang="fr-FR" sz="3200" dirty="0" err="1"/>
+              <a:t>Inferential</a:t>
+            </a:r>
+            <a:r>
+              <a:rPr lang="fr-FR" sz="3200" dirty="0"/>
+              <a:t> </a:t>
+            </a:r>
+            <a:r>
+              <a:rPr lang="fr-FR" sz="3200" dirty="0" err="1"/>
+              <a:t>statistics</a:t>
+            </a:r>
+            <a:endParaRPr lang="fr-FR" sz="3200" dirty="0"/>
+          </a:p>
+          <a:p>
+            <a:pPr marL="342900" indent="-342900">
+              <a:buFont typeface="Arial" panose="020B0604020202020204" pitchFamily="34" charset="0"/>
+              <a:buChar char="•"/>
+            </a:pPr>
+            <a:r>
+              <a:rPr lang="fr-FR" sz="3200" dirty="0"/>
+              <a:t>Machine Learning</a:t>
+            </a:r>
+          </a:p>
+          <a:p>
+            <a:pPr marL="342900" indent="-342900">
+              <a:buFont typeface="Arial" panose="020B0604020202020204" pitchFamily="34" charset="0"/>
+              <a:buChar char="•"/>
+            </a:pPr>
+            <a:r>
+              <a:rPr lang="fr-FR" sz="3200" dirty="0"/>
+              <a:t>Conclusions</a:t>
+            </a:r>
+          </a:p>
+        </p:txBody>
+      </p:sp>
+    </p:spTree>
+    <p:extLst>
+      <p:ext uri="{BB962C8B-B14F-4D97-AF65-F5344CB8AC3E}">
+        <p14:creationId xmlns:p14="http://schemas.microsoft.com/office/powerpoint/2010/main" val="1388552243"/>
+      </p:ext>
+    </p:extLst>
+  </p:cSld>
+  <p:clrMapOvr>
+    <a:masterClrMapping/>
+  </p:clrMapOvr>
+</p:sld>
+</file>
+
+<file path=ppt/slides/slide3.xml><?xml version="1.0" encoding="utf-8"?>
+<p:sld xmlns:a="http://schemas.openxmlformats.org/drawingml/2006/main" xmlns:r="http://schemas.openxmlformats.org/officeDocument/2006/relationships" xmlns:p="http://schemas.openxmlformats.org/presentationml/2006/main">
+  <p:cSld>
+    <p:spTree>
+      <p:nvGrpSpPr>
+        <p:cNvPr id="1" name=""/>
+        <p:cNvGrpSpPr/>
+        <p:nvPr/>
+      </p:nvGrpSpPr>
+      <p:grpSpPr>
+        <a:xfrm>
+          <a:off x="0" y="0"/>
+          <a:ext cx="0" cy="0"/>
+          <a:chOff x="0" y="0"/>
+          <a:chExt cx="0" cy="0"/>
+        </a:xfrm>
+      </p:grpSpPr>
+      <p:sp>
+        <p:nvSpPr>
+          <p:cNvPr id="9" name="Title 1">
+            <a:extLst>
+              <a:ext uri="{FF2B5EF4-FFF2-40B4-BE49-F238E27FC236}">
+                <a16:creationId xmlns:a16="http://schemas.microsoft.com/office/drawing/2014/main" id="{94A20F98-426B-8842-8BE6-69CFDAD144FA}"/>
+              </a:ext>
+            </a:extLst>
+          </p:cNvPr>
+          <p:cNvSpPr txBox="1">
+            <a:spLocks/>
+          </p:cNvSpPr>
+          <p:nvPr/>
+        </p:nvSpPr>
+        <p:spPr>
+          <a:xfrm>
+            <a:off x="3683410" y="250725"/>
+            <a:ext cx="4825181" cy="923772"/>
+          </a:xfrm>
+          <a:prstGeom prst="rect">
+            <a:avLst/>
+          </a:prstGeom>
+        </p:spPr>
+        <p:txBody>
+          <a:bodyPr vert="horz" lIns="91440" tIns="45720" rIns="91440" bIns="45720" rtlCol="0" anchor="ctr">
+            <a:normAutofit/>
+          </a:bodyPr>
+          <a:lstStyle>
+            <a:lvl1pPr algn="l" defTabSz="914400" rtl="0" eaLnBrk="1" latinLnBrk="0" hangingPunct="1">
+              <a:lnSpc>
+                <a:spcPct val="90000"/>
+              </a:lnSpc>
+              <a:spcBef>
+                <a:spcPct val="0"/>
+              </a:spcBef>
+              <a:buNone/>
+              <a:defRPr sz="4400" kern="1200">
+                <a:solidFill>
+                  <a:schemeClr val="tx1"/>
+                </a:solidFill>
+                <a:latin typeface="+mj-lt"/>
+                <a:ea typeface="+mj-ea"/>
+                <a:cs typeface="+mj-cs"/>
+              </a:defRPr>
+            </a:lvl1pPr>
+          </a:lstStyle>
+          <a:p>
+            <a:r>
               <a:rPr lang="fr-FR" b="1" dirty="0" err="1"/>
               <a:t>Problem</a:t>
             </a:r>
@@ -4154,7 +7575,7 @@
           <p:nvPr/>
         </p:nvPicPr>
         <p:blipFill rotWithShape="1">
-          <a:blip r:embed="rId3"/>
+          <a:blip r:embed="rId2"/>
           <a:srcRect l="22476" r="24652"/>
           <a:stretch/>
         </p:blipFill>
@@ -4225,7 +7646,7 @@
           <p:nvPr/>
         </p:nvPicPr>
         <p:blipFill>
-          <a:blip r:embed="rId4"/>
+          <a:blip r:embed="rId3"/>
           <a:stretch>
             <a:fillRect/>
           </a:stretch>
@@ -4363,11 +7784,11 @@
           <p:nvPr/>
         </p:nvPicPr>
         <p:blipFill rotWithShape="1">
-          <a:blip r:embed="rId5">
+          <a:blip r:embed="rId4">
             <a:extLst>
               <a:ext uri="{BEBA8EAE-BF5A-486C-A8C5-ECC9F3942E4B}">
                 <a14:imgProps xmlns:a14="http://schemas.microsoft.com/office/drawing/2010/main">
-                  <a14:imgLayer r:embed="rId6">
+                  <a14:imgLayer r:embed="rId5">
                     <a14:imgEffect>
                       <a14:backgroundRemoval t="2151" b="86022" l="1657" r="92818">
                         <a14:foregroundMark x1="55801" y1="29391" x2="43094" y2="17563"/>
@@ -4587,42 +8008,69 @@
           </a:fontRef>
         </p:style>
       </p:cxnSp>
-    </p:spTree>
-    <p:extLst>
-      <p:ext uri="{BB962C8B-B14F-4D97-AF65-F5344CB8AC3E}">
-        <p14:creationId xmlns:p14="http://schemas.microsoft.com/office/powerpoint/2010/main" val="2366575952"/>
-      </p:ext>
-    </p:extLst>
-  </p:cSld>
-  <p:clrMapOvr>
-    <a:masterClrMapping/>
-  </p:clrMapOvr>
-</p:sld>
-</file>
-
-<file path=ppt/slides/slide3.xml><?xml version="1.0" encoding="utf-8"?>
-<p:sld xmlns:a="http://schemas.openxmlformats.org/drawingml/2006/main" xmlns:r="http://schemas.openxmlformats.org/officeDocument/2006/relationships" xmlns:p="http://schemas.openxmlformats.org/presentationml/2006/main">
-  <p:cSld>
-    <p:spTree>
-      <p:nvGrpSpPr>
-        <p:cNvPr id="1" name=""/>
-        <p:cNvGrpSpPr/>
-        <p:nvPr/>
-      </p:nvGrpSpPr>
-      <p:grpSpPr>
-        <a:xfrm>
-          <a:off x="0" y="0"/>
-          <a:ext cx="0" cy="0"/>
-          <a:chOff x="0" y="0"/>
-          <a:chExt cx="0" cy="0"/>
-        </a:xfrm>
-      </p:grpSpPr>
+      <p:sp>
+        <p:nvSpPr>
+          <p:cNvPr id="2" name="Slide Number Placeholder 1">
+            <a:extLst>
+              <a:ext uri="{FF2B5EF4-FFF2-40B4-BE49-F238E27FC236}">
+                <a16:creationId xmlns:a16="http://schemas.microsoft.com/office/drawing/2014/main" id="{6C982B5A-0133-9943-86B0-6A00AE54B91A}"/>
+              </a:ext>
+            </a:extLst>
+          </p:cNvPr>
+          <p:cNvSpPr>
+            <a:spLocks noGrp="1"/>
+          </p:cNvSpPr>
+          <p:nvPr>
+            <p:ph type="sldNum" sz="quarter" idx="12"/>
+          </p:nvPr>
+        </p:nvSpPr>
+        <p:spPr/>
+        <p:txBody>
+          <a:bodyPr/>
+          <a:lstStyle/>
+          <a:p>
+            <a:fld id="{D2162F12-6F32-264E-B336-B9A8BBC2530F}" type="slidenum">
+              <a:rPr lang="fr-FR" smtClean="0"/>
+              <a:t>3</a:t>
+            </a:fld>
+            <a:endParaRPr lang="fr-FR"/>
+          </a:p>
+        </p:txBody>
+      </p:sp>
+      <p:sp>
+        <p:nvSpPr>
+          <p:cNvPr id="3" name="Footer Placeholder 2">
+            <a:extLst>
+              <a:ext uri="{FF2B5EF4-FFF2-40B4-BE49-F238E27FC236}">
+                <a16:creationId xmlns:a16="http://schemas.microsoft.com/office/drawing/2014/main" id="{6D522AFC-D952-BF4A-8BD4-EEFBC9F40D1D}"/>
+              </a:ext>
+            </a:extLst>
+          </p:cNvPr>
+          <p:cNvSpPr>
+            <a:spLocks noGrp="1"/>
+          </p:cNvSpPr>
+          <p:nvPr>
+            <p:ph type="ftr" sz="quarter" idx="11"/>
+          </p:nvPr>
+        </p:nvSpPr>
+        <p:spPr/>
+        <p:txBody>
+          <a:bodyPr/>
+          <a:lstStyle/>
+          <a:p>
+            <a:r>
+              <a:rPr lang="fr-FR" dirty="0"/>
+              <a:t>Introduction</a:t>
+            </a:r>
+          </a:p>
+        </p:txBody>
+      </p:sp>
       <p:pic>
         <p:nvPicPr>
-          <p:cNvPr id="4" name="Picture 3">
-            <a:extLst>
-              <a:ext uri="{FF2B5EF4-FFF2-40B4-BE49-F238E27FC236}">
-                <a16:creationId xmlns:a16="http://schemas.microsoft.com/office/drawing/2014/main" id="{73B02D95-8E31-2E4E-9921-C6BAEDF74BD9}"/>
+          <p:cNvPr id="18" name="Picture 17">
+            <a:extLst>
+              <a:ext uri="{FF2B5EF4-FFF2-40B4-BE49-F238E27FC236}">
+                <a16:creationId xmlns:a16="http://schemas.microsoft.com/office/drawing/2014/main" id="{7B886AA1-0A2F-B64B-B355-6B47F1C08E73}"/>
               </a:ext>
             </a:extLst>
           </p:cNvPr>
@@ -4632,7 +8080,7 @@
           <p:nvPr/>
         </p:nvPicPr>
         <p:blipFill rotWithShape="1">
-          <a:blip r:embed="rId2">
+          <a:blip r:embed="rId6">
             <a:alphaModFix amt="35000"/>
           </a:blip>
           <a:srcRect t="8682" b="11589"/>
@@ -4640,405 +8088,8 @@
         </p:blipFill>
         <p:spPr>
           <a:xfrm>
-            <a:off x="0" y="324465"/>
-            <a:ext cx="12192000" cy="6209070"/>
-          </a:xfrm>
-          <a:prstGeom prst="rect">
-            <a:avLst/>
-          </a:prstGeom>
-        </p:spPr>
-      </p:pic>
-      <p:cxnSp>
-        <p:nvCxnSpPr>
-          <p:cNvPr id="12" name="Straight Connector 11">
-            <a:extLst>
-              <a:ext uri="{FF2B5EF4-FFF2-40B4-BE49-F238E27FC236}">
-                <a16:creationId xmlns:a16="http://schemas.microsoft.com/office/drawing/2014/main" id="{185114A6-4DB3-0948-A8EA-14C3B0B4763C}"/>
-              </a:ext>
-            </a:extLst>
-          </p:cNvPr>
-          <p:cNvCxnSpPr/>
-          <p:nvPr/>
-        </p:nvCxnSpPr>
-        <p:spPr>
-          <a:xfrm>
-            <a:off x="0" y="1076628"/>
-            <a:ext cx="12211667" cy="0"/>
-          </a:xfrm>
-          <a:prstGeom prst="line">
-            <a:avLst/>
-          </a:prstGeom>
-          <a:ln>
-            <a:solidFill>
-              <a:schemeClr val="tx1"/>
-            </a:solidFill>
-          </a:ln>
-        </p:spPr>
-        <p:style>
-          <a:lnRef idx="1">
-            <a:schemeClr val="accent1"/>
-          </a:lnRef>
-          <a:fillRef idx="0">
-            <a:schemeClr val="accent1"/>
-          </a:fillRef>
-          <a:effectRef idx="0">
-            <a:schemeClr val="accent1"/>
-          </a:effectRef>
-          <a:fontRef idx="minor">
-            <a:schemeClr val="tx1"/>
-          </a:fontRef>
-        </p:style>
-      </p:cxnSp>
-      <p:sp>
-        <p:nvSpPr>
-          <p:cNvPr id="13" name="Title 1">
-            <a:extLst>
-              <a:ext uri="{FF2B5EF4-FFF2-40B4-BE49-F238E27FC236}">
-                <a16:creationId xmlns:a16="http://schemas.microsoft.com/office/drawing/2014/main" id="{4AD9388F-92AD-0142-9290-6D4F99E8C9F1}"/>
-              </a:ext>
-            </a:extLst>
-          </p:cNvPr>
-          <p:cNvSpPr txBox="1">
-            <a:spLocks/>
-          </p:cNvSpPr>
-          <p:nvPr/>
-        </p:nvSpPr>
-        <p:spPr>
-          <a:xfrm>
-            <a:off x="3683409" y="250725"/>
-            <a:ext cx="4825181" cy="923772"/>
-          </a:xfrm>
-          <a:prstGeom prst="rect">
-            <a:avLst/>
-          </a:prstGeom>
-        </p:spPr>
-        <p:txBody>
-          <a:bodyPr vert="horz" lIns="91440" tIns="45720" rIns="91440" bIns="45720" rtlCol="0" anchor="ctr">
-            <a:normAutofit/>
-          </a:bodyPr>
-          <a:lstStyle>
-            <a:lvl1pPr algn="l" defTabSz="914400" rtl="0" eaLnBrk="1" latinLnBrk="0" hangingPunct="1">
-              <a:lnSpc>
-                <a:spcPct val="90000"/>
-              </a:lnSpc>
-              <a:spcBef>
-                <a:spcPct val="0"/>
-              </a:spcBef>
-              <a:buNone/>
-              <a:defRPr sz="4400" kern="1200">
-                <a:solidFill>
-                  <a:schemeClr val="tx1"/>
-                </a:solidFill>
-                <a:latin typeface="+mj-lt"/>
-                <a:ea typeface="+mj-ea"/>
-                <a:cs typeface="+mj-cs"/>
-              </a:defRPr>
-            </a:lvl1pPr>
-          </a:lstStyle>
-          <a:p>
-            <a:pPr algn="ctr"/>
-            <a:r>
-              <a:rPr lang="fr-FR" b="1" dirty="0"/>
-              <a:t>The data</a:t>
-            </a:r>
-          </a:p>
-        </p:txBody>
-      </p:sp>
-      <p:pic>
-        <p:nvPicPr>
-          <p:cNvPr id="15" name="Picture 14">
-            <a:extLst>
-              <a:ext uri="{FF2B5EF4-FFF2-40B4-BE49-F238E27FC236}">
-                <a16:creationId xmlns:a16="http://schemas.microsoft.com/office/drawing/2014/main" id="{D570C0B5-2278-6641-91F9-59C34F482EE8}"/>
-              </a:ext>
-            </a:extLst>
-          </p:cNvPr>
-          <p:cNvPicPr>
-            <a:picLocks noChangeAspect="1"/>
-          </p:cNvPicPr>
-          <p:nvPr/>
-        </p:nvPicPr>
-        <p:blipFill>
-          <a:blip r:embed="rId3"/>
-          <a:stretch>
-            <a:fillRect/>
-          </a:stretch>
-        </p:blipFill>
-        <p:spPr>
-          <a:xfrm>
-            <a:off x="345972" y="1190617"/>
-            <a:ext cx="1276350" cy="1276350"/>
-          </a:xfrm>
-          <a:prstGeom prst="ellipse">
-            <a:avLst/>
-          </a:prstGeom>
-        </p:spPr>
-      </p:pic>
-      <p:sp>
-        <p:nvSpPr>
-          <p:cNvPr id="16" name="Rectangle 15">
-            <a:extLst>
-              <a:ext uri="{FF2B5EF4-FFF2-40B4-BE49-F238E27FC236}">
-                <a16:creationId xmlns:a16="http://schemas.microsoft.com/office/drawing/2014/main" id="{154CDB35-9654-F048-9FA0-63BD8ABEFAFD}"/>
-              </a:ext>
-            </a:extLst>
-          </p:cNvPr>
-          <p:cNvSpPr/>
-          <p:nvPr/>
-        </p:nvSpPr>
-        <p:spPr>
-          <a:xfrm>
-            <a:off x="1263446" y="1349305"/>
-            <a:ext cx="10122310" cy="830997"/>
-          </a:xfrm>
-          <a:prstGeom prst="rect">
-            <a:avLst/>
-          </a:prstGeom>
-        </p:spPr>
-        <p:txBody>
-          <a:bodyPr wrap="square">
-            <a:spAutoFit/>
-          </a:bodyPr>
-          <a:lstStyle/>
-          <a:p>
-            <a:pPr lvl="1"/>
-            <a:r>
-              <a:rPr lang="en-US" sz="2400" b="1" dirty="0"/>
-              <a:t>Data source:</a:t>
-            </a:r>
-          </a:p>
-          <a:p>
-            <a:pPr lvl="1"/>
-            <a:r>
-              <a:rPr lang="en-US" sz="2400" dirty="0" err="1"/>
-              <a:t>SafeGraph’s</a:t>
-            </a:r>
-            <a:r>
-              <a:rPr lang="en-US" sz="2400" dirty="0"/>
-              <a:t> Open Census Data based on the US Census Bureau data</a:t>
-            </a:r>
-          </a:p>
-        </p:txBody>
-      </p:sp>
-      <p:sp>
-        <p:nvSpPr>
-          <p:cNvPr id="17" name="Rectangle 16">
-            <a:extLst>
-              <a:ext uri="{FF2B5EF4-FFF2-40B4-BE49-F238E27FC236}">
-                <a16:creationId xmlns:a16="http://schemas.microsoft.com/office/drawing/2014/main" id="{C68C051D-1789-4C46-BD49-6987A2932997}"/>
-              </a:ext>
-            </a:extLst>
-          </p:cNvPr>
-          <p:cNvSpPr/>
-          <p:nvPr/>
-        </p:nvSpPr>
-        <p:spPr>
-          <a:xfrm>
-            <a:off x="2238045" y="4323718"/>
-            <a:ext cx="6968591" cy="1938992"/>
-          </a:xfrm>
-          <a:prstGeom prst="rect">
-            <a:avLst/>
-          </a:prstGeom>
-        </p:spPr>
-        <p:txBody>
-          <a:bodyPr wrap="square">
-            <a:spAutoFit/>
-          </a:bodyPr>
-          <a:lstStyle/>
-          <a:p>
-            <a:pPr marL="742950" lvl="1" indent="-285750">
-              <a:buFont typeface="Courier New" panose="02070309020205020404" pitchFamily="49" charset="0"/>
-              <a:buChar char="o"/>
-            </a:pPr>
-            <a:r>
-              <a:rPr lang="en-US" sz="2400" dirty="0"/>
-              <a:t>perform sanity checks</a:t>
-            </a:r>
-          </a:p>
-          <a:p>
-            <a:pPr marL="742950" lvl="1" indent="-285750">
-              <a:buFont typeface="Courier New" panose="02070309020205020404" pitchFamily="49" charset="0"/>
-              <a:buChar char="o"/>
-            </a:pPr>
-            <a:r>
-              <a:rPr lang="en-US" sz="2400" dirty="0"/>
-              <a:t>split columns</a:t>
-            </a:r>
-          </a:p>
-          <a:p>
-            <a:pPr marL="742950" lvl="1" indent="-285750">
-              <a:buFont typeface="Courier New" panose="02070309020205020404" pitchFamily="49" charset="0"/>
-              <a:buChar char="o"/>
-            </a:pPr>
-            <a:r>
-              <a:rPr lang="en-US" sz="2400" dirty="0"/>
-              <a:t>remove NA rows</a:t>
-            </a:r>
-          </a:p>
-          <a:p>
-            <a:pPr marL="742950" lvl="1" indent="-285750">
-              <a:buFont typeface="Courier New" panose="02070309020205020404" pitchFamily="49" charset="0"/>
-              <a:buChar char="o"/>
-            </a:pPr>
-            <a:r>
-              <a:rPr lang="en-US" sz="2400" dirty="0"/>
-              <a:t>create additional columns (ratios, top 10 brands)</a:t>
-            </a:r>
-          </a:p>
-          <a:p>
-            <a:pPr marL="742950" lvl="1" indent="-285750">
-              <a:buFont typeface="Courier New" panose="02070309020205020404" pitchFamily="49" charset="0"/>
-              <a:buChar char="o"/>
-            </a:pPr>
-            <a:r>
-              <a:rPr lang="en-US" sz="2400" dirty="0"/>
-              <a:t>convert new columns to right type</a:t>
-            </a:r>
-            <a:endParaRPr lang="fr-FR" sz="2400" dirty="0"/>
-          </a:p>
-        </p:txBody>
-      </p:sp>
-      <p:pic>
-        <p:nvPicPr>
-          <p:cNvPr id="19" name="Picture 18">
-            <a:extLst>
-              <a:ext uri="{FF2B5EF4-FFF2-40B4-BE49-F238E27FC236}">
-                <a16:creationId xmlns:a16="http://schemas.microsoft.com/office/drawing/2014/main" id="{8E9ABB3C-5803-C942-AA1F-742A894626CD}"/>
-              </a:ext>
-            </a:extLst>
-          </p:cNvPr>
-          <p:cNvPicPr>
-            <a:picLocks noChangeAspect="1"/>
-          </p:cNvPicPr>
-          <p:nvPr/>
-        </p:nvPicPr>
-        <p:blipFill>
-          <a:blip r:embed="rId4"/>
-          <a:stretch>
-            <a:fillRect/>
-          </a:stretch>
-        </p:blipFill>
-        <p:spPr>
-          <a:xfrm>
-            <a:off x="345972" y="4119593"/>
-            <a:ext cx="2078888" cy="2078888"/>
-          </a:xfrm>
-          <a:prstGeom prst="ellipse">
-            <a:avLst/>
-          </a:prstGeom>
-        </p:spPr>
-      </p:pic>
-      <p:sp>
-        <p:nvSpPr>
-          <p:cNvPr id="20" name="Rectangle 19">
-            <a:extLst>
-              <a:ext uri="{FF2B5EF4-FFF2-40B4-BE49-F238E27FC236}">
-                <a16:creationId xmlns:a16="http://schemas.microsoft.com/office/drawing/2014/main" id="{F5BA2AA2-D3A9-1F49-B874-D75FCD1DE871}"/>
-              </a:ext>
-            </a:extLst>
-          </p:cNvPr>
-          <p:cNvSpPr/>
-          <p:nvPr/>
-        </p:nvSpPr>
-        <p:spPr>
-          <a:xfrm>
-            <a:off x="1462491" y="2317939"/>
-            <a:ext cx="9286683" cy="523220"/>
-          </a:xfrm>
-          <a:prstGeom prst="rect">
-            <a:avLst/>
-          </a:prstGeom>
-        </p:spPr>
-        <p:txBody>
-          <a:bodyPr wrap="square">
-            <a:spAutoFit/>
-          </a:bodyPr>
-          <a:lstStyle/>
-          <a:p>
-            <a:pPr lvl="1"/>
-            <a:r>
-              <a:rPr lang="en-US" sz="2800" b="1" dirty="0"/>
-              <a:t>/!\</a:t>
-            </a:r>
-            <a:r>
-              <a:rPr lang="en-US" sz="2800" dirty="0"/>
-              <a:t> </a:t>
-            </a:r>
-            <a:r>
-              <a:rPr lang="en-US" sz="2800" b="1" dirty="0"/>
-              <a:t>Problem</a:t>
-            </a:r>
-            <a:r>
-              <a:rPr lang="en-US" sz="2400" dirty="0"/>
-              <a:t> </a:t>
-            </a:r>
-            <a:r>
-              <a:rPr lang="en-US" sz="2400" b="1" dirty="0"/>
-              <a:t>/!\ </a:t>
-            </a:r>
-            <a:r>
-              <a:rPr lang="en-US" sz="2400" dirty="0"/>
-              <a:t> A lot of work to get the data ready for analysis </a:t>
-            </a:r>
-            <a:endParaRPr lang="fr-FR" sz="2400" dirty="0"/>
-          </a:p>
-        </p:txBody>
-      </p:sp>
-      <p:pic>
-        <p:nvPicPr>
-          <p:cNvPr id="22" name="Picture 21">
-            <a:extLst>
-              <a:ext uri="{FF2B5EF4-FFF2-40B4-BE49-F238E27FC236}">
-                <a16:creationId xmlns:a16="http://schemas.microsoft.com/office/drawing/2014/main" id="{BCAEF2DA-F2E8-494C-9B2A-D5976BD836E9}"/>
-              </a:ext>
-            </a:extLst>
-          </p:cNvPr>
-          <p:cNvPicPr>
-            <a:picLocks noChangeAspect="1"/>
-          </p:cNvPicPr>
-          <p:nvPr/>
-        </p:nvPicPr>
-        <p:blipFill>
-          <a:blip r:embed="rId5"/>
-          <a:stretch>
-            <a:fillRect/>
-          </a:stretch>
-        </p:blipFill>
-        <p:spPr>
-          <a:xfrm>
-            <a:off x="503882" y="2827123"/>
-            <a:ext cx="3791671" cy="1136439"/>
-          </a:xfrm>
-          <a:prstGeom prst="rect">
-            <a:avLst/>
-          </a:prstGeom>
-        </p:spPr>
-      </p:pic>
-      <p:pic>
-        <p:nvPicPr>
-          <p:cNvPr id="24" name="Picture 23">
-            <a:extLst>
-              <a:ext uri="{FF2B5EF4-FFF2-40B4-BE49-F238E27FC236}">
-                <a16:creationId xmlns:a16="http://schemas.microsoft.com/office/drawing/2014/main" id="{A33EB832-AE6A-2142-941F-E494BC652B0F}"/>
-              </a:ext>
-            </a:extLst>
-          </p:cNvPr>
-          <p:cNvPicPr>
-            <a:picLocks noChangeAspect="1"/>
-          </p:cNvPicPr>
-          <p:nvPr/>
-        </p:nvPicPr>
-        <p:blipFill>
-          <a:blip r:embed="rId6"/>
-          <a:stretch>
-            <a:fillRect/>
-          </a:stretch>
-        </p:blipFill>
-        <p:spPr>
-          <a:xfrm>
-            <a:off x="4437120" y="2854680"/>
-            <a:ext cx="7165938" cy="1113556"/>
+            <a:off x="0" y="117993"/>
+            <a:ext cx="12193826" cy="6210000"/>
           </a:xfrm>
           <a:prstGeom prst="rect">
             <a:avLst/>
@@ -5048,7 +8099,7 @@
     </p:spTree>
     <p:extLst>
       <p:ext uri="{BB962C8B-B14F-4D97-AF65-F5344CB8AC3E}">
-        <p14:creationId xmlns:p14="http://schemas.microsoft.com/office/powerpoint/2010/main" val="1681118287"/>
+        <p14:creationId xmlns:p14="http://schemas.microsoft.com/office/powerpoint/2010/main" val="2366575952"/>
       </p:ext>
     </p:extLst>
   </p:cSld>
@@ -5075,43 +8126,12 @@
           <a:chExt cx="0" cy="0"/>
         </a:xfrm>
       </p:grpSpPr>
-      <p:pic>
-        <p:nvPicPr>
-          <p:cNvPr id="4" name="Picture 3">
-            <a:extLst>
-              <a:ext uri="{FF2B5EF4-FFF2-40B4-BE49-F238E27FC236}">
-                <a16:creationId xmlns:a16="http://schemas.microsoft.com/office/drawing/2014/main" id="{D3F0B6DE-55B3-9348-B1A9-08167449C417}"/>
-              </a:ext>
-            </a:extLst>
-          </p:cNvPr>
-          <p:cNvPicPr>
-            <a:picLocks noChangeAspect="1"/>
-          </p:cNvPicPr>
-          <p:nvPr/>
-        </p:nvPicPr>
-        <p:blipFill rotWithShape="1">
-          <a:blip r:embed="rId2">
-            <a:alphaModFix amt="35000"/>
-          </a:blip>
-          <a:srcRect t="8682" b="11589"/>
-          <a:stretch/>
-        </p:blipFill>
-        <p:spPr>
-          <a:xfrm>
-            <a:off x="0" y="324465"/>
-            <a:ext cx="12192000" cy="6209070"/>
-          </a:xfrm>
-          <a:prstGeom prst="rect">
-            <a:avLst/>
-          </a:prstGeom>
-        </p:spPr>
-      </p:pic>
       <p:cxnSp>
         <p:nvCxnSpPr>
-          <p:cNvPr id="9" name="Straight Connector 8">
-            <a:extLst>
-              <a:ext uri="{FF2B5EF4-FFF2-40B4-BE49-F238E27FC236}">
-                <a16:creationId xmlns:a16="http://schemas.microsoft.com/office/drawing/2014/main" id="{55B425AD-7721-8448-AE48-3107DD2CF4C7}"/>
+          <p:cNvPr id="12" name="Straight Connector 11">
+            <a:extLst>
+              <a:ext uri="{FF2B5EF4-FFF2-40B4-BE49-F238E27FC236}">
+                <a16:creationId xmlns:a16="http://schemas.microsoft.com/office/drawing/2014/main" id="{185114A6-4DB3-0948-A8EA-14C3B0B4763C}"/>
               </a:ext>
             </a:extLst>
           </p:cNvPr>
@@ -5149,10 +8169,10 @@
       </p:cxnSp>
       <p:sp>
         <p:nvSpPr>
-          <p:cNvPr id="10" name="Title 1">
-            <a:extLst>
-              <a:ext uri="{FF2B5EF4-FFF2-40B4-BE49-F238E27FC236}">
-                <a16:creationId xmlns:a16="http://schemas.microsoft.com/office/drawing/2014/main" id="{34498A9E-7F8D-E144-A898-7BBBF5C5A87A}"/>
+          <p:cNvPr id="13" name="Title 1">
+            <a:extLst>
+              <a:ext uri="{FF2B5EF4-FFF2-40B4-BE49-F238E27FC236}">
+                <a16:creationId xmlns:a16="http://schemas.microsoft.com/office/drawing/2014/main" id="{4AD9388F-92AD-0142-9290-6D4F99E8C9F1}"/>
               </a:ext>
             </a:extLst>
           </p:cNvPr>
@@ -5197,22 +8217,172 @@
             <a:pPr algn="ctr"/>
             <a:r>
               <a:rPr lang="fr-FR" b="1" dirty="0"/>
-              <a:t>Initial </a:t>
-            </a:r>
-            <a:r>
-              <a:rPr lang="fr-FR" b="1" dirty="0" err="1"/>
-              <a:t>findings</a:t>
-            </a:r>
-            <a:endParaRPr lang="fr-FR" b="1" dirty="0"/>
+              <a:t>The data</a:t>
+            </a:r>
           </a:p>
         </p:txBody>
       </p:sp>
       <p:pic>
         <p:nvPicPr>
-          <p:cNvPr id="16" name="Picture 15">
-            <a:extLst>
-              <a:ext uri="{FF2B5EF4-FFF2-40B4-BE49-F238E27FC236}">
-                <a16:creationId xmlns:a16="http://schemas.microsoft.com/office/drawing/2014/main" id="{A5D3AA94-ADBF-EF43-AED1-E66522C510BA}"/>
+          <p:cNvPr id="15" name="Picture 14">
+            <a:extLst>
+              <a:ext uri="{FF2B5EF4-FFF2-40B4-BE49-F238E27FC236}">
+                <a16:creationId xmlns:a16="http://schemas.microsoft.com/office/drawing/2014/main" id="{D570C0B5-2278-6641-91F9-59C34F482EE8}"/>
+              </a:ext>
+            </a:extLst>
+          </p:cNvPr>
+          <p:cNvPicPr>
+            <a:picLocks noChangeAspect="1"/>
+          </p:cNvPicPr>
+          <p:nvPr/>
+        </p:nvPicPr>
+        <p:blipFill>
+          <a:blip r:embed="rId2"/>
+          <a:stretch>
+            <a:fillRect/>
+          </a:stretch>
+        </p:blipFill>
+        <p:spPr>
+          <a:xfrm>
+            <a:off x="345972" y="1190617"/>
+            <a:ext cx="1276350" cy="1276350"/>
+          </a:xfrm>
+          <a:prstGeom prst="ellipse">
+            <a:avLst/>
+          </a:prstGeom>
+        </p:spPr>
+      </p:pic>
+      <p:sp>
+        <p:nvSpPr>
+          <p:cNvPr id="16" name="Rectangle 15">
+            <a:extLst>
+              <a:ext uri="{FF2B5EF4-FFF2-40B4-BE49-F238E27FC236}">
+                <a16:creationId xmlns:a16="http://schemas.microsoft.com/office/drawing/2014/main" id="{154CDB35-9654-F048-9FA0-63BD8ABEFAFD}"/>
+              </a:ext>
+            </a:extLst>
+          </p:cNvPr>
+          <p:cNvSpPr/>
+          <p:nvPr/>
+        </p:nvSpPr>
+        <p:spPr>
+          <a:xfrm>
+            <a:off x="1263446" y="1349305"/>
+            <a:ext cx="10122310" cy="830997"/>
+          </a:xfrm>
+          <a:prstGeom prst="rect">
+            <a:avLst/>
+          </a:prstGeom>
+        </p:spPr>
+        <p:txBody>
+          <a:bodyPr wrap="square">
+            <a:spAutoFit/>
+          </a:bodyPr>
+          <a:lstStyle/>
+          <a:p>
+            <a:pPr lvl="1"/>
+            <a:r>
+              <a:rPr lang="en-US" sz="2400" b="1" dirty="0"/>
+              <a:t>Data source:</a:t>
+            </a:r>
+          </a:p>
+          <a:p>
+            <a:pPr lvl="1"/>
+            <a:r>
+              <a:rPr lang="en-US" sz="2400" dirty="0" err="1"/>
+              <a:t>SafeGraph’s</a:t>
+            </a:r>
+            <a:r>
+              <a:rPr lang="en-US" sz="2400" dirty="0"/>
+              <a:t> Open Census Data based on the US Census Bureau data</a:t>
+            </a:r>
+          </a:p>
+        </p:txBody>
+      </p:sp>
+      <p:sp>
+        <p:nvSpPr>
+          <p:cNvPr id="17" name="Rectangle 16">
+            <a:extLst>
+              <a:ext uri="{FF2B5EF4-FFF2-40B4-BE49-F238E27FC236}">
+                <a16:creationId xmlns:a16="http://schemas.microsoft.com/office/drawing/2014/main" id="{C68C051D-1789-4C46-BD49-6987A2932997}"/>
+              </a:ext>
+            </a:extLst>
+          </p:cNvPr>
+          <p:cNvSpPr/>
+          <p:nvPr/>
+        </p:nvSpPr>
+        <p:spPr>
+          <a:xfrm>
+            <a:off x="2238045" y="4323718"/>
+            <a:ext cx="6968591" cy="1938992"/>
+          </a:xfrm>
+          <a:prstGeom prst="rect">
+            <a:avLst/>
+          </a:prstGeom>
+        </p:spPr>
+        <p:txBody>
+          <a:bodyPr wrap="square">
+            <a:spAutoFit/>
+          </a:bodyPr>
+          <a:lstStyle/>
+          <a:p>
+            <a:pPr marL="742950" lvl="1" indent="-285750">
+              <a:buFont typeface="Courier New" panose="02070309020205020404" pitchFamily="49" charset="0"/>
+              <a:buChar char="o"/>
+            </a:pPr>
+            <a:r>
+              <a:rPr lang="en-US" sz="2400" dirty="0"/>
+              <a:t>perform sanity checks</a:t>
+            </a:r>
+          </a:p>
+          <a:p>
+            <a:pPr marL="742950" lvl="1" indent="-285750">
+              <a:buFont typeface="Courier New" panose="02070309020205020404" pitchFamily="49" charset="0"/>
+              <a:buChar char="o"/>
+            </a:pPr>
+            <a:r>
+              <a:rPr lang="en-US" sz="2400" dirty="0"/>
+              <a:t>split columns</a:t>
+            </a:r>
+          </a:p>
+          <a:p>
+            <a:pPr marL="742950" lvl="1" indent="-285750">
+              <a:buFont typeface="Courier New" panose="02070309020205020404" pitchFamily="49" charset="0"/>
+              <a:buChar char="o"/>
+            </a:pPr>
+            <a:r>
+              <a:rPr lang="en-US" sz="2400" dirty="0"/>
+              <a:t>remove NA rows</a:t>
+            </a:r>
+          </a:p>
+          <a:p>
+            <a:pPr marL="742950" lvl="1" indent="-285750">
+              <a:buFont typeface="Courier New" panose="02070309020205020404" pitchFamily="49" charset="0"/>
+              <a:buChar char="o"/>
+            </a:pPr>
+            <a:r>
+              <a:rPr lang="en-US" sz="2400" dirty="0"/>
+              <a:t>create additional columns (ratios, top 10 brands)</a:t>
+            </a:r>
+          </a:p>
+          <a:p>
+            <a:pPr marL="742950" lvl="1" indent="-285750">
+              <a:buFont typeface="Courier New" panose="02070309020205020404" pitchFamily="49" charset="0"/>
+              <a:buChar char="o"/>
+            </a:pPr>
+            <a:r>
+              <a:rPr lang="en-US" sz="2400" dirty="0"/>
+              <a:t>convert new columns to right type</a:t>
+            </a:r>
+            <a:endParaRPr lang="fr-FR" sz="2400" dirty="0"/>
+          </a:p>
+        </p:txBody>
+      </p:sp>
+      <p:pic>
+        <p:nvPicPr>
+          <p:cNvPr id="19" name="Picture 18">
+            <a:extLst>
+              <a:ext uri="{FF2B5EF4-FFF2-40B4-BE49-F238E27FC236}">
+                <a16:creationId xmlns:a16="http://schemas.microsoft.com/office/drawing/2014/main" id="{8E9ABB3C-5803-C942-AA1F-742A894626CD}"/>
               </a:ext>
             </a:extLst>
           </p:cNvPr>
@@ -5229,35 +8399,35 @@
         </p:blipFill>
         <p:spPr>
           <a:xfrm>
-            <a:off x="306391" y="1248237"/>
-            <a:ext cx="5307592" cy="2815860"/>
+            <a:off x="345972" y="4119593"/>
+            <a:ext cx="2078888" cy="2078888"/>
+          </a:xfrm>
+          <a:prstGeom prst="ellipse">
+            <a:avLst/>
+          </a:prstGeom>
+        </p:spPr>
+      </p:pic>
+      <p:sp>
+        <p:nvSpPr>
+          <p:cNvPr id="20" name="Rectangle 19">
+            <a:extLst>
+              <a:ext uri="{FF2B5EF4-FFF2-40B4-BE49-F238E27FC236}">
+                <a16:creationId xmlns:a16="http://schemas.microsoft.com/office/drawing/2014/main" id="{F5BA2AA2-D3A9-1F49-B874-D75FCD1DE871}"/>
+              </a:ext>
+            </a:extLst>
+          </p:cNvPr>
+          <p:cNvSpPr/>
+          <p:nvPr/>
+        </p:nvSpPr>
+        <p:spPr>
+          <a:xfrm>
+            <a:off x="1462491" y="2317939"/>
+            <a:ext cx="9286683" cy="523220"/>
           </a:xfrm>
           <a:prstGeom prst="rect">
             <a:avLst/>
           </a:prstGeom>
         </p:spPr>
-      </p:pic>
-      <p:sp>
-        <p:nvSpPr>
-          <p:cNvPr id="17" name="Rectangle 16">
-            <a:extLst>
-              <a:ext uri="{FF2B5EF4-FFF2-40B4-BE49-F238E27FC236}">
-                <a16:creationId xmlns:a16="http://schemas.microsoft.com/office/drawing/2014/main" id="{04950DA6-CE1C-4D43-8919-D629029BB39A}"/>
-              </a:ext>
-            </a:extLst>
-          </p:cNvPr>
-          <p:cNvSpPr/>
-          <p:nvPr/>
-        </p:nvSpPr>
-        <p:spPr>
-          <a:xfrm>
-            <a:off x="-189787" y="3655549"/>
-            <a:ext cx="3903978" cy="461665"/>
-          </a:xfrm>
-          <a:prstGeom prst="rect">
-            <a:avLst/>
-          </a:prstGeom>
-        </p:spPr>
         <p:txBody>
           <a:bodyPr wrap="square">
             <a:spAutoFit/>
@@ -5266,59 +8436,30 @@
           <a:p>
             <a:pPr lvl="1"/>
             <a:r>
+              <a:rPr lang="en-US" sz="2800" b="1" dirty="0"/>
+              <a:t>/!\</a:t>
+            </a:r>
+            <a:r>
+              <a:rPr lang="en-US" sz="2800" dirty="0"/>
+              <a:t> </a:t>
+            </a:r>
+            <a:r>
+              <a:rPr lang="en-US" sz="2800" b="1" dirty="0"/>
+              <a:t>Problem</a:t>
+            </a:r>
+            <a:r>
+              <a:rPr lang="en-US" sz="2400" dirty="0"/>
+              <a:t> </a:t>
+            </a:r>
+            <a:r>
               <a:rPr lang="en-US" sz="2400" b="1" dirty="0"/>
-              <a:t>Top 10 most visited CBGs</a:t>
-            </a:r>
-          </a:p>
-        </p:txBody>
-      </p:sp>
-      <p:sp>
-        <p:nvSpPr>
-          <p:cNvPr id="20" name="Rectangle 19">
-            <a:extLst>
-              <a:ext uri="{FF2B5EF4-FFF2-40B4-BE49-F238E27FC236}">
-                <a16:creationId xmlns:a16="http://schemas.microsoft.com/office/drawing/2014/main" id="{6E385C6A-4614-7A4C-955C-9414C4D0690E}"/>
-              </a:ext>
-            </a:extLst>
-          </p:cNvPr>
-          <p:cNvSpPr/>
-          <p:nvPr/>
-        </p:nvSpPr>
-        <p:spPr>
-          <a:xfrm>
-            <a:off x="9431316" y="1562018"/>
-            <a:ext cx="2454293" cy="1569660"/>
-          </a:xfrm>
-          <a:prstGeom prst="rect">
-            <a:avLst/>
-          </a:prstGeom>
-        </p:spPr>
-        <p:txBody>
-          <a:bodyPr wrap="square">
-            <a:spAutoFit/>
-          </a:bodyPr>
-          <a:lstStyle/>
-          <a:p>
-            <a:pPr lvl="1"/>
-            <a:r>
-              <a:rPr lang="en-US" sz="2400" b="1" dirty="0"/>
-              <a:t>Most visits: </a:t>
+              <a:t>/!\ </a:t>
             </a:r>
             <a:r>
               <a:rPr lang="en-US" sz="2400" dirty="0"/>
-              <a:t>Tuesday</a:t>
-            </a:r>
-          </a:p>
-          <a:p>
-            <a:pPr lvl="1"/>
-            <a:r>
-              <a:rPr lang="en-US" sz="2400" b="1" dirty="0"/>
-              <a:t>Least visits: </a:t>
-            </a:r>
-            <a:r>
-              <a:rPr lang="en-US" sz="2400" dirty="0"/>
-              <a:t>Sunday</a:t>
-            </a:r>
+              <a:t> A lot of work to get the data ready for analysis </a:t>
+            </a:r>
+            <a:endParaRPr lang="fr-FR" sz="2400" dirty="0"/>
           </a:p>
         </p:txBody>
       </p:sp>
@@ -5327,7 +8468,7 @@
           <p:cNvPr id="22" name="Picture 21">
             <a:extLst>
               <a:ext uri="{FF2B5EF4-FFF2-40B4-BE49-F238E27FC236}">
-                <a16:creationId xmlns:a16="http://schemas.microsoft.com/office/drawing/2014/main" id="{5D97F5B2-2773-7942-A2C5-53D1A4BD007B}"/>
+                <a16:creationId xmlns:a16="http://schemas.microsoft.com/office/drawing/2014/main" id="{BCAEF2DA-F2E8-494C-9B2A-D5976BD836E9}"/>
               </a:ext>
             </a:extLst>
           </p:cNvPr>
@@ -5344,8 +8485,8 @@
         </p:blipFill>
         <p:spPr>
           <a:xfrm>
-            <a:off x="5940350" y="1248238"/>
-            <a:ext cx="3820338" cy="2541878"/>
+            <a:off x="503882" y="2827123"/>
+            <a:ext cx="3791671" cy="1136439"/>
           </a:xfrm>
           <a:prstGeom prst="rect">
             <a:avLst/>
@@ -5357,7 +8498,7 @@
           <p:cNvPr id="24" name="Picture 23">
             <a:extLst>
               <a:ext uri="{FF2B5EF4-FFF2-40B4-BE49-F238E27FC236}">
-                <a16:creationId xmlns:a16="http://schemas.microsoft.com/office/drawing/2014/main" id="{60EAC07A-C9DF-C043-AD13-4074E97BCB39}"/>
+                <a16:creationId xmlns:a16="http://schemas.microsoft.com/office/drawing/2014/main" id="{A33EB832-AE6A-2142-941F-E494BC652B0F}"/>
               </a:ext>
             </a:extLst>
           </p:cNvPr>
@@ -5374,8 +8515,8 @@
         </p:blipFill>
         <p:spPr>
           <a:xfrm>
-            <a:off x="5940350" y="3844319"/>
-            <a:ext cx="3890760" cy="2635012"/>
+            <a:off x="4437120" y="2854680"/>
+            <a:ext cx="7165938" cy="1113556"/>
           </a:xfrm>
           <a:prstGeom prst="rect">
             <a:avLst/>
@@ -5384,65 +8525,101 @@
       </p:pic>
       <p:sp>
         <p:nvSpPr>
-          <p:cNvPr id="25" name="Rectangle 24">
-            <a:extLst>
-              <a:ext uri="{FF2B5EF4-FFF2-40B4-BE49-F238E27FC236}">
-                <a16:creationId xmlns:a16="http://schemas.microsoft.com/office/drawing/2014/main" id="{BEE68C9E-4BEB-5241-B301-480EB5FE26F1}"/>
-              </a:ext>
-            </a:extLst>
-          </p:cNvPr>
-          <p:cNvSpPr/>
+          <p:cNvPr id="2" name="Slide Number Placeholder 1">
+            <a:extLst>
+              <a:ext uri="{FF2B5EF4-FFF2-40B4-BE49-F238E27FC236}">
+                <a16:creationId xmlns:a16="http://schemas.microsoft.com/office/drawing/2014/main" id="{6AE90426-6B7E-6747-9FCF-42589B5B5821}"/>
+              </a:ext>
+            </a:extLst>
+          </p:cNvPr>
+          <p:cNvSpPr>
+            <a:spLocks noGrp="1"/>
+          </p:cNvSpPr>
+          <p:nvPr>
+            <p:ph type="sldNum" sz="quarter" idx="12"/>
+          </p:nvPr>
+        </p:nvSpPr>
+        <p:spPr/>
+        <p:txBody>
+          <a:bodyPr/>
+          <a:lstStyle/>
+          <a:p>
+            <a:fld id="{D2162F12-6F32-264E-B336-B9A8BBC2530F}" type="slidenum">
+              <a:rPr lang="fr-FR" smtClean="0"/>
+              <a:t>4</a:t>
+            </a:fld>
+            <a:endParaRPr lang="fr-FR"/>
+          </a:p>
+        </p:txBody>
+      </p:sp>
+      <p:sp>
+        <p:nvSpPr>
+          <p:cNvPr id="3" name="Footer Placeholder 2">
+            <a:extLst>
+              <a:ext uri="{FF2B5EF4-FFF2-40B4-BE49-F238E27FC236}">
+                <a16:creationId xmlns:a16="http://schemas.microsoft.com/office/drawing/2014/main" id="{D885EA2C-C083-B94F-8E29-2A903E78C697}"/>
+              </a:ext>
+            </a:extLst>
+          </p:cNvPr>
+          <p:cNvSpPr>
+            <a:spLocks noGrp="1"/>
+          </p:cNvSpPr>
+          <p:nvPr>
+            <p:ph type="ftr" sz="quarter" idx="11"/>
+          </p:nvPr>
+        </p:nvSpPr>
+        <p:spPr/>
+        <p:txBody>
+          <a:bodyPr/>
+          <a:lstStyle/>
+          <a:p>
+            <a:r>
+              <a:rPr lang="fr-FR" dirty="0"/>
+              <a:t>Data </a:t>
+            </a:r>
+            <a:r>
+              <a:rPr lang="fr-FR" dirty="0" err="1"/>
+              <a:t>Wrangling</a:t>
+            </a:r>
+            <a:endParaRPr lang="fr-FR" dirty="0"/>
+          </a:p>
+        </p:txBody>
+      </p:sp>
+      <p:pic>
+        <p:nvPicPr>
+          <p:cNvPr id="14" name="Picture 13">
+            <a:extLst>
+              <a:ext uri="{FF2B5EF4-FFF2-40B4-BE49-F238E27FC236}">
+                <a16:creationId xmlns:a16="http://schemas.microsoft.com/office/drawing/2014/main" id="{4AB52B51-07A1-C242-BD62-E2E3A5EE449E}"/>
+              </a:ext>
+            </a:extLst>
+          </p:cNvPr>
+          <p:cNvPicPr>
+            <a:picLocks noChangeAspect="1"/>
+          </p:cNvPicPr>
           <p:nvPr/>
-        </p:nvSpPr>
-        <p:spPr>
-          <a:xfrm>
-            <a:off x="9431316" y="4117214"/>
-            <a:ext cx="2454293" cy="1569660"/>
+        </p:nvPicPr>
+        <p:blipFill rotWithShape="1">
+          <a:blip r:embed="rId6">
+            <a:alphaModFix amt="35000"/>
+          </a:blip>
+          <a:srcRect t="8682" b="11589"/>
+          <a:stretch/>
+        </p:blipFill>
+        <p:spPr>
+          <a:xfrm>
+            <a:off x="0" y="117993"/>
+            <a:ext cx="12193826" cy="6210000"/>
           </a:xfrm>
           <a:prstGeom prst="rect">
             <a:avLst/>
           </a:prstGeom>
         </p:spPr>
-        <p:txBody>
-          <a:bodyPr wrap="square">
-            <a:spAutoFit/>
-          </a:bodyPr>
-          <a:lstStyle/>
-          <a:p>
-            <a:pPr lvl="1"/>
-            <a:r>
-              <a:rPr lang="en-US" sz="2400" b="1" dirty="0"/>
-              <a:t>Most visits:</a:t>
-            </a:r>
-          </a:p>
-          <a:p>
-            <a:pPr lvl="1"/>
-            <a:r>
-              <a:rPr lang="en-US" sz="2400" dirty="0"/>
-              <a:t>5pm</a:t>
-            </a:r>
-            <a:endParaRPr lang="en-US" sz="2400" b="1" dirty="0"/>
-          </a:p>
-          <a:p>
-            <a:pPr lvl="1"/>
-            <a:r>
-              <a:rPr lang="en-US" sz="2400" b="1" dirty="0"/>
-              <a:t>Least visits:</a:t>
-            </a:r>
-          </a:p>
-          <a:p>
-            <a:pPr lvl="1"/>
-            <a:r>
-              <a:rPr lang="en-US" sz="2400" dirty="0"/>
-              <a:t>3am</a:t>
-            </a:r>
-          </a:p>
-        </p:txBody>
-      </p:sp>
+      </p:pic>
     </p:spTree>
     <p:extLst>
       <p:ext uri="{BB962C8B-B14F-4D97-AF65-F5344CB8AC3E}">
-        <p14:creationId xmlns:p14="http://schemas.microsoft.com/office/powerpoint/2010/main" val="432554837"/>
+        <p14:creationId xmlns:p14="http://schemas.microsoft.com/office/powerpoint/2010/main" val="1681118287"/>
       </p:ext>
     </p:extLst>
   </p:cSld>
@@ -5469,37 +8646,6 @@
           <a:chExt cx="0" cy="0"/>
         </a:xfrm>
       </p:grpSpPr>
-      <p:pic>
-        <p:nvPicPr>
-          <p:cNvPr id="4" name="Picture 3">
-            <a:extLst>
-              <a:ext uri="{FF2B5EF4-FFF2-40B4-BE49-F238E27FC236}">
-                <a16:creationId xmlns:a16="http://schemas.microsoft.com/office/drawing/2014/main" id="{D3F0B6DE-55B3-9348-B1A9-08167449C417}"/>
-              </a:ext>
-            </a:extLst>
-          </p:cNvPr>
-          <p:cNvPicPr>
-            <a:picLocks noChangeAspect="1"/>
-          </p:cNvPicPr>
-          <p:nvPr/>
-        </p:nvPicPr>
-        <p:blipFill rotWithShape="1">
-          <a:blip r:embed="rId3">
-            <a:alphaModFix amt="35000"/>
-          </a:blip>
-          <a:srcRect t="8682" b="11589"/>
-          <a:stretch/>
-        </p:blipFill>
-        <p:spPr>
-          <a:xfrm>
-            <a:off x="0" y="324465"/>
-            <a:ext cx="12192000" cy="6209070"/>
-          </a:xfrm>
-          <a:prstGeom prst="rect">
-            <a:avLst/>
-          </a:prstGeom>
-        </p:spPr>
-      </p:pic>
       <p:cxnSp>
         <p:nvCxnSpPr>
           <p:cNvPr id="9" name="Straight Connector 8">
@@ -5603,10 +8749,154 @@
       </p:sp>
       <p:pic>
         <p:nvPicPr>
-          <p:cNvPr id="27" name="Picture 26">
-            <a:extLst>
-              <a:ext uri="{FF2B5EF4-FFF2-40B4-BE49-F238E27FC236}">
-                <a16:creationId xmlns:a16="http://schemas.microsoft.com/office/drawing/2014/main" id="{9EF28CA8-703F-9F4B-9054-41BD0739C1F0}"/>
+          <p:cNvPr id="16" name="Picture 15">
+            <a:extLst>
+              <a:ext uri="{FF2B5EF4-FFF2-40B4-BE49-F238E27FC236}">
+                <a16:creationId xmlns:a16="http://schemas.microsoft.com/office/drawing/2014/main" id="{A5D3AA94-ADBF-EF43-AED1-E66522C510BA}"/>
+              </a:ext>
+            </a:extLst>
+          </p:cNvPr>
+          <p:cNvPicPr>
+            <a:picLocks noChangeAspect="1"/>
+          </p:cNvPicPr>
+          <p:nvPr/>
+        </p:nvPicPr>
+        <p:blipFill rotWithShape="1">
+          <a:blip r:embed="rId2"/>
+          <a:srcRect b="14423"/>
+          <a:stretch/>
+        </p:blipFill>
+        <p:spPr>
+          <a:xfrm>
+            <a:off x="306391" y="1248237"/>
+            <a:ext cx="5306348" cy="2409142"/>
+          </a:xfrm>
+          <a:prstGeom prst="rect">
+            <a:avLst/>
+          </a:prstGeom>
+        </p:spPr>
+      </p:pic>
+      <p:sp>
+        <p:nvSpPr>
+          <p:cNvPr id="17" name="Rectangle 16">
+            <a:extLst>
+              <a:ext uri="{FF2B5EF4-FFF2-40B4-BE49-F238E27FC236}">
+                <a16:creationId xmlns:a16="http://schemas.microsoft.com/office/drawing/2014/main" id="{04950DA6-CE1C-4D43-8919-D629029BB39A}"/>
+              </a:ext>
+            </a:extLst>
+          </p:cNvPr>
+          <p:cNvSpPr/>
+          <p:nvPr/>
+        </p:nvSpPr>
+        <p:spPr>
+          <a:xfrm>
+            <a:off x="479322" y="1054641"/>
+            <a:ext cx="3903978" cy="461665"/>
+          </a:xfrm>
+          <a:prstGeom prst="rect">
+            <a:avLst/>
+          </a:prstGeom>
+        </p:spPr>
+        <p:txBody>
+          <a:bodyPr wrap="square">
+            <a:spAutoFit/>
+          </a:bodyPr>
+          <a:lstStyle/>
+          <a:p>
+            <a:pPr lvl="1"/>
+            <a:r>
+              <a:rPr lang="en-US" sz="2400" b="1" dirty="0"/>
+              <a:t>Top 10 most visited CBGs</a:t>
+            </a:r>
+          </a:p>
+        </p:txBody>
+      </p:sp>
+      <p:sp>
+        <p:nvSpPr>
+          <p:cNvPr id="20" name="Rectangle 19">
+            <a:extLst>
+              <a:ext uri="{FF2B5EF4-FFF2-40B4-BE49-F238E27FC236}">
+                <a16:creationId xmlns:a16="http://schemas.microsoft.com/office/drawing/2014/main" id="{6E385C6A-4614-7A4C-955C-9414C4D0690E}"/>
+              </a:ext>
+            </a:extLst>
+          </p:cNvPr>
+          <p:cNvSpPr/>
+          <p:nvPr/>
+        </p:nvSpPr>
+        <p:spPr>
+          <a:xfrm>
+            <a:off x="9431316" y="1429286"/>
+            <a:ext cx="2454293" cy="1569660"/>
+          </a:xfrm>
+          <a:prstGeom prst="rect">
+            <a:avLst/>
+          </a:prstGeom>
+        </p:spPr>
+        <p:txBody>
+          <a:bodyPr wrap="square">
+            <a:spAutoFit/>
+          </a:bodyPr>
+          <a:lstStyle/>
+          <a:p>
+            <a:pPr lvl="1"/>
+            <a:r>
+              <a:rPr lang="en-US" sz="2400" b="1" dirty="0"/>
+              <a:t>Most visits: </a:t>
+            </a:r>
+            <a:r>
+              <a:rPr lang="en-US" sz="2400" dirty="0"/>
+              <a:t>Tuesday</a:t>
+            </a:r>
+          </a:p>
+          <a:p>
+            <a:pPr lvl="1"/>
+            <a:r>
+              <a:rPr lang="en-US" sz="2400" b="1" dirty="0"/>
+              <a:t>Least visits: </a:t>
+            </a:r>
+            <a:r>
+              <a:rPr lang="en-US" sz="2400" dirty="0"/>
+              <a:t>Sunday</a:t>
+            </a:r>
+          </a:p>
+        </p:txBody>
+      </p:sp>
+      <p:pic>
+        <p:nvPicPr>
+          <p:cNvPr id="22" name="Picture 21">
+            <a:extLst>
+              <a:ext uri="{FF2B5EF4-FFF2-40B4-BE49-F238E27FC236}">
+                <a16:creationId xmlns:a16="http://schemas.microsoft.com/office/drawing/2014/main" id="{5D97F5B2-2773-7942-A2C5-53D1A4BD007B}"/>
+              </a:ext>
+            </a:extLst>
+          </p:cNvPr>
+          <p:cNvPicPr>
+            <a:picLocks noChangeAspect="1"/>
+          </p:cNvPicPr>
+          <p:nvPr/>
+        </p:nvPicPr>
+        <p:blipFill>
+          <a:blip r:embed="rId3"/>
+          <a:stretch>
+            <a:fillRect/>
+          </a:stretch>
+        </p:blipFill>
+        <p:spPr>
+          <a:xfrm>
+            <a:off x="5940350" y="1115506"/>
+            <a:ext cx="3820338" cy="2541878"/>
+          </a:xfrm>
+          <a:prstGeom prst="rect">
+            <a:avLst/>
+          </a:prstGeom>
+        </p:spPr>
+      </p:pic>
+      <p:pic>
+        <p:nvPicPr>
+          <p:cNvPr id="24" name="Picture 23">
+            <a:extLst>
+              <a:ext uri="{FF2B5EF4-FFF2-40B4-BE49-F238E27FC236}">
+                <a16:creationId xmlns:a16="http://schemas.microsoft.com/office/drawing/2014/main" id="{60EAC07A-C9DF-C043-AD13-4074E97BCB39}"/>
               </a:ext>
             </a:extLst>
           </p:cNvPr>
@@ -5623,8 +8913,8 @@
         </p:blipFill>
         <p:spPr>
           <a:xfrm>
-            <a:off x="192985" y="1248236"/>
-            <a:ext cx="6186550" cy="3738634"/>
+            <a:off x="5940350" y="3711587"/>
+            <a:ext cx="3890760" cy="2635012"/>
           </a:xfrm>
           <a:prstGeom prst="rect">
             <a:avLst/>
@@ -5633,10 +8923,10 @@
       </p:pic>
       <p:sp>
         <p:nvSpPr>
-          <p:cNvPr id="2" name="Rectangle 1">
-            <a:extLst>
-              <a:ext uri="{FF2B5EF4-FFF2-40B4-BE49-F238E27FC236}">
-                <a16:creationId xmlns:a16="http://schemas.microsoft.com/office/drawing/2014/main" id="{D87DC056-041D-304B-A4DD-8DE443A41376}"/>
+          <p:cNvPr id="25" name="Rectangle 24">
+            <a:extLst>
+              <a:ext uri="{FF2B5EF4-FFF2-40B4-BE49-F238E27FC236}">
+                <a16:creationId xmlns:a16="http://schemas.microsoft.com/office/drawing/2014/main" id="{BEE68C9E-4BEB-5241-B301-480EB5FE26F1}"/>
               </a:ext>
             </a:extLst>
           </p:cNvPr>
@@ -5645,8 +8935,8 @@
         </p:nvSpPr>
         <p:spPr>
           <a:xfrm>
-            <a:off x="192985" y="4948044"/>
-            <a:ext cx="6542567" cy="1323439"/>
+            <a:off x="9431316" y="3984482"/>
+            <a:ext cx="2454293" cy="1569660"/>
           </a:xfrm>
           <a:prstGeom prst="rect">
             <a:avLst/>
@@ -5658,279 +8948,217 @@
           </a:bodyPr>
           <a:lstStyle/>
           <a:p>
-            <a:r>
-              <a:rPr lang="fr-FR" sz="3200" b="1" i="0" u="none" strike="noStrike" dirty="0">
-                <a:solidFill>
-                  <a:srgbClr val="000000"/>
-                </a:solidFill>
-                <a:effectLst/>
-                <a:latin typeface="Helvetica Neue" panose="02000503000000020004" pitchFamily="2" charset="0"/>
-              </a:rPr>
-              <a:t>85% </a:t>
-            </a:r>
-            <a:r>
-              <a:rPr lang="fr-FR" sz="2400" b="0" i="0" u="none" strike="noStrike" dirty="0">
-                <a:solidFill>
-                  <a:srgbClr val="000000"/>
-                </a:solidFill>
-                <a:effectLst/>
-                <a:latin typeface="Helvetica Neue" panose="02000503000000020004" pitchFamily="2" charset="0"/>
-              </a:rPr>
-              <a:t>of </a:t>
-            </a:r>
-            <a:r>
-              <a:rPr lang="fr-FR" sz="2400" b="0" i="0" u="none" strike="noStrike" dirty="0" err="1">
-                <a:solidFill>
-                  <a:srgbClr val="000000"/>
-                </a:solidFill>
-                <a:effectLst/>
-                <a:latin typeface="Helvetica Neue" panose="02000503000000020004" pitchFamily="2" charset="0"/>
-              </a:rPr>
-              <a:t>CBGs</a:t>
-            </a:r>
-            <a:r>
-              <a:rPr lang="fr-FR" sz="2400" b="0" i="0" u="none" strike="noStrike" dirty="0">
-                <a:solidFill>
-                  <a:srgbClr val="000000"/>
-                </a:solidFill>
-                <a:effectLst/>
-                <a:latin typeface="Helvetica Neue" panose="02000503000000020004" pitchFamily="2" charset="0"/>
-              </a:rPr>
-              <a:t> have a </a:t>
-            </a:r>
-            <a:r>
-              <a:rPr lang="fr-FR" sz="2400" b="0" i="0" u="none" strike="noStrike" dirty="0" err="1">
-                <a:solidFill>
-                  <a:srgbClr val="000000"/>
-                </a:solidFill>
-                <a:effectLst/>
-                <a:latin typeface="Helvetica Neue" panose="02000503000000020004" pitchFamily="2" charset="0"/>
-              </a:rPr>
-              <a:t>higher</a:t>
-            </a:r>
-            <a:r>
-              <a:rPr lang="fr-FR" sz="2400" b="0" i="0" u="none" strike="noStrike" dirty="0">
-                <a:solidFill>
-                  <a:srgbClr val="000000"/>
-                </a:solidFill>
-                <a:effectLst/>
-                <a:latin typeface="Helvetica Neue" panose="02000503000000020004" pitchFamily="2" charset="0"/>
-              </a:rPr>
-              <a:t> </a:t>
-            </a:r>
-            <a:r>
-              <a:rPr lang="fr-FR" sz="2400" b="0" i="0" u="none" strike="noStrike" dirty="0" err="1">
-                <a:solidFill>
-                  <a:srgbClr val="000000"/>
-                </a:solidFill>
-                <a:effectLst/>
-                <a:latin typeface="Helvetica Neue" panose="02000503000000020004" pitchFamily="2" charset="0"/>
-              </a:rPr>
-              <a:t>amount</a:t>
-            </a:r>
-            <a:r>
-              <a:rPr lang="fr-FR" sz="2400" b="0" i="0" u="none" strike="noStrike" dirty="0">
-                <a:solidFill>
-                  <a:srgbClr val="000000"/>
-                </a:solidFill>
-                <a:effectLst/>
-                <a:latin typeface="Helvetica Neue" panose="02000503000000020004" pitchFamily="2" charset="0"/>
-              </a:rPr>
-              <a:t> of </a:t>
-            </a:r>
-            <a:r>
-              <a:rPr lang="fr-FR" sz="2400" b="0" i="0" u="none" strike="noStrike" dirty="0" err="1">
-                <a:solidFill>
-                  <a:srgbClr val="000000"/>
-                </a:solidFill>
-                <a:effectLst/>
-                <a:latin typeface="Helvetica Neue" panose="02000503000000020004" pitchFamily="2" charset="0"/>
-              </a:rPr>
-              <a:t>visitors</a:t>
-            </a:r>
-            <a:r>
-              <a:rPr lang="fr-FR" sz="2400" b="0" i="0" u="none" strike="noStrike" dirty="0">
-                <a:solidFill>
-                  <a:srgbClr val="000000"/>
-                </a:solidFill>
-                <a:effectLst/>
-                <a:latin typeface="Helvetica Neue" panose="02000503000000020004" pitchFamily="2" charset="0"/>
-              </a:rPr>
-              <a:t> </a:t>
-            </a:r>
-            <a:r>
-              <a:rPr lang="fr-FR" sz="2400" b="0" i="0" u="none" strike="noStrike" dirty="0" err="1">
-                <a:solidFill>
-                  <a:srgbClr val="000000"/>
-                </a:solidFill>
-                <a:effectLst/>
-                <a:latin typeface="Helvetica Neue" panose="02000503000000020004" pitchFamily="2" charset="0"/>
-              </a:rPr>
-              <a:t>during</a:t>
-            </a:r>
-            <a:r>
-              <a:rPr lang="fr-FR" sz="2400" b="0" i="0" u="none" strike="noStrike" dirty="0">
-                <a:solidFill>
-                  <a:srgbClr val="000000"/>
-                </a:solidFill>
-                <a:effectLst/>
-                <a:latin typeface="Helvetica Neue" panose="02000503000000020004" pitchFamily="2" charset="0"/>
-              </a:rPr>
-              <a:t> the </a:t>
-            </a:r>
-            <a:r>
-              <a:rPr lang="fr-FR" sz="2400" b="0" i="0" u="none" strike="noStrike" dirty="0" err="1">
-                <a:solidFill>
-                  <a:srgbClr val="000000"/>
-                </a:solidFill>
-                <a:effectLst/>
-                <a:latin typeface="Helvetica Neue" panose="02000503000000020004" pitchFamily="2" charset="0"/>
-              </a:rPr>
-              <a:t>week</a:t>
-            </a:r>
-            <a:r>
-              <a:rPr lang="fr-FR" sz="2400" b="0" i="0" u="none" strike="noStrike" dirty="0">
-                <a:solidFill>
-                  <a:srgbClr val="000000"/>
-                </a:solidFill>
-                <a:effectLst/>
-                <a:latin typeface="Helvetica Neue" panose="02000503000000020004" pitchFamily="2" charset="0"/>
-              </a:rPr>
-              <a:t> (</a:t>
-            </a:r>
-            <a:r>
-              <a:rPr lang="fr-FR" sz="2400" b="0" i="0" u="none" strike="noStrike" dirty="0" err="1">
-                <a:solidFill>
-                  <a:srgbClr val="000000"/>
-                </a:solidFill>
-                <a:effectLst/>
-                <a:latin typeface="Helvetica Neue" panose="02000503000000020004" pitchFamily="2" charset="0"/>
-              </a:rPr>
-              <a:t>Monday</a:t>
-            </a:r>
-            <a:r>
-              <a:rPr lang="fr-FR" sz="2400" dirty="0">
-                <a:solidFill>
-                  <a:srgbClr val="000000"/>
-                </a:solidFill>
-                <a:latin typeface="Helvetica Neue" panose="02000503000000020004" pitchFamily="2" charset="0"/>
-              </a:rPr>
-              <a:t> </a:t>
-            </a:r>
-            <a:r>
-              <a:rPr lang="fr-FR" sz="2400" dirty="0" err="1">
-                <a:solidFill>
-                  <a:srgbClr val="000000"/>
-                </a:solidFill>
-                <a:latin typeface="Helvetica Neue" panose="02000503000000020004" pitchFamily="2" charset="0"/>
-              </a:rPr>
-              <a:t>to</a:t>
-            </a:r>
-            <a:r>
-              <a:rPr lang="fr-FR" sz="2400" b="0" i="0" u="none" strike="noStrike" dirty="0" err="1">
-                <a:solidFill>
-                  <a:srgbClr val="000000"/>
-                </a:solidFill>
-                <a:effectLst/>
-                <a:latin typeface="Helvetica Neue" panose="02000503000000020004" pitchFamily="2" charset="0"/>
-              </a:rPr>
-              <a:t>Thursday</a:t>
-            </a:r>
-            <a:r>
-              <a:rPr lang="fr-FR" sz="2400" b="0" i="0" u="none" strike="noStrike" dirty="0">
-                <a:solidFill>
-                  <a:srgbClr val="000000"/>
-                </a:solidFill>
-                <a:effectLst/>
-                <a:latin typeface="Helvetica Neue" panose="02000503000000020004" pitchFamily="2" charset="0"/>
-              </a:rPr>
-              <a:t>) </a:t>
-            </a:r>
-            <a:r>
-              <a:rPr lang="fr-FR" sz="2400" b="0" i="0" u="none" strike="noStrike" dirty="0" err="1">
-                <a:solidFill>
-                  <a:srgbClr val="000000"/>
-                </a:solidFill>
-                <a:effectLst/>
-                <a:latin typeface="Helvetica Neue" panose="02000503000000020004" pitchFamily="2" charset="0"/>
-              </a:rPr>
-              <a:t>than</a:t>
-            </a:r>
-            <a:r>
-              <a:rPr lang="fr-FR" sz="2400" b="0" i="0" u="none" strike="noStrike" dirty="0">
-                <a:solidFill>
-                  <a:srgbClr val="000000"/>
-                </a:solidFill>
-                <a:effectLst/>
-                <a:latin typeface="Helvetica Neue" panose="02000503000000020004" pitchFamily="2" charset="0"/>
-              </a:rPr>
-              <a:t> </a:t>
-            </a:r>
-            <a:r>
-              <a:rPr lang="fr-FR" sz="2400" b="0" i="0" u="none" strike="noStrike" dirty="0" err="1">
-                <a:solidFill>
-                  <a:srgbClr val="000000"/>
-                </a:solidFill>
-                <a:effectLst/>
-                <a:latin typeface="Helvetica Neue" panose="02000503000000020004" pitchFamily="2" charset="0"/>
-              </a:rPr>
-              <a:t>during</a:t>
-            </a:r>
-            <a:r>
-              <a:rPr lang="fr-FR" sz="2400" b="0" i="0" u="none" strike="noStrike" dirty="0">
-                <a:solidFill>
-                  <a:srgbClr val="000000"/>
-                </a:solidFill>
-                <a:effectLst/>
-                <a:latin typeface="Helvetica Neue" panose="02000503000000020004" pitchFamily="2" charset="0"/>
-              </a:rPr>
-              <a:t> the weekend (Friday to Sunday)</a:t>
-            </a:r>
-            <a:endParaRPr lang="fr-FR" sz="2400" dirty="0"/>
-          </a:p>
-        </p:txBody>
-      </p:sp>
-      <p:sp>
-        <p:nvSpPr>
-          <p:cNvPr id="14" name="Rectangle 13">
-            <a:extLst>
-              <a:ext uri="{FF2B5EF4-FFF2-40B4-BE49-F238E27FC236}">
-                <a16:creationId xmlns:a16="http://schemas.microsoft.com/office/drawing/2014/main" id="{DF8CE481-A005-E74D-81AE-DCDF56A8C847}"/>
-              </a:ext>
-            </a:extLst>
-          </p:cNvPr>
-          <p:cNvSpPr/>
+            <a:pPr lvl="1"/>
+            <a:r>
+              <a:rPr lang="en-US" sz="2400" b="1" dirty="0"/>
+              <a:t>Most visits:</a:t>
+            </a:r>
+          </a:p>
+          <a:p>
+            <a:pPr lvl="1"/>
+            <a:r>
+              <a:rPr lang="en-US" sz="2400" dirty="0"/>
+              <a:t>5pm</a:t>
+            </a:r>
+            <a:endParaRPr lang="en-US" sz="2400" b="1" dirty="0"/>
+          </a:p>
+          <a:p>
+            <a:pPr lvl="1"/>
+            <a:r>
+              <a:rPr lang="en-US" sz="2400" b="1" dirty="0"/>
+              <a:t>Least visits:</a:t>
+            </a:r>
+          </a:p>
+          <a:p>
+            <a:pPr lvl="1"/>
+            <a:r>
+              <a:rPr lang="en-US" sz="2400" dirty="0"/>
+              <a:t>3am</a:t>
+            </a:r>
+          </a:p>
+        </p:txBody>
+      </p:sp>
+      <p:sp>
+        <p:nvSpPr>
+          <p:cNvPr id="2" name="Slide Number Placeholder 1">
+            <a:extLst>
+              <a:ext uri="{FF2B5EF4-FFF2-40B4-BE49-F238E27FC236}">
+                <a16:creationId xmlns:a16="http://schemas.microsoft.com/office/drawing/2014/main" id="{D37E7C02-53DE-AD47-9C40-C17C70394F5D}"/>
+              </a:ext>
+            </a:extLst>
+          </p:cNvPr>
+          <p:cNvSpPr>
+            <a:spLocks noGrp="1"/>
+          </p:cNvSpPr>
+          <p:nvPr>
+            <p:ph type="sldNum" sz="quarter" idx="12"/>
+          </p:nvPr>
+        </p:nvSpPr>
+        <p:spPr/>
+        <p:txBody>
+          <a:bodyPr/>
+          <a:lstStyle/>
+          <a:p>
+            <a:fld id="{D2162F12-6F32-264E-B336-B9A8BBC2530F}" type="slidenum">
+              <a:rPr lang="fr-FR" smtClean="0"/>
+              <a:t>5</a:t>
+            </a:fld>
+            <a:endParaRPr lang="fr-FR"/>
+          </a:p>
+        </p:txBody>
+      </p:sp>
+      <p:sp>
+        <p:nvSpPr>
+          <p:cNvPr id="3" name="Footer Placeholder 2">
+            <a:extLst>
+              <a:ext uri="{FF2B5EF4-FFF2-40B4-BE49-F238E27FC236}">
+                <a16:creationId xmlns:a16="http://schemas.microsoft.com/office/drawing/2014/main" id="{24C4C5B8-7EBE-3645-865C-6E9968C58F40}"/>
+              </a:ext>
+            </a:extLst>
+          </p:cNvPr>
+          <p:cNvSpPr>
+            <a:spLocks noGrp="1"/>
+          </p:cNvSpPr>
+          <p:nvPr>
+            <p:ph type="ftr" sz="quarter" idx="11"/>
+          </p:nvPr>
+        </p:nvSpPr>
+        <p:spPr/>
+        <p:txBody>
+          <a:bodyPr/>
+          <a:lstStyle/>
+          <a:p>
+            <a:r>
+              <a:rPr lang="fr-FR" dirty="0" err="1"/>
+              <a:t>Exploratory</a:t>
+            </a:r>
+            <a:r>
+              <a:rPr lang="fr-FR" dirty="0"/>
+              <a:t> Data </a:t>
+            </a:r>
+            <a:r>
+              <a:rPr lang="fr-FR" dirty="0" err="1"/>
+              <a:t>Analysis</a:t>
+            </a:r>
+            <a:endParaRPr lang="fr-FR" dirty="0"/>
+          </a:p>
+        </p:txBody>
+      </p:sp>
+      <p:sp>
+        <p:nvSpPr>
+          <p:cNvPr id="5" name="TextBox 4">
+            <a:extLst>
+              <a:ext uri="{FF2B5EF4-FFF2-40B4-BE49-F238E27FC236}">
+                <a16:creationId xmlns:a16="http://schemas.microsoft.com/office/drawing/2014/main" id="{8AFDCAF8-51C4-D74A-BE2C-9521F10B693F}"/>
+              </a:ext>
+            </a:extLst>
+          </p:cNvPr>
+          <p:cNvSpPr txBox="1"/>
           <p:nvPr/>
         </p:nvSpPr>
         <p:spPr>
           <a:xfrm>
-            <a:off x="2260046" y="1388296"/>
-            <a:ext cx="4591666" cy="461665"/>
+            <a:off x="1084768" y="3186246"/>
+            <a:ext cx="3298532" cy="3170099"/>
           </a:xfrm>
           <a:prstGeom prst="rect">
             <a:avLst/>
           </a:prstGeom>
-        </p:spPr>
-        <p:txBody>
-          <a:bodyPr wrap="square">
+          <a:noFill/>
+        </p:spPr>
+        <p:txBody>
+          <a:bodyPr wrap="none" rtlCol="0">
             <a:spAutoFit/>
           </a:bodyPr>
           <a:lstStyle/>
           <a:p>
-            <a:pPr lvl="1"/>
-            <a:r>
-              <a:rPr lang="en-US" sz="2400" b="1" dirty="0"/>
-              <a:t>Top 100 most visited CBGs</a:t>
-            </a:r>
+            <a:pPr lvl="0"/>
+            <a:r>
+              <a:rPr lang="en-US" sz="2000" dirty="0"/>
+              <a:t>1. NY</a:t>
+            </a:r>
+            <a:endParaRPr lang="fr-FR" sz="2000" dirty="0"/>
+          </a:p>
+          <a:p>
+            <a:pPr lvl="0"/>
+            <a:r>
+              <a:rPr lang="en-US" sz="2000" dirty="0"/>
+              <a:t>2. NY</a:t>
+            </a:r>
+            <a:endParaRPr lang="fr-FR" sz="2000" dirty="0"/>
+          </a:p>
+          <a:p>
+            <a:pPr lvl="0"/>
+            <a:r>
+              <a:rPr lang="en-US" sz="2000" dirty="0"/>
+              <a:t>3. Los Angeles </a:t>
+            </a:r>
+            <a:endParaRPr lang="fr-FR" sz="2000" dirty="0"/>
+          </a:p>
+          <a:p>
+            <a:pPr lvl="0"/>
+            <a:r>
+              <a:rPr lang="en-US" sz="2000" dirty="0"/>
+              <a:t>4. Houston</a:t>
+            </a:r>
+            <a:endParaRPr lang="fr-FR" sz="2000" dirty="0"/>
+          </a:p>
+          <a:p>
+            <a:pPr lvl="0"/>
+            <a:r>
+              <a:rPr lang="en-US" sz="2000" dirty="0"/>
+              <a:t>5. NY</a:t>
+            </a:r>
+            <a:endParaRPr lang="fr-FR" sz="2000" dirty="0"/>
+          </a:p>
+          <a:p>
+            <a:pPr lvl="0"/>
+            <a:r>
+              <a:rPr lang="en-US" sz="2000" dirty="0"/>
+              <a:t>6. Atlanta</a:t>
+            </a:r>
+            <a:endParaRPr lang="fr-FR" sz="2000" dirty="0"/>
+          </a:p>
+          <a:p>
+            <a:pPr lvl="0"/>
+            <a:r>
+              <a:rPr lang="en-US" sz="2000" dirty="0"/>
+              <a:t>7. Washington D.C.</a:t>
+            </a:r>
+            <a:endParaRPr lang="fr-FR" sz="2000" dirty="0"/>
+          </a:p>
+          <a:p>
+            <a:pPr lvl="0"/>
+            <a:r>
+              <a:rPr lang="en-US" sz="2000" dirty="0"/>
+              <a:t>8. San Francisco</a:t>
+            </a:r>
+            <a:endParaRPr lang="fr-FR" sz="2000" dirty="0"/>
+          </a:p>
+          <a:p>
+            <a:pPr lvl="0"/>
+            <a:r>
+              <a:rPr lang="en-US" sz="2000" dirty="0"/>
+              <a:t>9. Washington D.C (Maryland)</a:t>
+            </a:r>
+            <a:endParaRPr lang="fr-FR" sz="2000" dirty="0"/>
+          </a:p>
+          <a:p>
+            <a:pPr lvl="0"/>
+            <a:r>
+              <a:rPr lang="en-US" sz="2000" dirty="0"/>
+              <a:t>10. Orlando</a:t>
+            </a:r>
+            <a:endParaRPr lang="fr-FR" sz="2000" dirty="0"/>
           </a:p>
         </p:txBody>
       </p:sp>
       <p:pic>
         <p:nvPicPr>
-          <p:cNvPr id="6" name="Picture 5">
-            <a:extLst>
-              <a:ext uri="{FF2B5EF4-FFF2-40B4-BE49-F238E27FC236}">
-                <a16:creationId xmlns:a16="http://schemas.microsoft.com/office/drawing/2014/main" id="{F564AA37-42D4-2847-9C6A-1CE0165CAB49}"/>
+          <p:cNvPr id="18" name="Picture 17">
+            <a:extLst>
+              <a:ext uri="{FF2B5EF4-FFF2-40B4-BE49-F238E27FC236}">
+                <a16:creationId xmlns:a16="http://schemas.microsoft.com/office/drawing/2014/main" id="{E48EEA36-7408-1140-82D1-1B705FF952E9}"/>
               </a:ext>
             </a:extLst>
           </p:cNvPr>
@@ -5939,177 +9167,27 @@
           </p:cNvPicPr>
           <p:nvPr/>
         </p:nvPicPr>
-        <p:blipFill>
-          <a:blip r:embed="rId5"/>
-          <a:stretch>
-            <a:fillRect/>
-          </a:stretch>
+        <p:blipFill rotWithShape="1">
+          <a:blip r:embed="rId5">
+            <a:alphaModFix amt="35000"/>
+          </a:blip>
+          <a:srcRect t="8682" b="11589"/>
+          <a:stretch/>
         </p:blipFill>
         <p:spPr>
           <a:xfrm>
-            <a:off x="6841017" y="1248236"/>
-            <a:ext cx="4889500" cy="2235200"/>
+            <a:off x="0" y="117993"/>
+            <a:ext cx="12193826" cy="6210000"/>
           </a:xfrm>
           <a:prstGeom prst="rect">
             <a:avLst/>
           </a:prstGeom>
         </p:spPr>
       </p:pic>
-      <p:sp>
-        <p:nvSpPr>
-          <p:cNvPr id="18" name="Rectangle 17">
-            <a:extLst>
-              <a:ext uri="{FF2B5EF4-FFF2-40B4-BE49-F238E27FC236}">
-                <a16:creationId xmlns:a16="http://schemas.microsoft.com/office/drawing/2014/main" id="{59688B5B-87AB-0145-858F-69A4715B7318}"/>
-              </a:ext>
-            </a:extLst>
-          </p:cNvPr>
-          <p:cNvSpPr/>
-          <p:nvPr/>
-        </p:nvSpPr>
-        <p:spPr>
-          <a:xfrm>
-            <a:off x="6544656" y="3483436"/>
-            <a:ext cx="5743282" cy="461665"/>
-          </a:xfrm>
-          <a:prstGeom prst="rect">
-            <a:avLst/>
-          </a:prstGeom>
-        </p:spPr>
-        <p:txBody>
-          <a:bodyPr wrap="square">
-            <a:spAutoFit/>
-          </a:bodyPr>
-          <a:lstStyle/>
-          <a:p>
-            <a:r>
-              <a:rPr lang="fr-FR" sz="2400" b="1" dirty="0"/>
-              <a:t>Top 10 </a:t>
-            </a:r>
-            <a:r>
-              <a:rPr lang="fr-FR" sz="2400" b="1" dirty="0" err="1"/>
-              <a:t>most</a:t>
-            </a:r>
-            <a:r>
-              <a:rPr lang="fr-FR" sz="2400" b="1" dirty="0"/>
-              <a:t> </a:t>
-            </a:r>
-            <a:r>
-              <a:rPr lang="fr-FR" sz="2400" b="1" dirty="0" err="1"/>
-              <a:t>visited</a:t>
-            </a:r>
-            <a:r>
-              <a:rPr lang="fr-FR" sz="2400" b="1" dirty="0"/>
-              <a:t> brands </a:t>
-            </a:r>
-            <a:r>
-              <a:rPr lang="fr-FR" sz="2400" b="1" dirty="0" err="1"/>
-              <a:t>during</a:t>
-            </a:r>
-            <a:r>
-              <a:rPr lang="fr-FR" sz="2400" b="1" dirty="0"/>
-              <a:t> the </a:t>
-            </a:r>
-            <a:r>
-              <a:rPr lang="fr-FR" sz="2400" b="1" dirty="0" err="1"/>
-              <a:t>week</a:t>
-            </a:r>
-            <a:endParaRPr lang="fr-FR" sz="2400" b="1" dirty="0"/>
-          </a:p>
-        </p:txBody>
-      </p:sp>
-      <p:pic>
-        <p:nvPicPr>
-          <p:cNvPr id="8" name="Picture 7">
-            <a:extLst>
-              <a:ext uri="{FF2B5EF4-FFF2-40B4-BE49-F238E27FC236}">
-                <a16:creationId xmlns:a16="http://schemas.microsoft.com/office/drawing/2014/main" id="{658D4E49-A1D8-DF4C-8390-DBE956A6CA52}"/>
-              </a:ext>
-            </a:extLst>
-          </p:cNvPr>
-          <p:cNvPicPr>
-            <a:picLocks noChangeAspect="1"/>
-          </p:cNvPicPr>
-          <p:nvPr/>
-        </p:nvPicPr>
-        <p:blipFill>
-          <a:blip r:embed="rId6"/>
-          <a:stretch>
-            <a:fillRect/>
-          </a:stretch>
-        </p:blipFill>
-        <p:spPr>
-          <a:xfrm>
-            <a:off x="6835246" y="3889840"/>
-            <a:ext cx="4667906" cy="2308721"/>
-          </a:xfrm>
-          <a:prstGeom prst="rect">
-            <a:avLst/>
-          </a:prstGeom>
-        </p:spPr>
-      </p:pic>
-      <p:sp>
-        <p:nvSpPr>
-          <p:cNvPr id="21" name="Rectangle 20">
-            <a:extLst>
-              <a:ext uri="{FF2B5EF4-FFF2-40B4-BE49-F238E27FC236}">
-                <a16:creationId xmlns:a16="http://schemas.microsoft.com/office/drawing/2014/main" id="{8BB24937-E531-D447-B428-12F9808C15C0}"/>
-              </a:ext>
-            </a:extLst>
-          </p:cNvPr>
-          <p:cNvSpPr/>
-          <p:nvPr/>
-        </p:nvSpPr>
-        <p:spPr>
-          <a:xfrm>
-            <a:off x="6016752" y="6143300"/>
-            <a:ext cx="6326050" cy="461665"/>
-          </a:xfrm>
-          <a:prstGeom prst="rect">
-            <a:avLst/>
-          </a:prstGeom>
-        </p:spPr>
-        <p:txBody>
-          <a:bodyPr wrap="square">
-            <a:spAutoFit/>
-          </a:bodyPr>
-          <a:lstStyle/>
-          <a:p>
-            <a:r>
-              <a:rPr lang="fr-FR" sz="2400" b="1" dirty="0"/>
-              <a:t>Top 10 </a:t>
-            </a:r>
-            <a:r>
-              <a:rPr lang="fr-FR" sz="2400" b="1" dirty="0" err="1"/>
-              <a:t>most</a:t>
-            </a:r>
-            <a:r>
-              <a:rPr lang="fr-FR" sz="2400" b="1" dirty="0"/>
-              <a:t> </a:t>
-            </a:r>
-            <a:r>
-              <a:rPr lang="fr-FR" sz="2400" b="1" dirty="0" err="1"/>
-              <a:t>visited</a:t>
-            </a:r>
-            <a:r>
-              <a:rPr lang="fr-FR" sz="2400" b="1" dirty="0"/>
-              <a:t> brands </a:t>
-            </a:r>
-            <a:r>
-              <a:rPr lang="fr-FR" sz="2400" b="1" dirty="0" err="1"/>
-              <a:t>during</a:t>
-            </a:r>
-            <a:r>
-              <a:rPr lang="fr-FR" sz="2400" b="1" dirty="0"/>
-              <a:t> the weekend</a:t>
-            </a:r>
-          </a:p>
-        </p:txBody>
-      </p:sp>
     </p:spTree>
     <p:extLst>
       <p:ext uri="{BB962C8B-B14F-4D97-AF65-F5344CB8AC3E}">
-        <p14:creationId xmlns:p14="http://schemas.microsoft.com/office/powerpoint/2010/main" val="1670301543"/>
+        <p14:creationId xmlns:p14="http://schemas.microsoft.com/office/powerpoint/2010/main" val="432554837"/>
       </p:ext>
     </p:extLst>
   </p:cSld>
@@ -6136,37 +9214,6 @@
           <a:chExt cx="0" cy="0"/>
         </a:xfrm>
       </p:grpSpPr>
-      <p:pic>
-        <p:nvPicPr>
-          <p:cNvPr id="4" name="Picture 3">
-            <a:extLst>
-              <a:ext uri="{FF2B5EF4-FFF2-40B4-BE49-F238E27FC236}">
-                <a16:creationId xmlns:a16="http://schemas.microsoft.com/office/drawing/2014/main" id="{D3F0B6DE-55B3-9348-B1A9-08167449C417}"/>
-              </a:ext>
-            </a:extLst>
-          </p:cNvPr>
-          <p:cNvPicPr>
-            <a:picLocks noChangeAspect="1"/>
-          </p:cNvPicPr>
-          <p:nvPr/>
-        </p:nvPicPr>
-        <p:blipFill rotWithShape="1">
-          <a:blip r:embed="rId3">
-            <a:alphaModFix amt="35000"/>
-          </a:blip>
-          <a:srcRect t="8682" b="11589"/>
-          <a:stretch/>
-        </p:blipFill>
-        <p:spPr>
-          <a:xfrm>
-            <a:off x="0" y="324465"/>
-            <a:ext cx="12192000" cy="6209070"/>
-          </a:xfrm>
-          <a:prstGeom prst="rect">
-            <a:avLst/>
-          </a:prstGeom>
-        </p:spPr>
-      </p:pic>
       <p:cxnSp>
         <p:nvCxnSpPr>
           <p:cNvPr id="9" name="Straight Connector 8">
@@ -6268,27 +9315,57 @@
           </a:p>
         </p:txBody>
       </p:sp>
-      <p:sp>
-        <p:nvSpPr>
-          <p:cNvPr id="18" name="Rectangle 17">
-            <a:extLst>
-              <a:ext uri="{FF2B5EF4-FFF2-40B4-BE49-F238E27FC236}">
-                <a16:creationId xmlns:a16="http://schemas.microsoft.com/office/drawing/2014/main" id="{59688B5B-87AB-0145-858F-69A4715B7318}"/>
-              </a:ext>
-            </a:extLst>
-          </p:cNvPr>
-          <p:cNvSpPr/>
+      <p:pic>
+        <p:nvPicPr>
+          <p:cNvPr id="27" name="Picture 26">
+            <a:extLst>
+              <a:ext uri="{FF2B5EF4-FFF2-40B4-BE49-F238E27FC236}">
+                <a16:creationId xmlns:a16="http://schemas.microsoft.com/office/drawing/2014/main" id="{9EF28CA8-703F-9F4B-9054-41BD0739C1F0}"/>
+              </a:ext>
+            </a:extLst>
+          </p:cNvPr>
+          <p:cNvPicPr>
+            <a:picLocks noChangeAspect="1"/>
+          </p:cNvPicPr>
           <p:nvPr/>
-        </p:nvSpPr>
-        <p:spPr>
-          <a:xfrm>
-            <a:off x="27432" y="3308770"/>
-            <a:ext cx="6382512" cy="400110"/>
+        </p:nvPicPr>
+        <p:blipFill>
+          <a:blip r:embed="rId3"/>
+          <a:stretch>
+            <a:fillRect/>
+          </a:stretch>
+        </p:blipFill>
+        <p:spPr>
+          <a:xfrm>
+            <a:off x="192985" y="1248236"/>
+            <a:ext cx="6186550" cy="3738634"/>
           </a:xfrm>
           <a:prstGeom prst="rect">
             <a:avLst/>
           </a:prstGeom>
         </p:spPr>
+      </p:pic>
+      <p:sp>
+        <p:nvSpPr>
+          <p:cNvPr id="2" name="Rectangle 1">
+            <a:extLst>
+              <a:ext uri="{FF2B5EF4-FFF2-40B4-BE49-F238E27FC236}">
+                <a16:creationId xmlns:a16="http://schemas.microsoft.com/office/drawing/2014/main" id="{D87DC056-041D-304B-A4DD-8DE443A41376}"/>
+              </a:ext>
+            </a:extLst>
+          </p:cNvPr>
+          <p:cNvSpPr/>
+          <p:nvPr/>
+        </p:nvSpPr>
+        <p:spPr>
+          <a:xfrm>
+            <a:off x="88392" y="4778008"/>
+            <a:ext cx="6542567" cy="1323439"/>
+          </a:xfrm>
+          <a:prstGeom prst="rect">
+            <a:avLst/>
+          </a:prstGeom>
+        </p:spPr>
         <p:txBody>
           <a:bodyPr wrap="square">
             <a:spAutoFit/>
@@ -6296,55 +9373,278 @@
           <a:lstStyle/>
           <a:p>
             <a:r>
-              <a:rPr lang="fr-FR" sz="2000" b="1" dirty="0"/>
-              <a:t>Top 10 </a:t>
-            </a:r>
-            <a:r>
-              <a:rPr lang="fr-FR" sz="2000" b="1" dirty="0" err="1"/>
-              <a:t>most</a:t>
-            </a:r>
-            <a:r>
-              <a:rPr lang="fr-FR" sz="2000" b="1" dirty="0"/>
+              <a:rPr lang="fr-FR" sz="3200" b="1" i="0" u="none" strike="noStrike" dirty="0">
+                <a:solidFill>
+                  <a:srgbClr val="000000"/>
+                </a:solidFill>
+                <a:effectLst/>
+                <a:latin typeface="Helvetica Neue" panose="02000503000000020004" pitchFamily="2" charset="0"/>
+              </a:rPr>
+              <a:t>85% </a:t>
+            </a:r>
+            <a:r>
+              <a:rPr lang="fr-FR" sz="2400" b="0" i="0" u="none" strike="noStrike" dirty="0">
+                <a:solidFill>
+                  <a:srgbClr val="000000"/>
+                </a:solidFill>
+                <a:effectLst/>
+                <a:latin typeface="Helvetica Neue" panose="02000503000000020004" pitchFamily="2" charset="0"/>
+              </a:rPr>
+              <a:t>of </a:t>
+            </a:r>
+            <a:r>
+              <a:rPr lang="fr-FR" sz="2400" b="0" i="0" u="none" strike="noStrike" dirty="0" err="1">
+                <a:solidFill>
+                  <a:srgbClr val="000000"/>
+                </a:solidFill>
+                <a:effectLst/>
+                <a:latin typeface="Helvetica Neue" panose="02000503000000020004" pitchFamily="2" charset="0"/>
+              </a:rPr>
+              <a:t>CBGs</a:t>
+            </a:r>
+            <a:r>
+              <a:rPr lang="fr-FR" sz="2400" b="0" i="0" u="none" strike="noStrike" dirty="0">
+                <a:solidFill>
+                  <a:srgbClr val="000000"/>
+                </a:solidFill>
+                <a:effectLst/>
+                <a:latin typeface="Helvetica Neue" panose="02000503000000020004" pitchFamily="2" charset="0"/>
+              </a:rPr>
+              <a:t> have a </a:t>
+            </a:r>
+            <a:r>
+              <a:rPr lang="fr-FR" sz="2400" b="0" i="0" u="none" strike="noStrike" dirty="0" err="1">
+                <a:solidFill>
+                  <a:srgbClr val="000000"/>
+                </a:solidFill>
+                <a:effectLst/>
+                <a:latin typeface="Helvetica Neue" panose="02000503000000020004" pitchFamily="2" charset="0"/>
+              </a:rPr>
+              <a:t>higher</a:t>
+            </a:r>
+            <a:r>
+              <a:rPr lang="fr-FR" sz="2400" b="0" i="0" u="none" strike="noStrike" dirty="0">
+                <a:solidFill>
+                  <a:srgbClr val="000000"/>
+                </a:solidFill>
+                <a:effectLst/>
+                <a:latin typeface="Helvetica Neue" panose="02000503000000020004" pitchFamily="2" charset="0"/>
+              </a:rPr>
               <a:t> </a:t>
             </a:r>
             <a:r>
-              <a:rPr lang="fr-FR" sz="2000" b="1" dirty="0" err="1"/>
-              <a:t>visited</a:t>
-            </a:r>
-            <a:r>
-              <a:rPr lang="fr-FR" sz="2000" b="1" dirty="0"/>
-              <a:t> brands </a:t>
-            </a:r>
-            <a:r>
-              <a:rPr lang="fr-FR" sz="2000" b="1" dirty="0" err="1"/>
+              <a:rPr lang="fr-FR" sz="2400" b="0" i="0" u="none" strike="noStrike" dirty="0" err="1">
+                <a:solidFill>
+                  <a:srgbClr val="000000"/>
+                </a:solidFill>
+                <a:effectLst/>
+                <a:latin typeface="Helvetica Neue" panose="02000503000000020004" pitchFamily="2" charset="0"/>
+              </a:rPr>
+              <a:t>amount</a:t>
+            </a:r>
+            <a:r>
+              <a:rPr lang="fr-FR" sz="2400" b="0" i="0" u="none" strike="noStrike" dirty="0">
+                <a:solidFill>
+                  <a:srgbClr val="000000"/>
+                </a:solidFill>
+                <a:effectLst/>
+                <a:latin typeface="Helvetica Neue" panose="02000503000000020004" pitchFamily="2" charset="0"/>
+              </a:rPr>
+              <a:t> of </a:t>
+            </a:r>
+            <a:r>
+              <a:rPr lang="fr-FR" sz="2400" b="0" i="0" u="none" strike="noStrike" dirty="0" err="1">
+                <a:solidFill>
+                  <a:srgbClr val="000000"/>
+                </a:solidFill>
+                <a:effectLst/>
+                <a:latin typeface="Helvetica Neue" panose="02000503000000020004" pitchFamily="2" charset="0"/>
+              </a:rPr>
+              <a:t>visitors</a:t>
+            </a:r>
+            <a:r>
+              <a:rPr lang="fr-FR" sz="2400" b="0" i="0" u="none" strike="noStrike" dirty="0">
+                <a:solidFill>
+                  <a:srgbClr val="000000"/>
+                </a:solidFill>
+                <a:effectLst/>
+                <a:latin typeface="Helvetica Neue" panose="02000503000000020004" pitchFamily="2" charset="0"/>
+              </a:rPr>
+              <a:t> </a:t>
+            </a:r>
+            <a:r>
+              <a:rPr lang="fr-FR" sz="2400" b="0" i="0" u="none" strike="noStrike" dirty="0" err="1">
+                <a:solidFill>
+                  <a:srgbClr val="000000"/>
+                </a:solidFill>
+                <a:effectLst/>
+                <a:latin typeface="Helvetica Neue" panose="02000503000000020004" pitchFamily="2" charset="0"/>
+              </a:rPr>
               <a:t>during</a:t>
             </a:r>
             <a:r>
-              <a:rPr lang="fr-FR" sz="2000" b="1" dirty="0"/>
+              <a:rPr lang="fr-FR" sz="2400" b="0" i="0" u="none" strike="noStrike" dirty="0">
+                <a:solidFill>
+                  <a:srgbClr val="000000"/>
+                </a:solidFill>
+                <a:effectLst/>
+                <a:latin typeface="Helvetica Neue" panose="02000503000000020004" pitchFamily="2" charset="0"/>
+              </a:rPr>
+              <a:t> the </a:t>
+            </a:r>
+            <a:r>
+              <a:rPr lang="fr-FR" sz="2400" b="0" i="0" u="none" strike="noStrike" dirty="0" err="1">
+                <a:solidFill>
+                  <a:srgbClr val="000000"/>
+                </a:solidFill>
+                <a:effectLst/>
+                <a:latin typeface="Helvetica Neue" panose="02000503000000020004" pitchFamily="2" charset="0"/>
+              </a:rPr>
+              <a:t>week</a:t>
+            </a:r>
+            <a:r>
+              <a:rPr lang="fr-FR" sz="2400" b="0" i="0" u="none" strike="noStrike" dirty="0">
+                <a:solidFill>
+                  <a:srgbClr val="000000"/>
+                </a:solidFill>
+                <a:effectLst/>
+                <a:latin typeface="Helvetica Neue" panose="02000503000000020004" pitchFamily="2" charset="0"/>
+              </a:rPr>
+              <a:t> (</a:t>
+            </a:r>
+            <a:r>
+              <a:rPr lang="fr-FR" sz="2400" b="0" i="0" u="none" strike="noStrike" dirty="0" err="1">
+                <a:solidFill>
+                  <a:srgbClr val="000000"/>
+                </a:solidFill>
+                <a:effectLst/>
+                <a:latin typeface="Helvetica Neue" panose="02000503000000020004" pitchFamily="2" charset="0"/>
+              </a:rPr>
+              <a:t>Monday</a:t>
+            </a:r>
+            <a:r>
+              <a:rPr lang="fr-FR" sz="2400" dirty="0">
+                <a:solidFill>
+                  <a:srgbClr val="000000"/>
+                </a:solidFill>
+                <a:latin typeface="Helvetica Neue" panose="02000503000000020004" pitchFamily="2" charset="0"/>
+              </a:rPr>
               <a:t> </a:t>
             </a:r>
             <a:r>
-              <a:rPr lang="fr-FR" sz="2000" b="1" dirty="0" err="1"/>
-              <a:t>early</a:t>
-            </a:r>
-            <a:r>
-              <a:rPr lang="fr-FR" sz="2000" b="1" dirty="0"/>
+              <a:rPr lang="fr-FR" sz="2400" dirty="0" err="1">
+                <a:solidFill>
+                  <a:srgbClr val="000000"/>
+                </a:solidFill>
+                <a:latin typeface="Helvetica Neue" panose="02000503000000020004" pitchFamily="2" charset="0"/>
+              </a:rPr>
+              <a:t>to</a:t>
+            </a:r>
+            <a:r>
+              <a:rPr lang="fr-FR" sz="2400" b="0" i="0" u="none" strike="noStrike" dirty="0" err="1">
+                <a:solidFill>
+                  <a:srgbClr val="000000"/>
+                </a:solidFill>
+                <a:effectLst/>
+                <a:latin typeface="Helvetica Neue" panose="02000503000000020004" pitchFamily="2" charset="0"/>
+              </a:rPr>
+              <a:t>Thursday</a:t>
+            </a:r>
+            <a:r>
+              <a:rPr lang="fr-FR" sz="2400" b="0" i="0" u="none" strike="noStrike" dirty="0">
+                <a:solidFill>
+                  <a:srgbClr val="000000"/>
+                </a:solidFill>
+                <a:effectLst/>
+                <a:latin typeface="Helvetica Neue" panose="02000503000000020004" pitchFamily="2" charset="0"/>
+              </a:rPr>
+              <a:t>) </a:t>
+            </a:r>
+            <a:r>
+              <a:rPr lang="fr-FR" sz="2400" b="0" i="0" u="none" strike="noStrike" dirty="0" err="1">
+                <a:solidFill>
+                  <a:srgbClr val="000000"/>
+                </a:solidFill>
+                <a:effectLst/>
+                <a:latin typeface="Helvetica Neue" panose="02000503000000020004" pitchFamily="2" charset="0"/>
+              </a:rPr>
+              <a:t>than</a:t>
+            </a:r>
+            <a:r>
+              <a:rPr lang="fr-FR" sz="2400" b="0" i="0" u="none" strike="noStrike" dirty="0">
+                <a:solidFill>
+                  <a:srgbClr val="000000"/>
+                </a:solidFill>
+                <a:effectLst/>
+                <a:latin typeface="Helvetica Neue" panose="02000503000000020004" pitchFamily="2" charset="0"/>
+              </a:rPr>
               <a:t> </a:t>
             </a:r>
             <a:r>
-              <a:rPr lang="fr-FR" sz="2000" b="1" dirty="0" err="1"/>
-              <a:t>morning</a:t>
-            </a:r>
-            <a:endParaRPr lang="fr-FR" sz="2000" b="1" dirty="0"/>
+              <a:rPr lang="fr-FR" sz="2400" b="0" i="0" u="none" strike="noStrike" dirty="0" err="1">
+                <a:solidFill>
+                  <a:srgbClr val="000000"/>
+                </a:solidFill>
+                <a:effectLst/>
+                <a:latin typeface="Helvetica Neue" panose="02000503000000020004" pitchFamily="2" charset="0"/>
+              </a:rPr>
+              <a:t>during</a:t>
+            </a:r>
+            <a:r>
+              <a:rPr lang="fr-FR" sz="2400" b="0" i="0" u="none" strike="noStrike" dirty="0">
+                <a:solidFill>
+                  <a:srgbClr val="000000"/>
+                </a:solidFill>
+                <a:effectLst/>
+                <a:latin typeface="Helvetica Neue" panose="02000503000000020004" pitchFamily="2" charset="0"/>
+              </a:rPr>
+              <a:t> the weekend (Friday to Sunday)</a:t>
+            </a:r>
+            <a:endParaRPr lang="fr-FR" sz="2400" dirty="0"/>
+          </a:p>
+        </p:txBody>
+      </p:sp>
+      <p:sp>
+        <p:nvSpPr>
+          <p:cNvPr id="14" name="Rectangle 13">
+            <a:extLst>
+              <a:ext uri="{FF2B5EF4-FFF2-40B4-BE49-F238E27FC236}">
+                <a16:creationId xmlns:a16="http://schemas.microsoft.com/office/drawing/2014/main" id="{DF8CE481-A005-E74D-81AE-DCDF56A8C847}"/>
+              </a:ext>
+            </a:extLst>
+          </p:cNvPr>
+          <p:cNvSpPr/>
+          <p:nvPr/>
+        </p:nvSpPr>
+        <p:spPr>
+          <a:xfrm>
+            <a:off x="1504333" y="1429400"/>
+            <a:ext cx="4591666" cy="461665"/>
+          </a:xfrm>
+          <a:prstGeom prst="rect">
+            <a:avLst/>
+          </a:prstGeom>
+        </p:spPr>
+        <p:txBody>
+          <a:bodyPr wrap="square">
+            <a:spAutoFit/>
+          </a:bodyPr>
+          <a:lstStyle/>
+          <a:p>
+            <a:pPr lvl="1"/>
+            <a:r>
+              <a:rPr lang="en-US" sz="2400" b="1" dirty="0"/>
+              <a:t>Top 100 most visited CBGs</a:t>
+            </a:r>
           </a:p>
         </p:txBody>
       </p:sp>
       <p:pic>
         <p:nvPicPr>
-          <p:cNvPr id="5" name="Picture 4">
-            <a:extLst>
-              <a:ext uri="{FF2B5EF4-FFF2-40B4-BE49-F238E27FC236}">
-                <a16:creationId xmlns:a16="http://schemas.microsoft.com/office/drawing/2014/main" id="{219B014D-FEDE-434D-843A-C749DEFC45B7}"/>
+          <p:cNvPr id="6" name="Picture 5">
+            <a:extLst>
+              <a:ext uri="{FF2B5EF4-FFF2-40B4-BE49-F238E27FC236}">
+                <a16:creationId xmlns:a16="http://schemas.microsoft.com/office/drawing/2014/main" id="{F564AA37-42D4-2847-9C6A-1CE0165CAB49}"/>
               </a:ext>
             </a:extLst>
           </p:cNvPr>
@@ -6361,8 +9661,8 @@
         </p:blipFill>
         <p:spPr>
           <a:xfrm>
-            <a:off x="143002" y="1175085"/>
-            <a:ext cx="4483862" cy="2151773"/>
+            <a:off x="6841017" y="1100756"/>
+            <a:ext cx="4889500" cy="2235200"/>
           </a:xfrm>
           <a:prstGeom prst="rect">
             <a:avLst/>
@@ -6371,10 +9671,10 @@
       </p:pic>
       <p:sp>
         <p:nvSpPr>
-          <p:cNvPr id="16" name="Rectangle 15">
-            <a:extLst>
-              <a:ext uri="{FF2B5EF4-FFF2-40B4-BE49-F238E27FC236}">
-                <a16:creationId xmlns:a16="http://schemas.microsoft.com/office/drawing/2014/main" id="{840503F2-EC47-FB4E-8808-FC54D39A28FA}"/>
+          <p:cNvPr id="18" name="Rectangle 17">
+            <a:extLst>
+              <a:ext uri="{FF2B5EF4-FFF2-40B4-BE49-F238E27FC236}">
+                <a16:creationId xmlns:a16="http://schemas.microsoft.com/office/drawing/2014/main" id="{59688B5B-87AB-0145-858F-69A4715B7318}"/>
               </a:ext>
             </a:extLst>
           </p:cNvPr>
@@ -6383,8 +9683,8 @@
         </p:nvSpPr>
         <p:spPr>
           <a:xfrm>
-            <a:off x="140208" y="6017988"/>
-            <a:ext cx="6382512" cy="400110"/>
+            <a:off x="6411924" y="3276964"/>
+            <a:ext cx="5743282" cy="461665"/>
           </a:xfrm>
           <a:prstGeom prst="rect">
             <a:avLst/>
@@ -6397,47 +9697,47 @@
           <a:lstStyle/>
           <a:p>
             <a:r>
-              <a:rPr lang="fr-FR" sz="2000" b="1" dirty="0"/>
+              <a:rPr lang="fr-FR" sz="2400" b="1" dirty="0"/>
               <a:t>Top 10 </a:t>
             </a:r>
             <a:r>
-              <a:rPr lang="fr-FR" sz="2000" b="1" dirty="0" err="1"/>
+              <a:rPr lang="fr-FR" sz="2400" b="1" dirty="0" err="1"/>
               <a:t>most</a:t>
             </a:r>
             <a:r>
-              <a:rPr lang="fr-FR" sz="2000" b="1" dirty="0"/>
+              <a:rPr lang="fr-FR" sz="2400" b="1" dirty="0"/>
               <a:t> </a:t>
             </a:r>
             <a:r>
-              <a:rPr lang="fr-FR" sz="2000" b="1" dirty="0" err="1"/>
+              <a:rPr lang="fr-FR" sz="2400" b="1" dirty="0" err="1"/>
               <a:t>visited</a:t>
             </a:r>
             <a:r>
-              <a:rPr lang="fr-FR" sz="2000" b="1" dirty="0"/>
+              <a:rPr lang="fr-FR" sz="2400" b="1" dirty="0"/>
               <a:t> brands </a:t>
             </a:r>
             <a:r>
-              <a:rPr lang="fr-FR" sz="2000" b="1" dirty="0" err="1"/>
+              <a:rPr lang="fr-FR" sz="2400" b="1" dirty="0" err="1"/>
               <a:t>during</a:t>
             </a:r>
             <a:r>
-              <a:rPr lang="fr-FR" sz="2000" b="1" dirty="0"/>
-              <a:t> </a:t>
-            </a:r>
-            <a:r>
-              <a:rPr lang="fr-FR" sz="2000" b="1" dirty="0" err="1"/>
-              <a:t>morning</a:t>
-            </a:r>
-            <a:endParaRPr lang="fr-FR" sz="2000" b="1" dirty="0"/>
+              <a:rPr lang="fr-FR" sz="2400" b="1" dirty="0"/>
+              <a:t> the </a:t>
+            </a:r>
+            <a:r>
+              <a:rPr lang="fr-FR" sz="2400" b="1" dirty="0" err="1"/>
+              <a:t>week</a:t>
+            </a:r>
+            <a:endParaRPr lang="fr-FR" sz="2400" b="1" dirty="0"/>
           </a:p>
         </p:txBody>
       </p:sp>
       <p:pic>
         <p:nvPicPr>
-          <p:cNvPr id="13" name="Picture 12">
-            <a:extLst>
-              <a:ext uri="{FF2B5EF4-FFF2-40B4-BE49-F238E27FC236}">
-                <a16:creationId xmlns:a16="http://schemas.microsoft.com/office/drawing/2014/main" id="{21C654DC-DCE2-564D-911E-0869D7EFDEB5}"/>
+          <p:cNvPr id="8" name="Picture 7">
+            <a:extLst>
+              <a:ext uri="{FF2B5EF4-FFF2-40B4-BE49-F238E27FC236}">
+                <a16:creationId xmlns:a16="http://schemas.microsoft.com/office/drawing/2014/main" id="{658D4E49-A1D8-DF4C-8390-DBE956A6CA52}"/>
               </a:ext>
             </a:extLst>
           </p:cNvPr>
@@ -6454,7 +9754,487 @@
         </p:blipFill>
         <p:spPr>
           <a:xfrm>
-            <a:off x="153924" y="3874060"/>
+            <a:off x="6849994" y="3653872"/>
+            <a:ext cx="4667906" cy="2308721"/>
+          </a:xfrm>
+          <a:prstGeom prst="rect">
+            <a:avLst/>
+          </a:prstGeom>
+        </p:spPr>
+      </p:pic>
+      <p:sp>
+        <p:nvSpPr>
+          <p:cNvPr id="21" name="Rectangle 20">
+            <a:extLst>
+              <a:ext uri="{FF2B5EF4-FFF2-40B4-BE49-F238E27FC236}">
+                <a16:creationId xmlns:a16="http://schemas.microsoft.com/office/drawing/2014/main" id="{8BB24937-E531-D447-B428-12F9808C15C0}"/>
+              </a:ext>
+            </a:extLst>
+          </p:cNvPr>
+          <p:cNvSpPr/>
+          <p:nvPr/>
+        </p:nvSpPr>
+        <p:spPr>
+          <a:xfrm>
+            <a:off x="6016752" y="5892584"/>
+            <a:ext cx="6326050" cy="461665"/>
+          </a:xfrm>
+          <a:prstGeom prst="rect">
+            <a:avLst/>
+          </a:prstGeom>
+        </p:spPr>
+        <p:txBody>
+          <a:bodyPr wrap="square">
+            <a:spAutoFit/>
+          </a:bodyPr>
+          <a:lstStyle/>
+          <a:p>
+            <a:r>
+              <a:rPr lang="fr-FR" sz="2400" b="1" dirty="0"/>
+              <a:t>Top 10 </a:t>
+            </a:r>
+            <a:r>
+              <a:rPr lang="fr-FR" sz="2400" b="1" dirty="0" err="1"/>
+              <a:t>most</a:t>
+            </a:r>
+            <a:r>
+              <a:rPr lang="fr-FR" sz="2400" b="1" dirty="0"/>
+              <a:t> </a:t>
+            </a:r>
+            <a:r>
+              <a:rPr lang="fr-FR" sz="2400" b="1" dirty="0" err="1"/>
+              <a:t>visited</a:t>
+            </a:r>
+            <a:r>
+              <a:rPr lang="fr-FR" sz="2400" b="1" dirty="0"/>
+              <a:t> brands </a:t>
+            </a:r>
+            <a:r>
+              <a:rPr lang="fr-FR" sz="2400" b="1" dirty="0" err="1"/>
+              <a:t>during</a:t>
+            </a:r>
+            <a:r>
+              <a:rPr lang="fr-FR" sz="2400" b="1" dirty="0"/>
+              <a:t> the weekend</a:t>
+            </a:r>
+          </a:p>
+        </p:txBody>
+      </p:sp>
+      <p:sp>
+        <p:nvSpPr>
+          <p:cNvPr id="3" name="Slide Number Placeholder 2">
+            <a:extLst>
+              <a:ext uri="{FF2B5EF4-FFF2-40B4-BE49-F238E27FC236}">
+                <a16:creationId xmlns:a16="http://schemas.microsoft.com/office/drawing/2014/main" id="{43C19264-228B-2F47-A522-E310A16D7579}"/>
+              </a:ext>
+            </a:extLst>
+          </p:cNvPr>
+          <p:cNvSpPr>
+            <a:spLocks noGrp="1"/>
+          </p:cNvSpPr>
+          <p:nvPr>
+            <p:ph type="sldNum" sz="quarter" idx="12"/>
+          </p:nvPr>
+        </p:nvSpPr>
+        <p:spPr/>
+        <p:txBody>
+          <a:bodyPr/>
+          <a:lstStyle/>
+          <a:p>
+            <a:fld id="{D2162F12-6F32-264E-B336-B9A8BBC2530F}" type="slidenum">
+              <a:rPr lang="fr-FR" smtClean="0"/>
+              <a:t>6</a:t>
+            </a:fld>
+            <a:endParaRPr lang="fr-FR"/>
+          </a:p>
+        </p:txBody>
+      </p:sp>
+      <p:sp>
+        <p:nvSpPr>
+          <p:cNvPr id="5" name="Footer Placeholder 4">
+            <a:extLst>
+              <a:ext uri="{FF2B5EF4-FFF2-40B4-BE49-F238E27FC236}">
+                <a16:creationId xmlns:a16="http://schemas.microsoft.com/office/drawing/2014/main" id="{81314D19-4F41-5149-A026-D2396752EEB8}"/>
+              </a:ext>
+            </a:extLst>
+          </p:cNvPr>
+          <p:cNvSpPr>
+            <a:spLocks noGrp="1"/>
+          </p:cNvSpPr>
+          <p:nvPr>
+            <p:ph type="ftr" sz="quarter" idx="11"/>
+          </p:nvPr>
+        </p:nvSpPr>
+        <p:spPr/>
+        <p:txBody>
+          <a:bodyPr/>
+          <a:lstStyle/>
+          <a:p>
+            <a:r>
+              <a:rPr lang="fr-FR" dirty="0" err="1"/>
+              <a:t>Exploratory</a:t>
+            </a:r>
+            <a:r>
+              <a:rPr lang="fr-FR" dirty="0"/>
+              <a:t> Data </a:t>
+            </a:r>
+            <a:r>
+              <a:rPr lang="fr-FR" dirty="0" err="1"/>
+              <a:t>Analysis</a:t>
+            </a:r>
+            <a:endParaRPr lang="fr-FR" dirty="0"/>
+          </a:p>
+        </p:txBody>
+      </p:sp>
+      <p:pic>
+        <p:nvPicPr>
+          <p:cNvPr id="19" name="Picture 18">
+            <a:extLst>
+              <a:ext uri="{FF2B5EF4-FFF2-40B4-BE49-F238E27FC236}">
+                <a16:creationId xmlns:a16="http://schemas.microsoft.com/office/drawing/2014/main" id="{0A1F21F5-4CF3-CC43-9FC3-CEBB6B8F0D86}"/>
+              </a:ext>
+            </a:extLst>
+          </p:cNvPr>
+          <p:cNvPicPr>
+            <a:picLocks noChangeAspect="1"/>
+          </p:cNvPicPr>
+          <p:nvPr/>
+        </p:nvPicPr>
+        <p:blipFill rotWithShape="1">
+          <a:blip r:embed="rId6">
+            <a:alphaModFix amt="35000"/>
+          </a:blip>
+          <a:srcRect t="8682" b="11589"/>
+          <a:stretch/>
+        </p:blipFill>
+        <p:spPr>
+          <a:xfrm>
+            <a:off x="0" y="117993"/>
+            <a:ext cx="12193826" cy="6210000"/>
+          </a:xfrm>
+          <a:prstGeom prst="rect">
+            <a:avLst/>
+          </a:prstGeom>
+        </p:spPr>
+      </p:pic>
+    </p:spTree>
+    <p:extLst>
+      <p:ext uri="{BB962C8B-B14F-4D97-AF65-F5344CB8AC3E}">
+        <p14:creationId xmlns:p14="http://schemas.microsoft.com/office/powerpoint/2010/main" val="1670301543"/>
+      </p:ext>
+    </p:extLst>
+  </p:cSld>
+  <p:clrMapOvr>
+    <a:masterClrMapping/>
+  </p:clrMapOvr>
+</p:sld>
+</file>
+
+<file path=ppt/slides/slide7.xml><?xml version="1.0" encoding="utf-8"?>
+<p:sld xmlns:a="http://schemas.openxmlformats.org/drawingml/2006/main" xmlns:r="http://schemas.openxmlformats.org/officeDocument/2006/relationships" xmlns:p="http://schemas.openxmlformats.org/presentationml/2006/main">
+  <p:cSld>
+    <p:spTree>
+      <p:nvGrpSpPr>
+        <p:cNvPr id="1" name=""/>
+        <p:cNvGrpSpPr/>
+        <p:nvPr/>
+      </p:nvGrpSpPr>
+      <p:grpSpPr>
+        <a:xfrm>
+          <a:off x="0" y="0"/>
+          <a:ext cx="0" cy="0"/>
+          <a:chOff x="0" y="0"/>
+          <a:chExt cx="0" cy="0"/>
+        </a:xfrm>
+      </p:grpSpPr>
+      <p:cxnSp>
+        <p:nvCxnSpPr>
+          <p:cNvPr id="9" name="Straight Connector 8">
+            <a:extLst>
+              <a:ext uri="{FF2B5EF4-FFF2-40B4-BE49-F238E27FC236}">
+                <a16:creationId xmlns:a16="http://schemas.microsoft.com/office/drawing/2014/main" id="{55B425AD-7721-8448-AE48-3107DD2CF4C7}"/>
+              </a:ext>
+            </a:extLst>
+          </p:cNvPr>
+          <p:cNvCxnSpPr/>
+          <p:nvPr/>
+        </p:nvCxnSpPr>
+        <p:spPr>
+          <a:xfrm>
+            <a:off x="0" y="1076628"/>
+            <a:ext cx="12211667" cy="0"/>
+          </a:xfrm>
+          <a:prstGeom prst="line">
+            <a:avLst/>
+          </a:prstGeom>
+          <a:ln>
+            <a:solidFill>
+              <a:schemeClr val="tx1"/>
+            </a:solidFill>
+          </a:ln>
+        </p:spPr>
+        <p:style>
+          <a:lnRef idx="1">
+            <a:schemeClr val="accent1"/>
+          </a:lnRef>
+          <a:fillRef idx="0">
+            <a:schemeClr val="accent1"/>
+          </a:fillRef>
+          <a:effectRef idx="0">
+            <a:schemeClr val="accent1"/>
+          </a:effectRef>
+          <a:fontRef idx="minor">
+            <a:schemeClr val="tx1"/>
+          </a:fontRef>
+        </p:style>
+      </p:cxnSp>
+      <p:sp>
+        <p:nvSpPr>
+          <p:cNvPr id="10" name="Title 1">
+            <a:extLst>
+              <a:ext uri="{FF2B5EF4-FFF2-40B4-BE49-F238E27FC236}">
+                <a16:creationId xmlns:a16="http://schemas.microsoft.com/office/drawing/2014/main" id="{34498A9E-7F8D-E144-A898-7BBBF5C5A87A}"/>
+              </a:ext>
+            </a:extLst>
+          </p:cNvPr>
+          <p:cNvSpPr txBox="1">
+            <a:spLocks/>
+          </p:cNvSpPr>
+          <p:nvPr/>
+        </p:nvSpPr>
+        <p:spPr>
+          <a:xfrm>
+            <a:off x="3683409" y="250725"/>
+            <a:ext cx="4825181" cy="923772"/>
+          </a:xfrm>
+          <a:prstGeom prst="rect">
+            <a:avLst/>
+          </a:prstGeom>
+        </p:spPr>
+        <p:txBody>
+          <a:bodyPr vert="horz" lIns="91440" tIns="45720" rIns="91440" bIns="45720" rtlCol="0" anchor="ctr">
+            <a:normAutofit/>
+          </a:bodyPr>
+          <a:lstStyle>
+            <a:lvl1pPr algn="l" defTabSz="914400" rtl="0" eaLnBrk="1" latinLnBrk="0" hangingPunct="1">
+              <a:lnSpc>
+                <a:spcPct val="90000"/>
+              </a:lnSpc>
+              <a:spcBef>
+                <a:spcPct val="0"/>
+              </a:spcBef>
+              <a:buNone/>
+              <a:defRPr sz="4400" kern="1200">
+                <a:solidFill>
+                  <a:schemeClr val="tx1"/>
+                </a:solidFill>
+                <a:latin typeface="+mj-lt"/>
+                <a:ea typeface="+mj-ea"/>
+                <a:cs typeface="+mj-cs"/>
+              </a:defRPr>
+            </a:lvl1pPr>
+          </a:lstStyle>
+          <a:p>
+            <a:pPr algn="ctr"/>
+            <a:r>
+              <a:rPr lang="fr-FR" b="1" dirty="0"/>
+              <a:t>Initial </a:t>
+            </a:r>
+            <a:r>
+              <a:rPr lang="fr-FR" b="1" dirty="0" err="1"/>
+              <a:t>findings</a:t>
+            </a:r>
+            <a:endParaRPr lang="fr-FR" b="1" dirty="0"/>
+          </a:p>
+        </p:txBody>
+      </p:sp>
+      <p:sp>
+        <p:nvSpPr>
+          <p:cNvPr id="18" name="Rectangle 17">
+            <a:extLst>
+              <a:ext uri="{FF2B5EF4-FFF2-40B4-BE49-F238E27FC236}">
+                <a16:creationId xmlns:a16="http://schemas.microsoft.com/office/drawing/2014/main" id="{59688B5B-87AB-0145-858F-69A4715B7318}"/>
+              </a:ext>
+            </a:extLst>
+          </p:cNvPr>
+          <p:cNvSpPr/>
+          <p:nvPr/>
+        </p:nvSpPr>
+        <p:spPr>
+          <a:xfrm>
+            <a:off x="27432" y="3249778"/>
+            <a:ext cx="6382512" cy="400110"/>
+          </a:xfrm>
+          <a:prstGeom prst="rect">
+            <a:avLst/>
+          </a:prstGeom>
+        </p:spPr>
+        <p:txBody>
+          <a:bodyPr wrap="square">
+            <a:spAutoFit/>
+          </a:bodyPr>
+          <a:lstStyle/>
+          <a:p>
+            <a:r>
+              <a:rPr lang="fr-FR" sz="2000" b="1" dirty="0"/>
+              <a:t>Top 10 </a:t>
+            </a:r>
+            <a:r>
+              <a:rPr lang="fr-FR" sz="2000" b="1" dirty="0" err="1"/>
+              <a:t>most</a:t>
+            </a:r>
+            <a:r>
+              <a:rPr lang="fr-FR" sz="2000" b="1" dirty="0"/>
+              <a:t> </a:t>
+            </a:r>
+            <a:r>
+              <a:rPr lang="fr-FR" sz="2000" b="1" dirty="0" err="1"/>
+              <a:t>visited</a:t>
+            </a:r>
+            <a:r>
+              <a:rPr lang="fr-FR" sz="2000" b="1" dirty="0"/>
+              <a:t> brands </a:t>
+            </a:r>
+            <a:r>
+              <a:rPr lang="fr-FR" sz="2000" b="1" dirty="0" err="1"/>
+              <a:t>during</a:t>
+            </a:r>
+            <a:r>
+              <a:rPr lang="fr-FR" sz="2000" b="1" dirty="0"/>
+              <a:t> </a:t>
+            </a:r>
+            <a:r>
+              <a:rPr lang="fr-FR" sz="2000" b="1" dirty="0" err="1"/>
+              <a:t>early</a:t>
+            </a:r>
+            <a:r>
+              <a:rPr lang="fr-FR" sz="2000" b="1" dirty="0"/>
+              <a:t> </a:t>
+            </a:r>
+            <a:r>
+              <a:rPr lang="fr-FR" sz="2000" b="1" dirty="0" err="1"/>
+              <a:t>morning</a:t>
+            </a:r>
+            <a:endParaRPr lang="fr-FR" sz="2000" b="1" dirty="0"/>
+          </a:p>
+        </p:txBody>
+      </p:sp>
+      <p:pic>
+        <p:nvPicPr>
+          <p:cNvPr id="5" name="Picture 4">
+            <a:extLst>
+              <a:ext uri="{FF2B5EF4-FFF2-40B4-BE49-F238E27FC236}">
+                <a16:creationId xmlns:a16="http://schemas.microsoft.com/office/drawing/2014/main" id="{219B014D-FEDE-434D-843A-C749DEFC45B7}"/>
+              </a:ext>
+            </a:extLst>
+          </p:cNvPr>
+          <p:cNvPicPr>
+            <a:picLocks noChangeAspect="1"/>
+          </p:cNvPicPr>
+          <p:nvPr/>
+        </p:nvPicPr>
+        <p:blipFill>
+          <a:blip r:embed="rId3"/>
+          <a:stretch>
+            <a:fillRect/>
+          </a:stretch>
+        </p:blipFill>
+        <p:spPr>
+          <a:xfrm>
+            <a:off x="143002" y="1175085"/>
+            <a:ext cx="4483862" cy="2151773"/>
+          </a:xfrm>
+          <a:prstGeom prst="rect">
+            <a:avLst/>
+          </a:prstGeom>
+        </p:spPr>
+      </p:pic>
+      <p:sp>
+        <p:nvSpPr>
+          <p:cNvPr id="16" name="Rectangle 15">
+            <a:extLst>
+              <a:ext uri="{FF2B5EF4-FFF2-40B4-BE49-F238E27FC236}">
+                <a16:creationId xmlns:a16="http://schemas.microsoft.com/office/drawing/2014/main" id="{840503F2-EC47-FB4E-8808-FC54D39A28FA}"/>
+              </a:ext>
+            </a:extLst>
+          </p:cNvPr>
+          <p:cNvSpPr/>
+          <p:nvPr/>
+        </p:nvSpPr>
+        <p:spPr>
+          <a:xfrm>
+            <a:off x="81216" y="5693526"/>
+            <a:ext cx="6382512" cy="400110"/>
+          </a:xfrm>
+          <a:prstGeom prst="rect">
+            <a:avLst/>
+          </a:prstGeom>
+        </p:spPr>
+        <p:txBody>
+          <a:bodyPr wrap="square">
+            <a:spAutoFit/>
+          </a:bodyPr>
+          <a:lstStyle/>
+          <a:p>
+            <a:r>
+              <a:rPr lang="fr-FR" sz="2000" b="1" dirty="0"/>
+              <a:t>Top 10 </a:t>
+            </a:r>
+            <a:r>
+              <a:rPr lang="fr-FR" sz="2000" b="1" dirty="0" err="1"/>
+              <a:t>most</a:t>
+            </a:r>
+            <a:r>
+              <a:rPr lang="fr-FR" sz="2000" b="1" dirty="0"/>
+              <a:t> </a:t>
+            </a:r>
+            <a:r>
+              <a:rPr lang="fr-FR" sz="2000" b="1" dirty="0" err="1"/>
+              <a:t>visited</a:t>
+            </a:r>
+            <a:r>
+              <a:rPr lang="fr-FR" sz="2000" b="1" dirty="0"/>
+              <a:t> brands </a:t>
+            </a:r>
+            <a:r>
+              <a:rPr lang="fr-FR" sz="2000" b="1" dirty="0" err="1"/>
+              <a:t>during</a:t>
+            </a:r>
+            <a:r>
+              <a:rPr lang="fr-FR" sz="2000" b="1" dirty="0"/>
+              <a:t> </a:t>
+            </a:r>
+            <a:r>
+              <a:rPr lang="fr-FR" sz="2000" b="1" dirty="0" err="1"/>
+              <a:t>morning</a:t>
+            </a:r>
+            <a:endParaRPr lang="fr-FR" sz="2000" b="1" dirty="0"/>
+          </a:p>
+        </p:txBody>
+      </p:sp>
+      <p:pic>
+        <p:nvPicPr>
+          <p:cNvPr id="13" name="Picture 12">
+            <a:extLst>
+              <a:ext uri="{FF2B5EF4-FFF2-40B4-BE49-F238E27FC236}">
+                <a16:creationId xmlns:a16="http://schemas.microsoft.com/office/drawing/2014/main" id="{21C654DC-DCE2-564D-911E-0869D7EFDEB5}"/>
+              </a:ext>
+            </a:extLst>
+          </p:cNvPr>
+          <p:cNvPicPr>
+            <a:picLocks noChangeAspect="1"/>
+          </p:cNvPicPr>
+          <p:nvPr/>
+        </p:nvPicPr>
+        <p:blipFill>
+          <a:blip r:embed="rId4"/>
+          <a:stretch>
+            <a:fillRect/>
+          </a:stretch>
+        </p:blipFill>
+        <p:spPr>
+          <a:xfrm>
+            <a:off x="153924" y="3652840"/>
             <a:ext cx="4690745" cy="2047083"/>
           </a:xfrm>
           <a:prstGeom prst="rect">
@@ -6468,6 +10248,99 @@
             <a:extLst>
               <a:ext uri="{FF2B5EF4-FFF2-40B4-BE49-F238E27FC236}">
                 <a16:creationId xmlns:a16="http://schemas.microsoft.com/office/drawing/2014/main" id="{341AA3AC-7A21-5F4F-877A-24ED02966B07}"/>
+              </a:ext>
+            </a:extLst>
+          </p:cNvPr>
+          <p:cNvPicPr>
+            <a:picLocks noChangeAspect="1"/>
+          </p:cNvPicPr>
+          <p:nvPr/>
+        </p:nvPicPr>
+        <p:blipFill>
+          <a:blip r:embed="rId5"/>
+          <a:stretch>
+            <a:fillRect/>
+          </a:stretch>
+        </p:blipFill>
+        <p:spPr>
+          <a:xfrm>
+            <a:off x="6382512" y="1173562"/>
+            <a:ext cx="4483862" cy="2099586"/>
+          </a:xfrm>
+          <a:prstGeom prst="rect">
+            <a:avLst/>
+          </a:prstGeom>
+        </p:spPr>
+      </p:pic>
+      <p:sp>
+        <p:nvSpPr>
+          <p:cNvPr id="22" name="Rectangle 21">
+            <a:extLst>
+              <a:ext uri="{FF2B5EF4-FFF2-40B4-BE49-F238E27FC236}">
+                <a16:creationId xmlns:a16="http://schemas.microsoft.com/office/drawing/2014/main" id="{87339628-3CB3-0144-9549-F66EBD2457C6}"/>
+              </a:ext>
+            </a:extLst>
+          </p:cNvPr>
+          <p:cNvSpPr/>
+          <p:nvPr/>
+        </p:nvSpPr>
+        <p:spPr>
+          <a:xfrm>
+            <a:off x="6382512" y="3194126"/>
+            <a:ext cx="6382512" cy="400110"/>
+          </a:xfrm>
+          <a:prstGeom prst="rect">
+            <a:avLst/>
+          </a:prstGeom>
+        </p:spPr>
+        <p:txBody>
+          <a:bodyPr wrap="square">
+            <a:spAutoFit/>
+          </a:bodyPr>
+          <a:lstStyle/>
+          <a:p>
+            <a:r>
+              <a:rPr lang="fr-FR" sz="2000" b="1" dirty="0"/>
+              <a:t>Top 10 </a:t>
+            </a:r>
+            <a:r>
+              <a:rPr lang="fr-FR" sz="2000" b="1" dirty="0" err="1"/>
+              <a:t>most</a:t>
+            </a:r>
+            <a:r>
+              <a:rPr lang="fr-FR" sz="2000" b="1" dirty="0"/>
+              <a:t> </a:t>
+            </a:r>
+            <a:r>
+              <a:rPr lang="fr-FR" sz="2000" b="1" dirty="0" err="1"/>
+              <a:t>visited</a:t>
+            </a:r>
+            <a:r>
+              <a:rPr lang="fr-FR" sz="2000" b="1" dirty="0"/>
+              <a:t> brands </a:t>
+            </a:r>
+            <a:r>
+              <a:rPr lang="fr-FR" sz="2000" b="1" dirty="0" err="1"/>
+              <a:t>during</a:t>
+            </a:r>
+            <a:r>
+              <a:rPr lang="fr-FR" sz="2000" b="1" dirty="0"/>
+              <a:t> </a:t>
+            </a:r>
+            <a:r>
+              <a:rPr lang="fr-FR" sz="2000" b="1" dirty="0" err="1"/>
+              <a:t>afternoon</a:t>
+            </a:r>
+            <a:endParaRPr lang="fr-FR" sz="2000" b="1" dirty="0"/>
+          </a:p>
+        </p:txBody>
+      </p:sp>
+      <p:pic>
+        <p:nvPicPr>
+          <p:cNvPr id="20" name="Picture 19">
+            <a:extLst>
+              <a:ext uri="{FF2B5EF4-FFF2-40B4-BE49-F238E27FC236}">
+                <a16:creationId xmlns:a16="http://schemas.microsoft.com/office/drawing/2014/main" id="{D684B94A-3779-AE4E-BC3F-A0457C43BE69}"/>
               </a:ext>
             </a:extLst>
           </p:cNvPr>
@@ -6484,8 +10357,8 @@
         </p:blipFill>
         <p:spPr>
           <a:xfrm>
-            <a:off x="6382512" y="1173562"/>
-            <a:ext cx="4483862" cy="2099586"/>
+            <a:off x="6382512" y="3593848"/>
+            <a:ext cx="4264025" cy="2350250"/>
           </a:xfrm>
           <a:prstGeom prst="rect">
             <a:avLst/>
@@ -6494,10 +10367,10 @@
       </p:pic>
       <p:sp>
         <p:nvSpPr>
-          <p:cNvPr id="22" name="Rectangle 21">
-            <a:extLst>
-              <a:ext uri="{FF2B5EF4-FFF2-40B4-BE49-F238E27FC236}">
-                <a16:creationId xmlns:a16="http://schemas.microsoft.com/office/drawing/2014/main" id="{87339628-3CB3-0144-9549-F66EBD2457C6}"/>
+          <p:cNvPr id="24" name="Rectangle 23">
+            <a:extLst>
+              <a:ext uri="{FF2B5EF4-FFF2-40B4-BE49-F238E27FC236}">
+                <a16:creationId xmlns:a16="http://schemas.microsoft.com/office/drawing/2014/main" id="{57576855-96F5-7D43-BB2C-7C4A857B4D0B}"/>
               </a:ext>
             </a:extLst>
           </p:cNvPr>
@@ -6506,7 +10379,7 @@
         </p:nvSpPr>
         <p:spPr>
           <a:xfrm>
-            <a:off x="6382512" y="3326858"/>
+            <a:off x="6405372" y="5877422"/>
             <a:ext cx="6382512" cy="400110"/>
           </a:xfrm>
           <a:prstGeom prst="rect">
@@ -6549,7 +10422,7 @@
             </a:r>
             <a:r>
               <a:rPr lang="fr-FR" sz="2000" b="1" dirty="0" err="1"/>
-              <a:t>afternoon</a:t>
+              <a:t>evening</a:t>
             </a:r>
             <a:endParaRPr lang="fr-FR" sz="2000" b="1" dirty="0"/>
           </a:p>
@@ -6557,10 +10430,10 @@
       </p:sp>
       <p:pic>
         <p:nvPicPr>
-          <p:cNvPr id="20" name="Picture 19">
-            <a:extLst>
-              <a:ext uri="{FF2B5EF4-FFF2-40B4-BE49-F238E27FC236}">
-                <a16:creationId xmlns:a16="http://schemas.microsoft.com/office/drawing/2014/main" id="{D684B94A-3779-AE4E-BC3F-A0457C43BE69}"/>
+          <p:cNvPr id="25" name="Picture 24">
+            <a:extLst>
+              <a:ext uri="{FF2B5EF4-FFF2-40B4-BE49-F238E27FC236}">
+                <a16:creationId xmlns:a16="http://schemas.microsoft.com/office/drawing/2014/main" id="{BB369C33-7829-2647-A71E-FB576AD3DACC}"/>
               </a:ext>
             </a:extLst>
           </p:cNvPr>
@@ -6569,91 +10442,27 @@
           </p:cNvPicPr>
           <p:nvPr/>
         </p:nvPicPr>
-        <p:blipFill>
+        <p:blipFill rotWithShape="1">
           <a:blip r:embed="rId7"/>
-          <a:stretch>
-            <a:fillRect/>
-          </a:stretch>
+          <a:srcRect l="21929" t="24395" r="24058" b="23868"/>
+          <a:stretch/>
         </p:blipFill>
         <p:spPr>
           <a:xfrm>
-            <a:off x="6382512" y="3874060"/>
-            <a:ext cx="4264025" cy="2350250"/>
-          </a:xfrm>
-          <a:prstGeom prst="rect">
+            <a:off x="4654295" y="1465212"/>
+            <a:ext cx="1270763" cy="1217165"/>
+          </a:xfrm>
+          <a:prstGeom prst="ellipse">
             <a:avLst/>
           </a:prstGeom>
         </p:spPr>
       </p:pic>
-      <p:sp>
-        <p:nvSpPr>
-          <p:cNvPr id="24" name="Rectangle 23">
-            <a:extLst>
-              <a:ext uri="{FF2B5EF4-FFF2-40B4-BE49-F238E27FC236}">
-                <a16:creationId xmlns:a16="http://schemas.microsoft.com/office/drawing/2014/main" id="{57576855-96F5-7D43-BB2C-7C4A857B4D0B}"/>
-              </a:ext>
-            </a:extLst>
-          </p:cNvPr>
-          <p:cNvSpPr/>
-          <p:nvPr/>
-        </p:nvSpPr>
-        <p:spPr>
-          <a:xfrm>
-            <a:off x="6405372" y="6187135"/>
-            <a:ext cx="6382512" cy="400110"/>
-          </a:xfrm>
-          <a:prstGeom prst="rect">
-            <a:avLst/>
-          </a:prstGeom>
-        </p:spPr>
-        <p:txBody>
-          <a:bodyPr wrap="square">
-            <a:spAutoFit/>
-          </a:bodyPr>
-          <a:lstStyle/>
-          <a:p>
-            <a:r>
-              <a:rPr lang="fr-FR" sz="2000" b="1" dirty="0"/>
-              <a:t>Top 10 </a:t>
-            </a:r>
-            <a:r>
-              <a:rPr lang="fr-FR" sz="2000" b="1" dirty="0" err="1"/>
-              <a:t>most</a:t>
-            </a:r>
-            <a:r>
-              <a:rPr lang="fr-FR" sz="2000" b="1" dirty="0"/>
-              <a:t> </a:t>
-            </a:r>
-            <a:r>
-              <a:rPr lang="fr-FR" sz="2000" b="1" dirty="0" err="1"/>
-              <a:t>visited</a:t>
-            </a:r>
-            <a:r>
-              <a:rPr lang="fr-FR" sz="2000" b="1" dirty="0"/>
-              <a:t> brands </a:t>
-            </a:r>
-            <a:r>
-              <a:rPr lang="fr-FR" sz="2000" b="1" dirty="0" err="1"/>
-              <a:t>during</a:t>
-            </a:r>
-            <a:r>
-              <a:rPr lang="fr-FR" sz="2000" b="1" dirty="0"/>
-              <a:t> </a:t>
-            </a:r>
-            <a:r>
-              <a:rPr lang="fr-FR" sz="2000" b="1" dirty="0" err="1"/>
-              <a:t>evening</a:t>
-            </a:r>
-            <a:endParaRPr lang="fr-FR" sz="2000" b="1" dirty="0"/>
-          </a:p>
-        </p:txBody>
-      </p:sp>
       <p:pic>
         <p:nvPicPr>
-          <p:cNvPr id="25" name="Picture 24">
-            <a:extLst>
-              <a:ext uri="{FF2B5EF4-FFF2-40B4-BE49-F238E27FC236}">
-                <a16:creationId xmlns:a16="http://schemas.microsoft.com/office/drawing/2014/main" id="{BB369C33-7829-2647-A71E-FB576AD3DACC}"/>
+          <p:cNvPr id="28" name="Picture 27">
+            <a:extLst>
+              <a:ext uri="{FF2B5EF4-FFF2-40B4-BE49-F238E27FC236}">
+                <a16:creationId xmlns:a16="http://schemas.microsoft.com/office/drawing/2014/main" id="{DA71DF4A-AA64-DB48-B520-A9AFF223693A}"/>
               </a:ext>
             </a:extLst>
           </p:cNvPr>
@@ -6664,13 +10473,13 @@
         </p:nvPicPr>
         <p:blipFill rotWithShape="1">
           <a:blip r:embed="rId8"/>
-          <a:srcRect l="21929" t="24395" r="24058" b="23868"/>
+          <a:srcRect t="3656" b="10514"/>
           <a:stretch/>
         </p:blipFill>
         <p:spPr>
           <a:xfrm>
-            <a:off x="4654295" y="1465212"/>
-            <a:ext cx="1270763" cy="1217165"/>
+            <a:off x="4981940" y="4312792"/>
+            <a:ext cx="1263300" cy="1169617"/>
           </a:xfrm>
           <a:prstGeom prst="ellipse">
             <a:avLst/>
@@ -6679,10 +10488,10 @@
       </p:pic>
       <p:pic>
         <p:nvPicPr>
-          <p:cNvPr id="28" name="Picture 27">
-            <a:extLst>
-              <a:ext uri="{FF2B5EF4-FFF2-40B4-BE49-F238E27FC236}">
-                <a16:creationId xmlns:a16="http://schemas.microsoft.com/office/drawing/2014/main" id="{DA71DF4A-AA64-DB48-B520-A9AFF223693A}"/>
+          <p:cNvPr id="29" name="Picture 28">
+            <a:extLst>
+              <a:ext uri="{FF2B5EF4-FFF2-40B4-BE49-F238E27FC236}">
+                <a16:creationId xmlns:a16="http://schemas.microsoft.com/office/drawing/2014/main" id="{B2B40C88-9DB9-F946-B96A-A968CFA9B429}"/>
               </a:ext>
             </a:extLst>
           </p:cNvPr>
@@ -6692,14 +10501,14 @@
           <p:nvPr/>
         </p:nvPicPr>
         <p:blipFill rotWithShape="1">
-          <a:blip r:embed="rId9"/>
-          <a:srcRect t="3656" b="10514"/>
+          <a:blip r:embed="rId7"/>
+          <a:srcRect l="21929" t="24395" r="24058" b="23868"/>
           <a:stretch/>
         </p:blipFill>
         <p:spPr>
           <a:xfrm>
-            <a:off x="4981940" y="4312792"/>
-            <a:ext cx="1263300" cy="1169617"/>
+            <a:off x="10679566" y="1470190"/>
+            <a:ext cx="1270763" cy="1217165"/>
           </a:xfrm>
           <a:prstGeom prst="ellipse">
             <a:avLst/>
@@ -6708,10 +10517,10 @@
       </p:pic>
       <p:pic>
         <p:nvPicPr>
-          <p:cNvPr id="29" name="Picture 28">
-            <a:extLst>
-              <a:ext uri="{FF2B5EF4-FFF2-40B4-BE49-F238E27FC236}">
-                <a16:creationId xmlns:a16="http://schemas.microsoft.com/office/drawing/2014/main" id="{B2B40C88-9DB9-F946-B96A-A968CFA9B429}"/>
+          <p:cNvPr id="30" name="Picture 29">
+            <a:extLst>
+              <a:ext uri="{FF2B5EF4-FFF2-40B4-BE49-F238E27FC236}">
+                <a16:creationId xmlns:a16="http://schemas.microsoft.com/office/drawing/2014/main" id="{C2E29022-9D46-B046-BB5D-A04E1639D6DA}"/>
               </a:ext>
             </a:extLst>
           </p:cNvPr>
@@ -6722,25 +10531,227 @@
         </p:nvPicPr>
         <p:blipFill rotWithShape="1">
           <a:blip r:embed="rId8"/>
-          <a:srcRect l="21929" t="24395" r="24058" b="23868"/>
+          <a:srcRect t="3656" b="10514"/>
           <a:stretch/>
         </p:blipFill>
         <p:spPr>
           <a:xfrm>
-            <a:off x="10886040" y="1470190"/>
-            <a:ext cx="1270763" cy="1217165"/>
+            <a:off x="10704560" y="4309616"/>
+            <a:ext cx="1263300" cy="1169617"/>
           </a:xfrm>
           <a:prstGeom prst="ellipse">
             <a:avLst/>
           </a:prstGeom>
         </p:spPr>
       </p:pic>
+      <p:sp>
+        <p:nvSpPr>
+          <p:cNvPr id="31" name="Rectangle 30">
+            <a:extLst>
+              <a:ext uri="{FF2B5EF4-FFF2-40B4-BE49-F238E27FC236}">
+                <a16:creationId xmlns:a16="http://schemas.microsoft.com/office/drawing/2014/main" id="{C81632FD-A60E-1F4A-8564-4887E5C3B659}"/>
+              </a:ext>
+            </a:extLst>
+          </p:cNvPr>
+          <p:cNvSpPr/>
+          <p:nvPr/>
+        </p:nvSpPr>
+        <p:spPr>
+          <a:xfrm>
+            <a:off x="11084499" y="2763283"/>
+            <a:ext cx="597408" cy="400110"/>
+          </a:xfrm>
+          <a:prstGeom prst="rect">
+            <a:avLst/>
+          </a:prstGeom>
+        </p:spPr>
+        <p:txBody>
+          <a:bodyPr wrap="square">
+            <a:spAutoFit/>
+          </a:bodyPr>
+          <a:lstStyle/>
+          <a:p>
+            <a:r>
+              <a:rPr lang="fr-FR" sz="2000" b="1" dirty="0"/>
+              <a:t>PM</a:t>
+            </a:r>
+          </a:p>
+        </p:txBody>
+      </p:sp>
+      <p:sp>
+        <p:nvSpPr>
+          <p:cNvPr id="33" name="Rectangle 32">
+            <a:extLst>
+              <a:ext uri="{FF2B5EF4-FFF2-40B4-BE49-F238E27FC236}">
+                <a16:creationId xmlns:a16="http://schemas.microsoft.com/office/drawing/2014/main" id="{F91B0458-D347-CF48-BA3E-E42F5B0CD83B}"/>
+              </a:ext>
+            </a:extLst>
+          </p:cNvPr>
+          <p:cNvSpPr/>
+          <p:nvPr/>
+        </p:nvSpPr>
+        <p:spPr>
+          <a:xfrm>
+            <a:off x="11120564" y="5550100"/>
+            <a:ext cx="597408" cy="400110"/>
+          </a:xfrm>
+          <a:prstGeom prst="rect">
+            <a:avLst/>
+          </a:prstGeom>
+        </p:spPr>
+        <p:txBody>
+          <a:bodyPr wrap="square">
+            <a:spAutoFit/>
+          </a:bodyPr>
+          <a:lstStyle/>
+          <a:p>
+            <a:r>
+              <a:rPr lang="fr-FR" sz="2000" b="1" dirty="0"/>
+              <a:t>PM</a:t>
+            </a:r>
+          </a:p>
+        </p:txBody>
+      </p:sp>
+      <p:sp>
+        <p:nvSpPr>
+          <p:cNvPr id="34" name="Rectangle 33">
+            <a:extLst>
+              <a:ext uri="{FF2B5EF4-FFF2-40B4-BE49-F238E27FC236}">
+                <a16:creationId xmlns:a16="http://schemas.microsoft.com/office/drawing/2014/main" id="{A89E4955-F7AD-664A-BD28-F91FF87AE0DD}"/>
+              </a:ext>
+            </a:extLst>
+          </p:cNvPr>
+          <p:cNvSpPr/>
+          <p:nvPr/>
+        </p:nvSpPr>
+        <p:spPr>
+          <a:xfrm>
+            <a:off x="5084318" y="2751187"/>
+            <a:ext cx="597408" cy="400110"/>
+          </a:xfrm>
+          <a:prstGeom prst="rect">
+            <a:avLst/>
+          </a:prstGeom>
+        </p:spPr>
+        <p:txBody>
+          <a:bodyPr wrap="square">
+            <a:spAutoFit/>
+          </a:bodyPr>
+          <a:lstStyle/>
+          <a:p>
+            <a:r>
+              <a:rPr lang="fr-FR" sz="2000" b="1" dirty="0"/>
+              <a:t>AM</a:t>
+            </a:r>
+          </a:p>
+        </p:txBody>
+      </p:sp>
+      <p:sp>
+        <p:nvSpPr>
+          <p:cNvPr id="35" name="Rectangle 34">
+            <a:extLst>
+              <a:ext uri="{FF2B5EF4-FFF2-40B4-BE49-F238E27FC236}">
+                <a16:creationId xmlns:a16="http://schemas.microsoft.com/office/drawing/2014/main" id="{7CCE2B6D-806F-8840-A025-608F08D25D7F}"/>
+              </a:ext>
+            </a:extLst>
+          </p:cNvPr>
+          <p:cNvSpPr/>
+          <p:nvPr/>
+        </p:nvSpPr>
+        <p:spPr>
+          <a:xfrm>
+            <a:off x="5292978" y="5540911"/>
+            <a:ext cx="597408" cy="400110"/>
+          </a:xfrm>
+          <a:prstGeom prst="rect">
+            <a:avLst/>
+          </a:prstGeom>
+        </p:spPr>
+        <p:txBody>
+          <a:bodyPr wrap="square">
+            <a:spAutoFit/>
+          </a:bodyPr>
+          <a:lstStyle/>
+          <a:p>
+            <a:r>
+              <a:rPr lang="fr-FR" sz="2000" b="1" dirty="0"/>
+              <a:t>AM</a:t>
+            </a:r>
+          </a:p>
+        </p:txBody>
+      </p:sp>
+      <p:sp>
+        <p:nvSpPr>
+          <p:cNvPr id="2" name="Slide Number Placeholder 1">
+            <a:extLst>
+              <a:ext uri="{FF2B5EF4-FFF2-40B4-BE49-F238E27FC236}">
+                <a16:creationId xmlns:a16="http://schemas.microsoft.com/office/drawing/2014/main" id="{36A96C12-8A52-B34E-8DB6-4286B26ADD8A}"/>
+              </a:ext>
+            </a:extLst>
+          </p:cNvPr>
+          <p:cNvSpPr>
+            <a:spLocks noGrp="1"/>
+          </p:cNvSpPr>
+          <p:nvPr>
+            <p:ph type="sldNum" sz="quarter" idx="12"/>
+          </p:nvPr>
+        </p:nvSpPr>
+        <p:spPr/>
+        <p:txBody>
+          <a:bodyPr/>
+          <a:lstStyle/>
+          <a:p>
+            <a:fld id="{D2162F12-6F32-264E-B336-B9A8BBC2530F}" type="slidenum">
+              <a:rPr lang="fr-FR" smtClean="0"/>
+              <a:t>7</a:t>
+            </a:fld>
+            <a:endParaRPr lang="fr-FR"/>
+          </a:p>
+        </p:txBody>
+      </p:sp>
+      <p:sp>
+        <p:nvSpPr>
+          <p:cNvPr id="3" name="Footer Placeholder 2">
+            <a:extLst>
+              <a:ext uri="{FF2B5EF4-FFF2-40B4-BE49-F238E27FC236}">
+                <a16:creationId xmlns:a16="http://schemas.microsoft.com/office/drawing/2014/main" id="{BC132929-AFA8-914B-A205-3DB94498310A}"/>
+              </a:ext>
+            </a:extLst>
+          </p:cNvPr>
+          <p:cNvSpPr>
+            <a:spLocks noGrp="1"/>
+          </p:cNvSpPr>
+          <p:nvPr>
+            <p:ph type="ftr" sz="quarter" idx="11"/>
+          </p:nvPr>
+        </p:nvSpPr>
+        <p:spPr/>
+        <p:txBody>
+          <a:bodyPr/>
+          <a:lstStyle/>
+          <a:p>
+            <a:r>
+              <a:rPr lang="fr-FR" dirty="0" err="1"/>
+              <a:t>Exploratory</a:t>
+            </a:r>
+            <a:r>
+              <a:rPr lang="fr-FR" dirty="0"/>
+              <a:t> Data </a:t>
+            </a:r>
+            <a:r>
+              <a:rPr lang="fr-FR" dirty="0" err="1"/>
+              <a:t>Analysis</a:t>
+            </a:r>
+            <a:endParaRPr lang="fr-FR" dirty="0"/>
+          </a:p>
+        </p:txBody>
+      </p:sp>
       <p:pic>
         <p:nvPicPr>
-          <p:cNvPr id="30" name="Picture 29">
-            <a:extLst>
-              <a:ext uri="{FF2B5EF4-FFF2-40B4-BE49-F238E27FC236}">
-                <a16:creationId xmlns:a16="http://schemas.microsoft.com/office/drawing/2014/main" id="{C2E29022-9D46-B046-BB5D-A04E1639D6DA}"/>
+          <p:cNvPr id="27" name="Picture 26">
+            <a:extLst>
+              <a:ext uri="{FF2B5EF4-FFF2-40B4-BE49-F238E27FC236}">
+                <a16:creationId xmlns:a16="http://schemas.microsoft.com/office/drawing/2014/main" id="{75B2C139-1486-BE47-8C17-12727EC6CE5E}"/>
               </a:ext>
             </a:extLst>
           </p:cNvPr>
@@ -6750,160 +10761,883 @@
           <p:nvPr/>
         </p:nvPicPr>
         <p:blipFill rotWithShape="1">
-          <a:blip r:embed="rId9"/>
-          <a:srcRect t="3656" b="10514"/>
+          <a:blip r:embed="rId9">
+            <a:alphaModFix amt="35000"/>
+          </a:blip>
+          <a:srcRect t="8682" b="11589"/>
           <a:stretch/>
         </p:blipFill>
         <p:spPr>
           <a:xfrm>
-            <a:off x="10704560" y="4309616"/>
-            <a:ext cx="1263300" cy="1169617"/>
-          </a:xfrm>
-          <a:prstGeom prst="ellipse">
-            <a:avLst/>
-          </a:prstGeom>
-        </p:spPr>
-      </p:pic>
-      <p:sp>
-        <p:nvSpPr>
-          <p:cNvPr id="31" name="Rectangle 30">
-            <a:extLst>
-              <a:ext uri="{FF2B5EF4-FFF2-40B4-BE49-F238E27FC236}">
-                <a16:creationId xmlns:a16="http://schemas.microsoft.com/office/drawing/2014/main" id="{C81632FD-A60E-1F4A-8564-4887E5C3B659}"/>
-              </a:ext>
-            </a:extLst>
-          </p:cNvPr>
-          <p:cNvSpPr/>
-          <p:nvPr/>
-        </p:nvSpPr>
-        <p:spPr>
-          <a:xfrm>
-            <a:off x="11305722" y="2763283"/>
-            <a:ext cx="597408" cy="400110"/>
+            <a:off x="0" y="117993"/>
+            <a:ext cx="12193826" cy="6210000"/>
           </a:xfrm>
           <a:prstGeom prst="rect">
             <a:avLst/>
           </a:prstGeom>
         </p:spPr>
-        <p:txBody>
-          <a:bodyPr wrap="square">
-            <a:spAutoFit/>
-          </a:bodyPr>
-          <a:lstStyle/>
-          <a:p>
-            <a:r>
-              <a:rPr lang="fr-FR" sz="2000" b="1" dirty="0"/>
-              <a:t>PM</a:t>
-            </a:r>
-          </a:p>
-        </p:txBody>
-      </p:sp>
-      <p:sp>
-        <p:nvSpPr>
-          <p:cNvPr id="33" name="Rectangle 32">
-            <a:extLst>
-              <a:ext uri="{FF2B5EF4-FFF2-40B4-BE49-F238E27FC236}">
-                <a16:creationId xmlns:a16="http://schemas.microsoft.com/office/drawing/2014/main" id="{F91B0458-D347-CF48-BA3E-E42F5B0CD83B}"/>
-              </a:ext>
-            </a:extLst>
-          </p:cNvPr>
-          <p:cNvSpPr/>
-          <p:nvPr/>
-        </p:nvSpPr>
-        <p:spPr>
-          <a:xfrm>
-            <a:off x="11120564" y="5550100"/>
-            <a:ext cx="597408" cy="400110"/>
-          </a:xfrm>
-          <a:prstGeom prst="rect">
-            <a:avLst/>
-          </a:prstGeom>
-        </p:spPr>
-        <p:txBody>
-          <a:bodyPr wrap="square">
-            <a:spAutoFit/>
-          </a:bodyPr>
-          <a:lstStyle/>
-          <a:p>
-            <a:r>
-              <a:rPr lang="fr-FR" sz="2000" b="1" dirty="0"/>
-              <a:t>PM</a:t>
-            </a:r>
-          </a:p>
-        </p:txBody>
-      </p:sp>
-      <p:sp>
-        <p:nvSpPr>
-          <p:cNvPr id="34" name="Rectangle 33">
-            <a:extLst>
-              <a:ext uri="{FF2B5EF4-FFF2-40B4-BE49-F238E27FC236}">
-                <a16:creationId xmlns:a16="http://schemas.microsoft.com/office/drawing/2014/main" id="{A89E4955-F7AD-664A-BD28-F91FF87AE0DD}"/>
-              </a:ext>
-            </a:extLst>
-          </p:cNvPr>
-          <p:cNvSpPr/>
-          <p:nvPr/>
-        </p:nvSpPr>
-        <p:spPr>
-          <a:xfrm>
-            <a:off x="5084318" y="2751187"/>
-            <a:ext cx="597408" cy="400110"/>
-          </a:xfrm>
-          <a:prstGeom prst="rect">
-            <a:avLst/>
-          </a:prstGeom>
-        </p:spPr>
-        <p:txBody>
-          <a:bodyPr wrap="square">
-            <a:spAutoFit/>
-          </a:bodyPr>
-          <a:lstStyle/>
-          <a:p>
-            <a:r>
-              <a:rPr lang="fr-FR" sz="2000" b="1" dirty="0"/>
-              <a:t>AM</a:t>
-            </a:r>
-          </a:p>
-        </p:txBody>
-      </p:sp>
-      <p:sp>
-        <p:nvSpPr>
-          <p:cNvPr id="35" name="Rectangle 34">
-            <a:extLst>
-              <a:ext uri="{FF2B5EF4-FFF2-40B4-BE49-F238E27FC236}">
-                <a16:creationId xmlns:a16="http://schemas.microsoft.com/office/drawing/2014/main" id="{7CCE2B6D-806F-8840-A025-608F08D25D7F}"/>
-              </a:ext>
-            </a:extLst>
-          </p:cNvPr>
-          <p:cNvSpPr/>
-          <p:nvPr/>
-        </p:nvSpPr>
-        <p:spPr>
-          <a:xfrm>
-            <a:off x="5292978" y="5540911"/>
-            <a:ext cx="597408" cy="400110"/>
-          </a:xfrm>
-          <a:prstGeom prst="rect">
-            <a:avLst/>
-          </a:prstGeom>
-        </p:spPr>
-        <p:txBody>
-          <a:bodyPr wrap="square">
-            <a:spAutoFit/>
-          </a:bodyPr>
-          <a:lstStyle/>
-          <a:p>
-            <a:r>
-              <a:rPr lang="fr-FR" sz="2000" b="1" dirty="0"/>
-              <a:t>AM</a:t>
-            </a:r>
-          </a:p>
-        </p:txBody>
-      </p:sp>
+      </p:pic>
     </p:spTree>
     <p:extLst>
       <p:ext uri="{BB962C8B-B14F-4D97-AF65-F5344CB8AC3E}">
         <p14:creationId xmlns:p14="http://schemas.microsoft.com/office/powerpoint/2010/main" val="3189760839"/>
+      </p:ext>
+    </p:extLst>
+  </p:cSld>
+  <p:clrMapOvr>
+    <a:masterClrMapping/>
+  </p:clrMapOvr>
+</p:sld>
+</file>
+
+<file path=ppt/slides/slide8.xml><?xml version="1.0" encoding="utf-8"?>
+<p:sld xmlns:a="http://schemas.openxmlformats.org/drawingml/2006/main" xmlns:r="http://schemas.openxmlformats.org/officeDocument/2006/relationships" xmlns:p="http://schemas.openxmlformats.org/presentationml/2006/main">
+  <p:cSld>
+    <p:spTree>
+      <p:nvGrpSpPr>
+        <p:cNvPr id="1" name=""/>
+        <p:cNvGrpSpPr/>
+        <p:nvPr/>
+      </p:nvGrpSpPr>
+      <p:grpSpPr>
+        <a:xfrm>
+          <a:off x="0" y="0"/>
+          <a:ext cx="0" cy="0"/>
+          <a:chOff x="0" y="0"/>
+          <a:chExt cx="0" cy="0"/>
+        </a:xfrm>
+      </p:grpSpPr>
+      <p:cxnSp>
+        <p:nvCxnSpPr>
+          <p:cNvPr id="9" name="Straight Connector 8">
+            <a:extLst>
+              <a:ext uri="{FF2B5EF4-FFF2-40B4-BE49-F238E27FC236}">
+                <a16:creationId xmlns:a16="http://schemas.microsoft.com/office/drawing/2014/main" id="{55B425AD-7721-8448-AE48-3107DD2CF4C7}"/>
+              </a:ext>
+            </a:extLst>
+          </p:cNvPr>
+          <p:cNvCxnSpPr/>
+          <p:nvPr/>
+        </p:nvCxnSpPr>
+        <p:spPr>
+          <a:xfrm>
+            <a:off x="0" y="1076628"/>
+            <a:ext cx="12211667" cy="0"/>
+          </a:xfrm>
+          <a:prstGeom prst="line">
+            <a:avLst/>
+          </a:prstGeom>
+          <a:ln>
+            <a:solidFill>
+              <a:schemeClr val="tx1"/>
+            </a:solidFill>
+          </a:ln>
+        </p:spPr>
+        <p:style>
+          <a:lnRef idx="1">
+            <a:schemeClr val="accent1"/>
+          </a:lnRef>
+          <a:fillRef idx="0">
+            <a:schemeClr val="accent1"/>
+          </a:fillRef>
+          <a:effectRef idx="0">
+            <a:schemeClr val="accent1"/>
+          </a:effectRef>
+          <a:fontRef idx="minor">
+            <a:schemeClr val="tx1"/>
+          </a:fontRef>
+        </p:style>
+      </p:cxnSp>
+      <p:sp>
+        <p:nvSpPr>
+          <p:cNvPr id="10" name="Title 1">
+            <a:extLst>
+              <a:ext uri="{FF2B5EF4-FFF2-40B4-BE49-F238E27FC236}">
+                <a16:creationId xmlns:a16="http://schemas.microsoft.com/office/drawing/2014/main" id="{34498A9E-7F8D-E144-A898-7BBBF5C5A87A}"/>
+              </a:ext>
+            </a:extLst>
+          </p:cNvPr>
+          <p:cNvSpPr txBox="1">
+            <a:spLocks/>
+          </p:cNvSpPr>
+          <p:nvPr/>
+        </p:nvSpPr>
+        <p:spPr>
+          <a:xfrm>
+            <a:off x="3683409" y="250725"/>
+            <a:ext cx="4825181" cy="923772"/>
+          </a:xfrm>
+          <a:prstGeom prst="rect">
+            <a:avLst/>
+          </a:prstGeom>
+        </p:spPr>
+        <p:txBody>
+          <a:bodyPr vert="horz" lIns="91440" tIns="45720" rIns="91440" bIns="45720" rtlCol="0" anchor="ctr">
+            <a:normAutofit/>
+          </a:bodyPr>
+          <a:lstStyle>
+            <a:lvl1pPr algn="l" defTabSz="914400" rtl="0" eaLnBrk="1" latinLnBrk="0" hangingPunct="1">
+              <a:lnSpc>
+                <a:spcPct val="90000"/>
+              </a:lnSpc>
+              <a:spcBef>
+                <a:spcPct val="0"/>
+              </a:spcBef>
+              <a:buNone/>
+              <a:defRPr sz="4400" kern="1200">
+                <a:solidFill>
+                  <a:schemeClr val="tx1"/>
+                </a:solidFill>
+                <a:latin typeface="+mj-lt"/>
+                <a:ea typeface="+mj-ea"/>
+                <a:cs typeface="+mj-cs"/>
+              </a:defRPr>
+            </a:lvl1pPr>
+          </a:lstStyle>
+          <a:p>
+            <a:pPr algn="ctr"/>
+            <a:r>
+              <a:rPr lang="fr-FR" b="1" dirty="0"/>
+              <a:t>Initial </a:t>
+            </a:r>
+            <a:r>
+              <a:rPr lang="fr-FR" b="1" dirty="0" err="1"/>
+              <a:t>findings</a:t>
+            </a:r>
+            <a:endParaRPr lang="fr-FR" b="1" dirty="0"/>
+          </a:p>
+        </p:txBody>
+      </p:sp>
+      <p:sp>
+        <p:nvSpPr>
+          <p:cNvPr id="18" name="Rectangle 17">
+            <a:extLst>
+              <a:ext uri="{FF2B5EF4-FFF2-40B4-BE49-F238E27FC236}">
+                <a16:creationId xmlns:a16="http://schemas.microsoft.com/office/drawing/2014/main" id="{59688B5B-87AB-0145-858F-69A4715B7318}"/>
+              </a:ext>
+            </a:extLst>
+          </p:cNvPr>
+          <p:cNvSpPr/>
+          <p:nvPr/>
+        </p:nvSpPr>
+        <p:spPr>
+          <a:xfrm>
+            <a:off x="549947" y="4556193"/>
+            <a:ext cx="5216252" cy="830997"/>
+          </a:xfrm>
+          <a:prstGeom prst="rect">
+            <a:avLst/>
+          </a:prstGeom>
+        </p:spPr>
+        <p:txBody>
+          <a:bodyPr wrap="square">
+            <a:spAutoFit/>
+          </a:bodyPr>
+          <a:lstStyle/>
+          <a:p>
+            <a:r>
+              <a:rPr lang="fr-FR" sz="2400" b="1" dirty="0"/>
+              <a:t>Most </a:t>
+            </a:r>
+            <a:r>
+              <a:rPr lang="fr-FR" sz="2400" b="1" dirty="0" err="1"/>
+              <a:t>popular</a:t>
+            </a:r>
+            <a:r>
+              <a:rPr lang="fr-FR" sz="2400" b="1" dirty="0"/>
+              <a:t> brands </a:t>
+            </a:r>
+            <a:r>
+              <a:rPr lang="fr-FR" sz="2400" b="1" dirty="0" err="1"/>
+              <a:t>during</a:t>
+            </a:r>
+            <a:r>
+              <a:rPr lang="fr-FR" sz="2400" b="1" dirty="0"/>
+              <a:t> the </a:t>
+            </a:r>
+            <a:r>
+              <a:rPr lang="fr-FR" sz="2400" b="1" dirty="0" err="1"/>
+              <a:t>week</a:t>
+            </a:r>
+            <a:r>
+              <a:rPr lang="fr-FR" sz="2400" b="1" dirty="0"/>
+              <a:t> (</a:t>
+            </a:r>
+            <a:r>
+              <a:rPr lang="fr-FR" sz="2400" b="1" dirty="0" err="1"/>
+              <a:t>Monday</a:t>
+            </a:r>
+            <a:r>
+              <a:rPr lang="fr-FR" sz="2400" b="1" dirty="0"/>
+              <a:t> to Thursday)</a:t>
+            </a:r>
+          </a:p>
+        </p:txBody>
+      </p:sp>
+      <p:sp>
+        <p:nvSpPr>
+          <p:cNvPr id="16" name="Rectangle 15">
+            <a:extLst>
+              <a:ext uri="{FF2B5EF4-FFF2-40B4-BE49-F238E27FC236}">
+                <a16:creationId xmlns:a16="http://schemas.microsoft.com/office/drawing/2014/main" id="{840503F2-EC47-FB4E-8808-FC54D39A28FA}"/>
+              </a:ext>
+            </a:extLst>
+          </p:cNvPr>
+          <p:cNvSpPr/>
+          <p:nvPr/>
+        </p:nvSpPr>
+        <p:spPr>
+          <a:xfrm>
+            <a:off x="6135927" y="4556194"/>
+            <a:ext cx="5506126" cy="830997"/>
+          </a:xfrm>
+          <a:prstGeom prst="rect">
+            <a:avLst/>
+          </a:prstGeom>
+        </p:spPr>
+        <p:txBody>
+          <a:bodyPr wrap="square">
+            <a:spAutoFit/>
+          </a:bodyPr>
+          <a:lstStyle/>
+          <a:p>
+            <a:r>
+              <a:rPr lang="fr-FR" sz="2400" b="1" dirty="0"/>
+              <a:t>Most </a:t>
+            </a:r>
+            <a:r>
+              <a:rPr lang="fr-FR" sz="2400" b="1" dirty="0" err="1"/>
+              <a:t>popular</a:t>
+            </a:r>
+            <a:r>
+              <a:rPr lang="fr-FR" sz="2400" b="1" dirty="0"/>
+              <a:t> brands </a:t>
+            </a:r>
+            <a:r>
+              <a:rPr lang="fr-FR" sz="2400" b="1" dirty="0" err="1"/>
+              <a:t>during</a:t>
+            </a:r>
+            <a:r>
+              <a:rPr lang="fr-FR" sz="2400" b="1" dirty="0"/>
+              <a:t> the weekend  (Friday to Sunday)</a:t>
+            </a:r>
+          </a:p>
+        </p:txBody>
+      </p:sp>
+      <p:sp>
+        <p:nvSpPr>
+          <p:cNvPr id="2" name="Slide Number Placeholder 1">
+            <a:extLst>
+              <a:ext uri="{FF2B5EF4-FFF2-40B4-BE49-F238E27FC236}">
+                <a16:creationId xmlns:a16="http://schemas.microsoft.com/office/drawing/2014/main" id="{36A96C12-8A52-B34E-8DB6-4286B26ADD8A}"/>
+              </a:ext>
+            </a:extLst>
+          </p:cNvPr>
+          <p:cNvSpPr>
+            <a:spLocks noGrp="1"/>
+          </p:cNvSpPr>
+          <p:nvPr>
+            <p:ph type="sldNum" sz="quarter" idx="12"/>
+          </p:nvPr>
+        </p:nvSpPr>
+        <p:spPr/>
+        <p:txBody>
+          <a:bodyPr/>
+          <a:lstStyle/>
+          <a:p>
+            <a:fld id="{D2162F12-6F32-264E-B336-B9A8BBC2530F}" type="slidenum">
+              <a:rPr lang="fr-FR" smtClean="0"/>
+              <a:t>8</a:t>
+            </a:fld>
+            <a:endParaRPr lang="fr-FR"/>
+          </a:p>
+        </p:txBody>
+      </p:sp>
+      <p:sp>
+        <p:nvSpPr>
+          <p:cNvPr id="3" name="Footer Placeholder 2">
+            <a:extLst>
+              <a:ext uri="{FF2B5EF4-FFF2-40B4-BE49-F238E27FC236}">
+                <a16:creationId xmlns:a16="http://schemas.microsoft.com/office/drawing/2014/main" id="{BC132929-AFA8-914B-A205-3DB94498310A}"/>
+              </a:ext>
+            </a:extLst>
+          </p:cNvPr>
+          <p:cNvSpPr>
+            <a:spLocks noGrp="1"/>
+          </p:cNvSpPr>
+          <p:nvPr>
+            <p:ph type="ftr" sz="quarter" idx="11"/>
+          </p:nvPr>
+        </p:nvSpPr>
+        <p:spPr/>
+        <p:txBody>
+          <a:bodyPr/>
+          <a:lstStyle/>
+          <a:p>
+            <a:r>
+              <a:rPr lang="fr-FR" dirty="0" err="1"/>
+              <a:t>Exploratory</a:t>
+            </a:r>
+            <a:r>
+              <a:rPr lang="fr-FR" dirty="0"/>
+              <a:t> Data </a:t>
+            </a:r>
+            <a:r>
+              <a:rPr lang="fr-FR" dirty="0" err="1"/>
+              <a:t>Analysis</a:t>
+            </a:r>
+            <a:endParaRPr lang="fr-FR" dirty="0"/>
+          </a:p>
+        </p:txBody>
+      </p:sp>
+      <p:pic>
+        <p:nvPicPr>
+          <p:cNvPr id="6" name="Picture 5">
+            <a:extLst>
+              <a:ext uri="{FF2B5EF4-FFF2-40B4-BE49-F238E27FC236}">
+                <a16:creationId xmlns:a16="http://schemas.microsoft.com/office/drawing/2014/main" id="{8E3DAD83-24A7-6D44-B2BA-ED74E7C60C0E}"/>
+              </a:ext>
+            </a:extLst>
+          </p:cNvPr>
+          <p:cNvPicPr>
+            <a:picLocks noChangeAspect="1"/>
+          </p:cNvPicPr>
+          <p:nvPr/>
+        </p:nvPicPr>
+        <p:blipFill>
+          <a:blip r:embed="rId3"/>
+          <a:stretch>
+            <a:fillRect/>
+          </a:stretch>
+        </p:blipFill>
+        <p:spPr>
+          <a:xfrm>
+            <a:off x="6095998" y="1636780"/>
+            <a:ext cx="5257741" cy="2607613"/>
+          </a:xfrm>
+          <a:prstGeom prst="rect">
+            <a:avLst/>
+          </a:prstGeom>
+        </p:spPr>
+      </p:pic>
+      <p:pic>
+        <p:nvPicPr>
+          <p:cNvPr id="8" name="Picture 7">
+            <a:extLst>
+              <a:ext uri="{FF2B5EF4-FFF2-40B4-BE49-F238E27FC236}">
+                <a16:creationId xmlns:a16="http://schemas.microsoft.com/office/drawing/2014/main" id="{D8911500-AFED-FB4D-85FB-45628473402C}"/>
+              </a:ext>
+            </a:extLst>
+          </p:cNvPr>
+          <p:cNvPicPr>
+            <a:picLocks noChangeAspect="1"/>
+          </p:cNvPicPr>
+          <p:nvPr/>
+        </p:nvPicPr>
+        <p:blipFill>
+          <a:blip r:embed="rId4"/>
+          <a:stretch>
+            <a:fillRect/>
+          </a:stretch>
+        </p:blipFill>
+        <p:spPr>
+          <a:xfrm>
+            <a:off x="549947" y="1636781"/>
+            <a:ext cx="5216252" cy="2457129"/>
+          </a:xfrm>
+          <a:prstGeom prst="rect">
+            <a:avLst/>
+          </a:prstGeom>
+        </p:spPr>
+      </p:pic>
+      <p:pic>
+        <p:nvPicPr>
+          <p:cNvPr id="36" name="Picture 35">
+            <a:extLst>
+              <a:ext uri="{FF2B5EF4-FFF2-40B4-BE49-F238E27FC236}">
+                <a16:creationId xmlns:a16="http://schemas.microsoft.com/office/drawing/2014/main" id="{24A34A79-E7D2-A042-84BF-E43B426A6F51}"/>
+              </a:ext>
+            </a:extLst>
+          </p:cNvPr>
+          <p:cNvPicPr>
+            <a:picLocks noChangeAspect="1"/>
+          </p:cNvPicPr>
+          <p:nvPr/>
+        </p:nvPicPr>
+        <p:blipFill rotWithShape="1">
+          <a:blip r:embed="rId5">
+            <a:alphaModFix amt="35000"/>
+          </a:blip>
+          <a:srcRect t="8682" b="11589"/>
+          <a:stretch/>
+        </p:blipFill>
+        <p:spPr>
+          <a:xfrm>
+            <a:off x="0" y="117993"/>
+            <a:ext cx="12193826" cy="6210000"/>
+          </a:xfrm>
+          <a:prstGeom prst="rect">
+            <a:avLst/>
+          </a:prstGeom>
+        </p:spPr>
+      </p:pic>
+    </p:spTree>
+    <p:extLst>
+      <p:ext uri="{BB962C8B-B14F-4D97-AF65-F5344CB8AC3E}">
+        <p14:creationId xmlns:p14="http://schemas.microsoft.com/office/powerpoint/2010/main" val="592573099"/>
+      </p:ext>
+    </p:extLst>
+  </p:cSld>
+  <p:clrMapOvr>
+    <a:masterClrMapping/>
+  </p:clrMapOvr>
+</p:sld>
+</file>
+
+<file path=ppt/slides/slide9.xml><?xml version="1.0" encoding="utf-8"?>
+<p:sld xmlns:a="http://schemas.openxmlformats.org/drawingml/2006/main" xmlns:r="http://schemas.openxmlformats.org/officeDocument/2006/relationships" xmlns:p="http://schemas.openxmlformats.org/presentationml/2006/main">
+  <p:cSld>
+    <p:spTree>
+      <p:nvGrpSpPr>
+        <p:cNvPr id="1" name=""/>
+        <p:cNvGrpSpPr/>
+        <p:nvPr/>
+      </p:nvGrpSpPr>
+      <p:grpSpPr>
+        <a:xfrm>
+          <a:off x="0" y="0"/>
+          <a:ext cx="0" cy="0"/>
+          <a:chOff x="0" y="0"/>
+          <a:chExt cx="0" cy="0"/>
+        </a:xfrm>
+      </p:grpSpPr>
+      <p:cxnSp>
+        <p:nvCxnSpPr>
+          <p:cNvPr id="9" name="Straight Connector 8">
+            <a:extLst>
+              <a:ext uri="{FF2B5EF4-FFF2-40B4-BE49-F238E27FC236}">
+                <a16:creationId xmlns:a16="http://schemas.microsoft.com/office/drawing/2014/main" id="{55B425AD-7721-8448-AE48-3107DD2CF4C7}"/>
+              </a:ext>
+            </a:extLst>
+          </p:cNvPr>
+          <p:cNvCxnSpPr/>
+          <p:nvPr/>
+        </p:nvCxnSpPr>
+        <p:spPr>
+          <a:xfrm>
+            <a:off x="0" y="1076628"/>
+            <a:ext cx="12211667" cy="0"/>
+          </a:xfrm>
+          <a:prstGeom prst="line">
+            <a:avLst/>
+          </a:prstGeom>
+          <a:ln>
+            <a:solidFill>
+              <a:schemeClr val="tx1"/>
+            </a:solidFill>
+          </a:ln>
+        </p:spPr>
+        <p:style>
+          <a:lnRef idx="1">
+            <a:schemeClr val="accent1"/>
+          </a:lnRef>
+          <a:fillRef idx="0">
+            <a:schemeClr val="accent1"/>
+          </a:fillRef>
+          <a:effectRef idx="0">
+            <a:schemeClr val="accent1"/>
+          </a:effectRef>
+          <a:fontRef idx="minor">
+            <a:schemeClr val="tx1"/>
+          </a:fontRef>
+        </p:style>
+      </p:cxnSp>
+      <p:sp>
+        <p:nvSpPr>
+          <p:cNvPr id="10" name="Title 1">
+            <a:extLst>
+              <a:ext uri="{FF2B5EF4-FFF2-40B4-BE49-F238E27FC236}">
+                <a16:creationId xmlns:a16="http://schemas.microsoft.com/office/drawing/2014/main" id="{34498A9E-7F8D-E144-A898-7BBBF5C5A87A}"/>
+              </a:ext>
+            </a:extLst>
+          </p:cNvPr>
+          <p:cNvSpPr txBox="1">
+            <a:spLocks/>
+          </p:cNvSpPr>
+          <p:nvPr/>
+        </p:nvSpPr>
+        <p:spPr>
+          <a:xfrm>
+            <a:off x="3683409" y="250725"/>
+            <a:ext cx="4825181" cy="923772"/>
+          </a:xfrm>
+          <a:prstGeom prst="rect">
+            <a:avLst/>
+          </a:prstGeom>
+        </p:spPr>
+        <p:txBody>
+          <a:bodyPr vert="horz" lIns="91440" tIns="45720" rIns="91440" bIns="45720" rtlCol="0" anchor="ctr">
+            <a:normAutofit/>
+          </a:bodyPr>
+          <a:lstStyle>
+            <a:lvl1pPr algn="l" defTabSz="914400" rtl="0" eaLnBrk="1" latinLnBrk="0" hangingPunct="1">
+              <a:lnSpc>
+                <a:spcPct val="90000"/>
+              </a:lnSpc>
+              <a:spcBef>
+                <a:spcPct val="0"/>
+              </a:spcBef>
+              <a:buNone/>
+              <a:defRPr sz="4400" kern="1200">
+                <a:solidFill>
+                  <a:schemeClr val="tx1"/>
+                </a:solidFill>
+                <a:latin typeface="+mj-lt"/>
+                <a:ea typeface="+mj-ea"/>
+                <a:cs typeface="+mj-cs"/>
+              </a:defRPr>
+            </a:lvl1pPr>
+          </a:lstStyle>
+          <a:p>
+            <a:pPr algn="ctr"/>
+            <a:r>
+              <a:rPr lang="fr-FR" b="1" dirty="0" err="1"/>
+              <a:t>Clustering</a:t>
+            </a:r>
+            <a:endParaRPr lang="fr-FR" b="1" dirty="0"/>
+          </a:p>
+        </p:txBody>
+      </p:sp>
+      <p:sp>
+        <p:nvSpPr>
+          <p:cNvPr id="2" name="Slide Number Placeholder 1">
+            <a:extLst>
+              <a:ext uri="{FF2B5EF4-FFF2-40B4-BE49-F238E27FC236}">
+                <a16:creationId xmlns:a16="http://schemas.microsoft.com/office/drawing/2014/main" id="{36A96C12-8A52-B34E-8DB6-4286B26ADD8A}"/>
+              </a:ext>
+            </a:extLst>
+          </p:cNvPr>
+          <p:cNvSpPr>
+            <a:spLocks noGrp="1"/>
+          </p:cNvSpPr>
+          <p:nvPr>
+            <p:ph type="sldNum" sz="quarter" idx="12"/>
+          </p:nvPr>
+        </p:nvSpPr>
+        <p:spPr/>
+        <p:txBody>
+          <a:bodyPr/>
+          <a:lstStyle/>
+          <a:p>
+            <a:fld id="{D2162F12-6F32-264E-B336-B9A8BBC2530F}" type="slidenum">
+              <a:rPr lang="fr-FR" smtClean="0"/>
+              <a:t>9</a:t>
+            </a:fld>
+            <a:endParaRPr lang="fr-FR"/>
+          </a:p>
+        </p:txBody>
+      </p:sp>
+      <p:sp>
+        <p:nvSpPr>
+          <p:cNvPr id="3" name="Footer Placeholder 2">
+            <a:extLst>
+              <a:ext uri="{FF2B5EF4-FFF2-40B4-BE49-F238E27FC236}">
+                <a16:creationId xmlns:a16="http://schemas.microsoft.com/office/drawing/2014/main" id="{BC132929-AFA8-914B-A205-3DB94498310A}"/>
+              </a:ext>
+            </a:extLst>
+          </p:cNvPr>
+          <p:cNvSpPr>
+            <a:spLocks noGrp="1"/>
+          </p:cNvSpPr>
+          <p:nvPr>
+            <p:ph type="ftr" sz="quarter" idx="11"/>
+          </p:nvPr>
+        </p:nvSpPr>
+        <p:spPr/>
+        <p:txBody>
+          <a:bodyPr/>
+          <a:lstStyle/>
+          <a:p>
+            <a:r>
+              <a:rPr lang="fr-FR" dirty="0" err="1"/>
+              <a:t>Exploratory</a:t>
+            </a:r>
+            <a:r>
+              <a:rPr lang="fr-FR" dirty="0"/>
+              <a:t> Data </a:t>
+            </a:r>
+            <a:r>
+              <a:rPr lang="fr-FR" dirty="0" err="1"/>
+              <a:t>Analysis</a:t>
+            </a:r>
+            <a:endParaRPr lang="fr-FR" dirty="0"/>
+          </a:p>
+        </p:txBody>
+      </p:sp>
+      <p:pic>
+        <p:nvPicPr>
+          <p:cNvPr id="15" name="Picture 14">
+            <a:extLst>
+              <a:ext uri="{FF2B5EF4-FFF2-40B4-BE49-F238E27FC236}">
+                <a16:creationId xmlns:a16="http://schemas.microsoft.com/office/drawing/2014/main" id="{84CECDE3-FEB9-8345-87A6-D37DB01AF42C}"/>
+              </a:ext>
+            </a:extLst>
+          </p:cNvPr>
+          <p:cNvPicPr/>
+          <p:nvPr/>
+        </p:nvPicPr>
+        <p:blipFill>
+          <a:blip r:embed="rId3">
+            <a:extLst>
+              <a:ext uri="{28A0092B-C50C-407E-A947-70E740481C1C}">
+                <a14:useLocalDpi xmlns:a14="http://schemas.microsoft.com/office/drawing/2010/main" val="0"/>
+              </a:ext>
+            </a:extLst>
+          </a:blip>
+          <a:stretch>
+            <a:fillRect/>
+          </a:stretch>
+        </p:blipFill>
+        <p:spPr>
+          <a:xfrm>
+            <a:off x="444910" y="1244763"/>
+            <a:ext cx="4825180" cy="3352763"/>
+          </a:xfrm>
+          <a:prstGeom prst="rect">
+            <a:avLst/>
+          </a:prstGeom>
+        </p:spPr>
+      </p:pic>
+      <p:pic>
+        <p:nvPicPr>
+          <p:cNvPr id="17" name="Picture 16">
+            <a:extLst>
+              <a:ext uri="{FF2B5EF4-FFF2-40B4-BE49-F238E27FC236}">
+                <a16:creationId xmlns:a16="http://schemas.microsoft.com/office/drawing/2014/main" id="{1A272613-3FBA-B24E-894E-E3DC046AB168}"/>
+              </a:ext>
+            </a:extLst>
+          </p:cNvPr>
+          <p:cNvPicPr/>
+          <p:nvPr/>
+        </p:nvPicPr>
+        <p:blipFill>
+          <a:blip r:embed="rId4">
+            <a:extLst>
+              <a:ext uri="{28A0092B-C50C-407E-A947-70E740481C1C}">
+                <a14:useLocalDpi xmlns:a14="http://schemas.microsoft.com/office/drawing/2010/main" val="0"/>
+              </a:ext>
+            </a:extLst>
+          </a:blip>
+          <a:stretch>
+            <a:fillRect/>
+          </a:stretch>
+        </p:blipFill>
+        <p:spPr>
+          <a:xfrm>
+            <a:off x="6481917" y="1159560"/>
+            <a:ext cx="4825180" cy="3523169"/>
+          </a:xfrm>
+          <a:prstGeom prst="rect">
+            <a:avLst/>
+          </a:prstGeom>
+        </p:spPr>
+      </p:pic>
+      <p:sp>
+        <p:nvSpPr>
+          <p:cNvPr id="5" name="Rectangle 4">
+            <a:extLst>
+              <a:ext uri="{FF2B5EF4-FFF2-40B4-BE49-F238E27FC236}">
+                <a16:creationId xmlns:a16="http://schemas.microsoft.com/office/drawing/2014/main" id="{48183DDA-7EFD-254D-9B27-F56D84E142BA}"/>
+              </a:ext>
+            </a:extLst>
+          </p:cNvPr>
+          <p:cNvSpPr/>
+          <p:nvPr/>
+        </p:nvSpPr>
+        <p:spPr>
+          <a:xfrm>
+            <a:off x="444909" y="4667792"/>
+            <a:ext cx="5911645" cy="1754326"/>
+          </a:xfrm>
+          <a:prstGeom prst="rect">
+            <a:avLst/>
+          </a:prstGeom>
+        </p:spPr>
+        <p:txBody>
+          <a:bodyPr wrap="square">
+            <a:spAutoFit/>
+          </a:bodyPr>
+          <a:lstStyle/>
+          <a:p>
+            <a:pPr marL="285750" indent="-285750">
+              <a:buFont typeface="Arial" panose="020B0604020202020204" pitchFamily="34" charset="0"/>
+              <a:buChar char="•"/>
+            </a:pPr>
+            <a:r>
+              <a:rPr lang="en-US" dirty="0">
+                <a:latin typeface="Times New Roman" panose="02020603050405020304" pitchFamily="18" charset="0"/>
+                <a:ea typeface="Calibri" panose="020F0502020204030204" pitchFamily="34" charset="0"/>
+              </a:rPr>
+              <a:t>Most populated days of the week: Monday to Wednesday</a:t>
+            </a:r>
+          </a:p>
+          <a:p>
+            <a:pPr marL="285750" indent="-285750">
+              <a:buFont typeface="Arial" panose="020B0604020202020204" pitchFamily="34" charset="0"/>
+              <a:buChar char="•"/>
+            </a:pPr>
+            <a:r>
+              <a:rPr lang="en-US" dirty="0">
+                <a:latin typeface="Times New Roman" panose="02020603050405020304" pitchFamily="18" charset="0"/>
+                <a:ea typeface="Calibri" panose="020F0502020204030204" pitchFamily="34" charset="0"/>
+              </a:rPr>
+              <a:t>Thursday undergoes a clear decrease </a:t>
+            </a:r>
+          </a:p>
+          <a:p>
+            <a:pPr marL="285750" indent="-285750">
+              <a:buFont typeface="Arial" panose="020B0604020202020204" pitchFamily="34" charset="0"/>
+              <a:buChar char="•"/>
+            </a:pPr>
+            <a:r>
+              <a:rPr lang="en-US" dirty="0">
+                <a:latin typeface="Times New Roman" panose="02020603050405020304" pitchFamily="18" charset="0"/>
+                <a:ea typeface="Calibri" panose="020F0502020204030204" pitchFamily="34" charset="0"/>
+              </a:rPr>
+              <a:t>Friday goes up again, but lower than the beginning of the week. </a:t>
+            </a:r>
+          </a:p>
+          <a:p>
+            <a:pPr marL="285750" indent="-285750">
+              <a:buFont typeface="Arial" panose="020B0604020202020204" pitchFamily="34" charset="0"/>
+              <a:buChar char="•"/>
+            </a:pPr>
+            <a:r>
+              <a:rPr lang="en-US" dirty="0">
+                <a:latin typeface="Times New Roman" panose="02020603050405020304" pitchFamily="18" charset="0"/>
+                <a:ea typeface="Calibri" panose="020F0502020204030204" pitchFamily="34" charset="0"/>
+              </a:rPr>
+              <a:t>Sunday is the day of the week with the lowest number of visitors.</a:t>
+            </a:r>
+            <a:r>
+              <a:rPr lang="fr-FR" dirty="0"/>
+              <a:t> </a:t>
+            </a:r>
+          </a:p>
+        </p:txBody>
+      </p:sp>
+      <p:sp>
+        <p:nvSpPr>
+          <p:cNvPr id="7" name="Rectangle 6">
+            <a:extLst>
+              <a:ext uri="{FF2B5EF4-FFF2-40B4-BE49-F238E27FC236}">
+                <a16:creationId xmlns:a16="http://schemas.microsoft.com/office/drawing/2014/main" id="{627AF09F-78E3-5443-A231-D5C7DF807019}"/>
+              </a:ext>
+            </a:extLst>
+          </p:cNvPr>
+          <p:cNvSpPr/>
+          <p:nvPr/>
+        </p:nvSpPr>
+        <p:spPr>
+          <a:xfrm>
+            <a:off x="6481917" y="4597526"/>
+            <a:ext cx="5390536" cy="1200329"/>
+          </a:xfrm>
+          <a:prstGeom prst="rect">
+            <a:avLst/>
+          </a:prstGeom>
+        </p:spPr>
+        <p:txBody>
+          <a:bodyPr wrap="square">
+            <a:spAutoFit/>
+          </a:bodyPr>
+          <a:lstStyle/>
+          <a:p>
+            <a:pPr marL="285750" indent="-285750">
+              <a:buFont typeface="Arial" panose="020B0604020202020204" pitchFamily="34" charset="0"/>
+              <a:buChar char="•"/>
+            </a:pPr>
+            <a:r>
+              <a:rPr lang="en-US" dirty="0">
+                <a:latin typeface="Times New Roman" panose="02020603050405020304" pitchFamily="18" charset="0"/>
+                <a:ea typeface="Calibri" panose="020F0502020204030204" pitchFamily="34" charset="0"/>
+                <a:cs typeface="Times New Roman" panose="02020603050405020304" pitchFamily="18" charset="0"/>
+              </a:rPr>
+              <a:t>Peak at 7am, then down progressively until 9am</a:t>
+            </a:r>
+          </a:p>
+          <a:p>
+            <a:pPr marL="285750" indent="-285750">
+              <a:buFont typeface="Arial" panose="020B0604020202020204" pitchFamily="34" charset="0"/>
+              <a:buChar char="•"/>
+            </a:pPr>
+            <a:r>
+              <a:rPr lang="en-US" dirty="0">
+                <a:latin typeface="Times New Roman" panose="02020603050405020304" pitchFamily="18" charset="0"/>
+                <a:ea typeface="Calibri" panose="020F0502020204030204" pitchFamily="34" charset="0"/>
+                <a:cs typeface="Times New Roman" panose="02020603050405020304" pitchFamily="18" charset="0"/>
+              </a:rPr>
+              <a:t>Second peak at 4pm</a:t>
+            </a:r>
+          </a:p>
+          <a:p>
+            <a:pPr marL="285750" indent="-285750">
+              <a:buFont typeface="Arial" panose="020B0604020202020204" pitchFamily="34" charset="0"/>
+              <a:buChar char="•"/>
+            </a:pPr>
+            <a:r>
+              <a:rPr lang="en-US" dirty="0">
+                <a:latin typeface="Times New Roman" panose="02020603050405020304" pitchFamily="18" charset="0"/>
+                <a:ea typeface="Calibri" panose="020F0502020204030204" pitchFamily="34" charset="0"/>
+                <a:cs typeface="Times New Roman" panose="02020603050405020304" pitchFamily="18" charset="0"/>
+              </a:rPr>
+              <a:t>The number of visitors then decreases very quickly until 5am.</a:t>
+            </a:r>
+            <a:r>
+              <a:rPr lang="fr-FR" dirty="0">
+                <a:latin typeface="Times New Roman" panose="02020603050405020304" pitchFamily="18" charset="0"/>
+                <a:cs typeface="Times New Roman" panose="02020603050405020304" pitchFamily="18" charset="0"/>
+              </a:rPr>
+              <a:t> </a:t>
+            </a:r>
+          </a:p>
+        </p:txBody>
+      </p:sp>
+      <p:pic>
+        <p:nvPicPr>
+          <p:cNvPr id="19" name="Picture 18">
+            <a:extLst>
+              <a:ext uri="{FF2B5EF4-FFF2-40B4-BE49-F238E27FC236}">
+                <a16:creationId xmlns:a16="http://schemas.microsoft.com/office/drawing/2014/main" id="{C52D34BA-5E4C-8E45-9FD7-5BD755B575F1}"/>
+              </a:ext>
+            </a:extLst>
+          </p:cNvPr>
+          <p:cNvPicPr>
+            <a:picLocks noChangeAspect="1"/>
+          </p:cNvPicPr>
+          <p:nvPr/>
+        </p:nvPicPr>
+        <p:blipFill rotWithShape="1">
+          <a:blip r:embed="rId5">
+            <a:alphaModFix amt="35000"/>
+          </a:blip>
+          <a:srcRect t="8682" b="11589"/>
+          <a:stretch/>
+        </p:blipFill>
+        <p:spPr>
+          <a:xfrm>
+            <a:off x="0" y="117993"/>
+            <a:ext cx="12193826" cy="6210000"/>
+          </a:xfrm>
+          <a:prstGeom prst="rect">
+            <a:avLst/>
+          </a:prstGeom>
+        </p:spPr>
+      </p:pic>
+    </p:spTree>
+    <p:extLst>
+      <p:ext uri="{BB962C8B-B14F-4D97-AF65-F5344CB8AC3E}">
+        <p14:creationId xmlns:p14="http://schemas.microsoft.com/office/powerpoint/2010/main" val="2969371613"/>
       </p:ext>
     </p:extLst>
   </p:cSld>
